--- a/2018_09_10_Presentation.pptx
+++ b/2018_09_10_Presentation.pptx
@@ -5,45 +5,49 @@
     <p:sldMasterId id="2147483719" r:id="rId1"/>
   </p:sldMasterIdLst>
   <p:notesMasterIdLst>
-    <p:notesMasterId r:id="rId38"/>
+    <p:notesMasterId r:id="rId42"/>
   </p:notesMasterIdLst>
   <p:sldIdLst>
     <p:sldId id="256" r:id="rId2"/>
-    <p:sldId id="338" r:id="rId3"/>
-    <p:sldId id="339" r:id="rId4"/>
-    <p:sldId id="340" r:id="rId5"/>
-    <p:sldId id="341" r:id="rId6"/>
-    <p:sldId id="342" r:id="rId7"/>
-    <p:sldId id="343" r:id="rId8"/>
-    <p:sldId id="344" r:id="rId9"/>
-    <p:sldId id="345" r:id="rId10"/>
-    <p:sldId id="346" r:id="rId11"/>
-    <p:sldId id="359" r:id="rId12"/>
-    <p:sldId id="360" r:id="rId13"/>
-    <p:sldId id="347" r:id="rId14"/>
-    <p:sldId id="348" r:id="rId15"/>
-    <p:sldId id="349" r:id="rId16"/>
-    <p:sldId id="350" r:id="rId17"/>
-    <p:sldId id="361" r:id="rId18"/>
-    <p:sldId id="351" r:id="rId19"/>
-    <p:sldId id="352" r:id="rId20"/>
-    <p:sldId id="353" r:id="rId21"/>
-    <p:sldId id="354" r:id="rId22"/>
-    <p:sldId id="362" r:id="rId23"/>
-    <p:sldId id="355" r:id="rId24"/>
-    <p:sldId id="356" r:id="rId25"/>
-    <p:sldId id="357" r:id="rId26"/>
-    <p:sldId id="358" r:id="rId27"/>
-    <p:sldId id="363" r:id="rId28"/>
-    <p:sldId id="264" r:id="rId29"/>
-    <p:sldId id="266" r:id="rId30"/>
-    <p:sldId id="267" r:id="rId31"/>
-    <p:sldId id="268" r:id="rId32"/>
-    <p:sldId id="270" r:id="rId33"/>
-    <p:sldId id="271" r:id="rId34"/>
-    <p:sldId id="335" r:id="rId35"/>
-    <p:sldId id="336" r:id="rId36"/>
-    <p:sldId id="337" r:id="rId37"/>
+    <p:sldId id="364" r:id="rId3"/>
+    <p:sldId id="365" r:id="rId4"/>
+    <p:sldId id="338" r:id="rId5"/>
+    <p:sldId id="339" r:id="rId6"/>
+    <p:sldId id="340" r:id="rId7"/>
+    <p:sldId id="341" r:id="rId8"/>
+    <p:sldId id="342" r:id="rId9"/>
+    <p:sldId id="343" r:id="rId10"/>
+    <p:sldId id="344" r:id="rId11"/>
+    <p:sldId id="345" r:id="rId12"/>
+    <p:sldId id="366" r:id="rId13"/>
+    <p:sldId id="359" r:id="rId14"/>
+    <p:sldId id="360" r:id="rId15"/>
+    <p:sldId id="347" r:id="rId16"/>
+    <p:sldId id="348" r:id="rId17"/>
+    <p:sldId id="349" r:id="rId18"/>
+    <p:sldId id="350" r:id="rId19"/>
+    <p:sldId id="361" r:id="rId20"/>
+    <p:sldId id="351" r:id="rId21"/>
+    <p:sldId id="352" r:id="rId22"/>
+    <p:sldId id="353" r:id="rId23"/>
+    <p:sldId id="354" r:id="rId24"/>
+    <p:sldId id="362" r:id="rId25"/>
+    <p:sldId id="355" r:id="rId26"/>
+    <p:sldId id="356" r:id="rId27"/>
+    <p:sldId id="357" r:id="rId28"/>
+    <p:sldId id="358" r:id="rId29"/>
+    <p:sldId id="367" r:id="rId30"/>
+    <p:sldId id="363" r:id="rId31"/>
+    <p:sldId id="264" r:id="rId32"/>
+    <p:sldId id="266" r:id="rId33"/>
+    <p:sldId id="267" r:id="rId34"/>
+    <p:sldId id="268" r:id="rId35"/>
+    <p:sldId id="270" r:id="rId36"/>
+    <p:sldId id="271" r:id="rId37"/>
+    <p:sldId id="335" r:id="rId38"/>
+    <p:sldId id="336" r:id="rId39"/>
+    <p:sldId id="337" r:id="rId40"/>
+    <p:sldId id="368" r:id="rId41"/>
   </p:sldIdLst>
   <p:sldSz cx="9144000" cy="6858000" type="screen4x3"/>
   <p:notesSz cx="6858000" cy="9144000"/>
@@ -227,7 +231,7 @@
           <a:p>
             <a:fld id="{9B7D6A3B-5116-E143-8A85-F6A9ECCBE359}" type="datetimeFigureOut">
               <a:rPr lang="fr-FR" smtClean="0"/>
-              <a:t>10/09/18</a:t>
+              <a:t>11/09/18</a:t>
             </a:fld>
             <a:endParaRPr lang="fr-FR"/>
           </a:p>
@@ -694,7 +698,7 @@
           <a:p>
             <a:fld id="{86EE2261-DA50-DD49-99CD-5AC74002EB3A}" type="slidenum">
               <a:rPr lang="fr-FR" smtClean="0"/>
-              <a:t>2</a:t>
+              <a:t>4</a:t>
             </a:fld>
             <a:endParaRPr lang="fr-FR"/>
           </a:p>
@@ -822,7 +826,7 @@
           <a:p>
             <a:fld id="{86EE2261-DA50-DD49-99CD-5AC74002EB3A}" type="slidenum">
               <a:rPr lang="fr-FR" smtClean="0"/>
-              <a:t>15</a:t>
+              <a:t>17</a:t>
             </a:fld>
             <a:endParaRPr lang="fr-FR"/>
           </a:p>
@@ -1029,7 +1033,7 @@
           <a:p>
             <a:fld id="{86EE2261-DA50-DD49-99CD-5AC74002EB3A}" type="slidenum">
               <a:rPr lang="fr-FR" smtClean="0"/>
-              <a:t>16</a:t>
+              <a:t>18</a:t>
             </a:fld>
             <a:endParaRPr lang="fr-FR"/>
           </a:p>
@@ -1201,7 +1205,7 @@
           <a:p>
             <a:fld id="{86EE2261-DA50-DD49-99CD-5AC74002EB3A}" type="slidenum">
               <a:rPr lang="fr-FR" smtClean="0"/>
-              <a:t>18</a:t>
+              <a:t>20</a:t>
             </a:fld>
             <a:endParaRPr lang="fr-FR"/>
           </a:p>
@@ -1362,7 +1366,7 @@
           <a:p>
             <a:fld id="{86EE2261-DA50-DD49-99CD-5AC74002EB3A}" type="slidenum">
               <a:rPr lang="fr-FR" smtClean="0"/>
-              <a:t>20</a:t>
+              <a:t>22</a:t>
             </a:fld>
             <a:endParaRPr lang="fr-FR"/>
           </a:p>
@@ -1540,7 +1544,7 @@
           <a:p>
             <a:fld id="{86EE2261-DA50-DD49-99CD-5AC74002EB3A}" type="slidenum">
               <a:rPr lang="fr-FR" smtClean="0"/>
-              <a:t>21</a:t>
+              <a:t>23</a:t>
             </a:fld>
             <a:endParaRPr lang="fr-FR"/>
           </a:p>
@@ -1820,7 +1824,7 @@
           <a:p>
             <a:fld id="{86EE2261-DA50-DD49-99CD-5AC74002EB3A}" type="slidenum">
               <a:rPr lang="fr-FR" smtClean="0"/>
-              <a:t>23</a:t>
+              <a:t>25</a:t>
             </a:fld>
             <a:endParaRPr lang="fr-FR"/>
           </a:p>
@@ -1976,7 +1980,7 @@
           <a:p>
             <a:fld id="{86EE2261-DA50-DD49-99CD-5AC74002EB3A}" type="slidenum">
               <a:rPr lang="fr-FR" smtClean="0"/>
-              <a:t>25</a:t>
+              <a:t>27</a:t>
             </a:fld>
             <a:endParaRPr lang="fr-FR"/>
           </a:p>
@@ -2132,7 +2136,7 @@
           <a:p>
             <a:fld id="{86EE2261-DA50-DD49-99CD-5AC74002EB3A}" type="slidenum">
               <a:rPr lang="fr-FR" smtClean="0"/>
-              <a:t>26</a:t>
+              <a:t>28</a:t>
             </a:fld>
             <a:endParaRPr lang="fr-FR"/>
           </a:p>
@@ -2396,7 +2400,7 @@
           <a:p>
             <a:fld id="{86EE2261-DA50-DD49-99CD-5AC74002EB3A}" type="slidenum">
               <a:rPr lang="fr-FR" smtClean="0"/>
-              <a:t>3</a:t>
+              <a:t>5</a:t>
             </a:fld>
             <a:endParaRPr lang="fr-FR"/>
           </a:p>
@@ -2660,7 +2664,7 @@
           <a:p>
             <a:fld id="{86EE2261-DA50-DD49-99CD-5AC74002EB3A}" type="slidenum">
               <a:rPr lang="fr-FR" smtClean="0"/>
-              <a:t>4</a:t>
+              <a:t>6</a:t>
             </a:fld>
             <a:endParaRPr lang="fr-FR"/>
           </a:p>
@@ -2916,7 +2920,7 @@
           <a:p>
             <a:fld id="{86EE2261-DA50-DD49-99CD-5AC74002EB3A}" type="slidenum">
               <a:rPr lang="fr-FR" smtClean="0"/>
-              <a:t>5</a:t>
+              <a:t>7</a:t>
             </a:fld>
             <a:endParaRPr lang="fr-FR"/>
           </a:p>
@@ -3176,7 +3180,7 @@
           <a:p>
             <a:fld id="{86EE2261-DA50-DD49-99CD-5AC74002EB3A}" type="slidenum">
               <a:rPr lang="fr-FR" smtClean="0"/>
-              <a:t>6</a:t>
+              <a:t>8</a:t>
             </a:fld>
             <a:endParaRPr lang="fr-FR"/>
           </a:p>
@@ -3614,7 +3618,7 @@
           <a:p>
             <a:fld id="{86EE2261-DA50-DD49-99CD-5AC74002EB3A}" type="slidenum">
               <a:rPr lang="fr-FR" smtClean="0"/>
-              <a:t>7</a:t>
+              <a:t>9</a:t>
             </a:fld>
             <a:endParaRPr lang="fr-FR"/>
           </a:p>
@@ -3868,7 +3872,7 @@
           <a:p>
             <a:fld id="{86EE2261-DA50-DD49-99CD-5AC74002EB3A}" type="slidenum">
               <a:rPr lang="fr-FR" smtClean="0"/>
-              <a:t>8</a:t>
+              <a:t>10</a:t>
             </a:fld>
             <a:endParaRPr lang="fr-FR"/>
           </a:p>
@@ -4078,7 +4082,7 @@
           <a:p>
             <a:fld id="{86EE2261-DA50-DD49-99CD-5AC74002EB3A}" type="slidenum">
               <a:rPr lang="fr-FR" smtClean="0"/>
-              <a:t>9</a:t>
+              <a:t>11</a:t>
             </a:fld>
             <a:endParaRPr lang="fr-FR"/>
           </a:p>
@@ -4380,7 +4384,7 @@
           <a:p>
             <a:fld id="{86EE2261-DA50-DD49-99CD-5AC74002EB3A}" type="slidenum">
               <a:rPr lang="fr-FR" smtClean="0"/>
-              <a:t>13</a:t>
+              <a:t>15</a:t>
             </a:fld>
             <a:endParaRPr lang="fr-FR"/>
           </a:p>
@@ -6211,7 +6215,7 @@
           <a:p>
             <a:fld id="{239FC5F5-73EA-9C4F-8817-7B1FC2E8F342}" type="datetimeFigureOut">
               <a:rPr lang="fr-FR" smtClean="0"/>
-              <a:t>05/09/18</a:t>
+              <a:t>11/09/18</a:t>
             </a:fld>
             <a:endParaRPr lang="fr-FR"/>
           </a:p>
@@ -6392,7 +6396,7 @@
           <a:p>
             <a:fld id="{239FC5F5-73EA-9C4F-8817-7B1FC2E8F342}" type="datetimeFigureOut">
               <a:rPr lang="fr-FR" smtClean="0"/>
-              <a:t>05/09/18</a:t>
+              <a:t>11/09/18</a:t>
             </a:fld>
             <a:endParaRPr lang="fr-FR"/>
           </a:p>
@@ -6543,7 +6547,7 @@
           <a:p>
             <a:fld id="{239FC5F5-73EA-9C4F-8817-7B1FC2E8F342}" type="datetimeFigureOut">
               <a:rPr lang="fr-FR" smtClean="0"/>
-              <a:t>05/09/18</a:t>
+              <a:t>11/09/18</a:t>
             </a:fld>
             <a:endParaRPr lang="fr-FR"/>
           </a:p>
@@ -8369,7 +8373,7 @@
           <a:p>
             <a:fld id="{239FC5F5-73EA-9C4F-8817-7B1FC2E8F342}" type="datetimeFigureOut">
               <a:rPr lang="fr-FR" smtClean="0"/>
-              <a:t>05/09/18</a:t>
+              <a:t>11/09/18</a:t>
             </a:fld>
             <a:endParaRPr lang="fr-FR"/>
           </a:p>
@@ -10239,7 +10243,7 @@
           <a:p>
             <a:fld id="{239FC5F5-73EA-9C4F-8817-7B1FC2E8F342}" type="datetimeFigureOut">
               <a:rPr lang="fr-FR" smtClean="0"/>
-              <a:t>05/09/18</a:t>
+              <a:t>11/09/18</a:t>
             </a:fld>
             <a:endParaRPr lang="fr-FR"/>
           </a:p>
@@ -10352,7 +10356,7 @@
           <a:p>
             <a:fld id="{239FC5F5-73EA-9C4F-8817-7B1FC2E8F342}" type="datetimeFigureOut">
               <a:rPr lang="fr-FR" smtClean="0"/>
-              <a:t>05/09/18</a:t>
+              <a:t>11/09/18</a:t>
             </a:fld>
             <a:endParaRPr lang="fr-FR"/>
           </a:p>
@@ -10893,7 +10897,7 @@
           <a:p>
             <a:fld id="{239FC5F5-73EA-9C4F-8817-7B1FC2E8F342}" type="datetimeFigureOut">
               <a:rPr lang="fr-FR" smtClean="0"/>
-              <a:t>05/09/18</a:t>
+              <a:t>11/09/18</a:t>
             </a:fld>
             <a:endParaRPr lang="fr-FR"/>
           </a:p>
@@ -11006,7 +11010,7 @@
           <a:p>
             <a:fld id="{239FC5F5-73EA-9C4F-8817-7B1FC2E8F342}" type="datetimeFigureOut">
               <a:rPr lang="fr-FR" smtClean="0"/>
-              <a:t>05/09/18</a:t>
+              <a:t>11/09/18</a:t>
             </a:fld>
             <a:endParaRPr lang="fr-FR"/>
           </a:p>
@@ -12717,7 +12721,7 @@
           <a:p>
             <a:fld id="{239FC5F5-73EA-9C4F-8817-7B1FC2E8F342}" type="datetimeFigureOut">
               <a:rPr lang="fr-FR" smtClean="0"/>
-              <a:t>05/09/18</a:t>
+              <a:t>11/09/18</a:t>
             </a:fld>
             <a:endParaRPr lang="fr-FR"/>
           </a:p>
@@ -12868,7 +12872,7 @@
           <a:p>
             <a:fld id="{239FC5F5-73EA-9C4F-8817-7B1FC2E8F342}" type="datetimeFigureOut">
               <a:rPr lang="fr-FR" smtClean="0"/>
-              <a:t>05/09/18</a:t>
+              <a:t>11/09/18</a:t>
             </a:fld>
             <a:endParaRPr lang="fr-FR"/>
           </a:p>
@@ -16483,7 +16487,7 @@
           <a:p>
             <a:fld id="{239FC5F5-73EA-9C4F-8817-7B1FC2E8F342}" type="datetimeFigureOut">
               <a:rPr lang="fr-FR" smtClean="0"/>
-              <a:t>05/09/18</a:t>
+              <a:t>11/09/18</a:t>
             </a:fld>
             <a:endParaRPr lang="fr-FR"/>
           </a:p>
@@ -18342,7 +18346,7 @@
           <a:p>
             <a:fld id="{239FC5F5-73EA-9C4F-8817-7B1FC2E8F342}" type="datetimeFigureOut">
               <a:rPr lang="fr-FR" smtClean="0"/>
-              <a:t>05/09/18</a:t>
+              <a:t>11/09/18</a:t>
             </a:fld>
             <a:endParaRPr lang="fr-FR"/>
           </a:p>
@@ -18871,21 +18875,21 @@
         <p:spPr/>
         <p:txBody>
           <a:bodyPr>
-            <a:normAutofit fontScale="90000"/>
+            <a:normAutofit/>
           </a:bodyPr>
           <a:lstStyle/>
           <a:p>
             <a:r>
-              <a:rPr lang="fr-FR" dirty="0" smtClean="0"/>
-              <a:t>Figures </a:t>
-            </a:r>
-            <a:r>
-              <a:rPr lang="fr-FR" dirty="0" err="1" smtClean="0"/>
-              <a:t>corresponding</a:t>
-            </a:r>
-            <a:r>
-              <a:rPr lang="fr-FR" dirty="0" smtClean="0"/>
-              <a:t> to codeCopy3Countries_GitHub.py,</a:t>
+              <a:rPr lang="fr-FR" dirty="0" err="1" smtClean="0"/>
+              <a:t>openFDA</a:t>
+            </a:r>
+            <a:r>
+              <a:rPr lang="fr-FR" dirty="0" smtClean="0"/>
+              <a:t> </a:t>
+            </a:r>
+            <a:r>
+              <a:rPr lang="fr-FR" dirty="0" err="1" smtClean="0"/>
+              <a:t>database</a:t>
             </a:r>
             <a:endParaRPr lang="fr-FR" dirty="0"/>
           </a:p>
@@ -18906,7 +18910,43 @@
           <a:bodyPr/>
           <a:lstStyle/>
           <a:p>
-            <a:endParaRPr lang="fr-FR"/>
+            <a:r>
+              <a:rPr lang="fr-FR" dirty="0" smtClean="0"/>
+              <a:t>Are </a:t>
+            </a:r>
+            <a:r>
+              <a:rPr lang="fr-FR" dirty="0" err="1" smtClean="0"/>
+              <a:t>different</a:t>
+            </a:r>
+            <a:r>
+              <a:rPr lang="fr-FR" dirty="0" smtClean="0"/>
+              <a:t> adverse </a:t>
+            </a:r>
+            <a:r>
+              <a:rPr lang="fr-FR" dirty="0" err="1" smtClean="0"/>
+              <a:t>events</a:t>
+            </a:r>
+            <a:r>
+              <a:rPr lang="fr-FR" dirty="0" smtClean="0"/>
+              <a:t> </a:t>
+            </a:r>
+            <a:r>
+              <a:rPr lang="fr-FR" dirty="0" err="1" smtClean="0"/>
+              <a:t>reported</a:t>
+            </a:r>
+            <a:r>
+              <a:rPr lang="fr-FR" dirty="0" smtClean="0"/>
+              <a:t> in </a:t>
+            </a:r>
+            <a:r>
+              <a:rPr lang="fr-FR" dirty="0" err="1" smtClean="0"/>
+              <a:t>different</a:t>
+            </a:r>
+            <a:r>
+              <a:rPr lang="fr-FR" dirty="0" smtClean="0"/>
+              <a:t> countries?</a:t>
+            </a:r>
+            <a:endParaRPr lang="fr-FR" dirty="0"/>
           </a:p>
         </p:txBody>
       </p:sp>
@@ -18956,48 +18996,51 @@
           <a:lstStyle/>
           <a:p>
             <a:r>
-              <a:rPr lang="fr-FR" dirty="0" smtClean="0"/>
-              <a:t>Machine </a:t>
-            </a:r>
-            <a:r>
-              <a:rPr lang="fr-FR" dirty="0" err="1" smtClean="0"/>
-              <a:t>learning</a:t>
-            </a:r>
-            <a:r>
-              <a:rPr lang="fr-FR" dirty="0" smtClean="0"/>
-              <a:t> section of the </a:t>
-            </a:r>
-            <a:r>
-              <a:rPr lang="fr-FR" dirty="0" err="1" smtClean="0"/>
-              <a:t>project</a:t>
+              <a:rPr lang="fr-FR" dirty="0"/>
+              <a:t>World </a:t>
+            </a:r>
+            <a:r>
+              <a:rPr lang="fr-FR" dirty="0" err="1"/>
+              <a:t>map</a:t>
             </a:r>
             <a:endParaRPr lang="fr-FR" dirty="0"/>
           </a:p>
         </p:txBody>
       </p:sp>
-      <p:sp>
-        <p:nvSpPr>
-          <p:cNvPr id="3" name="Espace réservé du texte 2"/>
-          <p:cNvSpPr>
-            <a:spLocks noGrp="1"/>
-          </p:cNvSpPr>
+      <p:pic>
+        <p:nvPicPr>
+          <p:cNvPr id="4" name="Espace réservé du contenu 3" descr="Screen Shot 2018-09-08 at 8.52.24 PM.png"/>
+          <p:cNvPicPr>
+            <a:picLocks noGrp="1" noChangeAspect="1"/>
+          </p:cNvPicPr>
           <p:nvPr>
-            <p:ph type="body" idx="1"/>
+            <p:ph idx="4294967295"/>
           </p:nvPr>
-        </p:nvSpPr>
-        <p:spPr/>
-        <p:txBody>
-          <a:bodyPr/>
-          <a:lstStyle/>
-          <a:p>
-            <a:endParaRPr lang="fr-FR"/>
-          </a:p>
-        </p:txBody>
-      </p:sp>
+        </p:nvPicPr>
+        <p:blipFill>
+          <a:blip r:embed="rId3">
+            <a:extLst>
+              <a:ext uri="{28A0092B-C50C-407E-A947-70E740481C1C}">
+                <a14:useLocalDpi xmlns:a14="http://schemas.microsoft.com/office/drawing/2010/main" val="0"/>
+              </a:ext>
+            </a:extLst>
+          </a:blip>
+          <a:srcRect t="2197" b="2197"/>
+          <a:stretch>
+            <a:fillRect/>
+          </a:stretch>
+        </p:blipFill>
+        <p:spPr>
+          <a:xfrm>
+            <a:off x="457200" y="1600200"/>
+            <a:ext cx="8229600" cy="4525963"/>
+          </a:xfrm>
+        </p:spPr>
+      </p:pic>
     </p:spTree>
     <p:extLst>
       <p:ext uri="{BB962C8B-B14F-4D97-AF65-F5344CB8AC3E}">
-        <p14:creationId xmlns:p14="http://schemas.microsoft.com/office/powerpoint/2010/main" val="2641072593"/>
+        <p14:creationId xmlns:p14="http://schemas.microsoft.com/office/powerpoint/2010/main" val="1804386089"/>
       </p:ext>
     </p:extLst>
   </p:cSld>
@@ -19026,659 +19069,6 @@
       </p:grpSpPr>
       <p:sp>
         <p:nvSpPr>
-          <p:cNvPr id="3" name="Espace réservé du contenu 2"/>
-          <p:cNvSpPr>
-            <a:spLocks noGrp="1"/>
-          </p:cNvSpPr>
-          <p:nvPr>
-            <p:ph idx="1"/>
-          </p:nvPr>
-        </p:nvSpPr>
-        <p:spPr/>
-        <p:txBody>
-          <a:bodyPr>
-            <a:normAutofit fontScale="70000" lnSpcReduction="20000"/>
-          </a:bodyPr>
-          <a:lstStyle/>
-          <a:p>
-            <a:r>
-              <a:rPr lang="fr-FR" dirty="0" smtClean="0"/>
-              <a:t>A quick </a:t>
-            </a:r>
-            <a:r>
-              <a:rPr lang="fr-FR" dirty="0" err="1" smtClean="0"/>
-              <a:t>bibliography</a:t>
-            </a:r>
-            <a:r>
-              <a:rPr lang="fr-FR" dirty="0" smtClean="0"/>
-              <a:t> shows </a:t>
-            </a:r>
-            <a:r>
-              <a:rPr lang="fr-FR" dirty="0" err="1" smtClean="0"/>
-              <a:t>that</a:t>
-            </a:r>
-            <a:r>
-              <a:rPr lang="fr-FR" dirty="0" smtClean="0"/>
-              <a:t> </a:t>
-            </a:r>
-            <a:r>
-              <a:rPr lang="fr-FR" dirty="0" err="1" smtClean="0"/>
-              <a:t>very</a:t>
-            </a:r>
-            <a:r>
-              <a:rPr lang="fr-FR" dirty="0" smtClean="0"/>
-              <a:t> few </a:t>
-            </a:r>
-            <a:r>
-              <a:rPr lang="fr-FR" dirty="0" err="1" smtClean="0"/>
-              <a:t>projects</a:t>
-            </a:r>
-            <a:r>
-              <a:rPr lang="fr-FR" dirty="0" smtClean="0"/>
-              <a:t> of machine </a:t>
-            </a:r>
-            <a:r>
-              <a:rPr lang="fr-FR" dirty="0" err="1" smtClean="0"/>
-              <a:t>learning</a:t>
-            </a:r>
-            <a:r>
-              <a:rPr lang="fr-FR" dirty="0" smtClean="0"/>
-              <a:t> have </a:t>
-            </a:r>
-            <a:r>
-              <a:rPr lang="fr-FR" dirty="0" err="1" smtClean="0"/>
-              <a:t>ever</a:t>
-            </a:r>
-            <a:r>
-              <a:rPr lang="fr-FR" dirty="0" smtClean="0"/>
-              <a:t> been </a:t>
-            </a:r>
-            <a:r>
-              <a:rPr lang="fr-FR" dirty="0" err="1" smtClean="0"/>
-              <a:t>applied</a:t>
-            </a:r>
-            <a:r>
-              <a:rPr lang="fr-FR" dirty="0" smtClean="0"/>
-              <a:t> on the </a:t>
-            </a:r>
-            <a:r>
-              <a:rPr lang="fr-FR" dirty="0" err="1" smtClean="0"/>
-              <a:t>openFDA</a:t>
-            </a:r>
-            <a:r>
-              <a:rPr lang="fr-FR" dirty="0" smtClean="0"/>
-              <a:t> </a:t>
-            </a:r>
-            <a:r>
-              <a:rPr lang="fr-FR" dirty="0" err="1" smtClean="0"/>
-              <a:t>database</a:t>
-            </a:r>
-            <a:r>
-              <a:rPr lang="fr-FR" dirty="0" smtClean="0"/>
-              <a:t>. So </a:t>
-            </a:r>
-            <a:r>
-              <a:rPr lang="fr-FR" dirty="0" err="1" smtClean="0"/>
-              <a:t>it</a:t>
-            </a:r>
-            <a:r>
-              <a:rPr lang="fr-FR" dirty="0" smtClean="0"/>
-              <a:t> </a:t>
-            </a:r>
-            <a:r>
-              <a:rPr lang="fr-FR" dirty="0" err="1" smtClean="0"/>
-              <a:t>may</a:t>
-            </a:r>
-            <a:r>
-              <a:rPr lang="fr-FR" dirty="0" smtClean="0"/>
-              <a:t> not </a:t>
-            </a:r>
-            <a:r>
-              <a:rPr lang="fr-FR" dirty="0" err="1" smtClean="0"/>
-              <a:t>be</a:t>
-            </a:r>
-            <a:r>
-              <a:rPr lang="fr-FR" dirty="0" smtClean="0"/>
-              <a:t> the </a:t>
-            </a:r>
-            <a:r>
-              <a:rPr lang="fr-FR" dirty="0" err="1" smtClean="0"/>
-              <a:t>most</a:t>
-            </a:r>
-            <a:r>
-              <a:rPr lang="fr-FR" dirty="0" smtClean="0"/>
-              <a:t> </a:t>
-            </a:r>
-            <a:r>
-              <a:rPr lang="fr-FR" dirty="0" err="1" smtClean="0"/>
-              <a:t>promising</a:t>
-            </a:r>
-            <a:r>
-              <a:rPr lang="fr-FR" dirty="0" smtClean="0"/>
-              <a:t> </a:t>
-            </a:r>
-            <a:r>
-              <a:rPr lang="fr-FR" dirty="0" err="1" smtClean="0"/>
-              <a:t>dataset</a:t>
-            </a:r>
-            <a:r>
-              <a:rPr lang="fr-FR" dirty="0" smtClean="0"/>
-              <a:t> for machine </a:t>
-            </a:r>
-            <a:r>
-              <a:rPr lang="fr-FR" dirty="0" err="1" smtClean="0"/>
-              <a:t>learning</a:t>
-            </a:r>
-            <a:r>
-              <a:rPr lang="fr-FR" dirty="0" smtClean="0"/>
-              <a:t>? </a:t>
-            </a:r>
-            <a:r>
-              <a:rPr lang="fr-FR" dirty="0" err="1" smtClean="0"/>
-              <a:t>Other</a:t>
-            </a:r>
-            <a:r>
-              <a:rPr lang="fr-FR" dirty="0" smtClean="0"/>
-              <a:t> areas have been </a:t>
-            </a:r>
-            <a:r>
-              <a:rPr lang="fr-FR" dirty="0" err="1" smtClean="0"/>
-              <a:t>described</a:t>
-            </a:r>
-            <a:r>
-              <a:rPr lang="fr-FR" dirty="0" smtClean="0"/>
-              <a:t> as </a:t>
-            </a:r>
-            <a:r>
-              <a:rPr lang="fr-FR" dirty="0" err="1" smtClean="0"/>
-              <a:t>very</a:t>
-            </a:r>
-            <a:r>
-              <a:rPr lang="fr-FR" dirty="0" smtClean="0"/>
-              <a:t> </a:t>
-            </a:r>
-            <a:r>
-              <a:rPr lang="fr-FR" dirty="0" err="1" smtClean="0"/>
-              <a:t>fruitful</a:t>
-            </a:r>
-            <a:r>
-              <a:rPr lang="fr-FR" dirty="0" smtClean="0"/>
-              <a:t> for machine </a:t>
-            </a:r>
-            <a:r>
-              <a:rPr lang="fr-FR" dirty="0" err="1" smtClean="0"/>
-              <a:t>learning</a:t>
-            </a:r>
-            <a:r>
-              <a:rPr lang="fr-FR" dirty="0" smtClean="0"/>
-              <a:t> applications in the </a:t>
-            </a:r>
-            <a:r>
-              <a:rPr lang="fr-FR" dirty="0" err="1" smtClean="0"/>
-              <a:t>pharmacy</a:t>
-            </a:r>
-            <a:r>
-              <a:rPr lang="fr-FR" dirty="0" smtClean="0"/>
-              <a:t> </a:t>
-            </a:r>
-            <a:r>
-              <a:rPr lang="fr-FR" dirty="0" err="1" smtClean="0"/>
-              <a:t>industry</a:t>
-            </a:r>
-            <a:r>
-              <a:rPr lang="fr-FR" dirty="0" smtClean="0"/>
-              <a:t>, </a:t>
-            </a:r>
-            <a:r>
-              <a:rPr lang="fr-FR" dirty="0" err="1" smtClean="0"/>
-              <a:t>which</a:t>
-            </a:r>
-            <a:r>
-              <a:rPr lang="fr-FR" dirty="0" smtClean="0"/>
-              <a:t> are </a:t>
-            </a:r>
-            <a:r>
-              <a:rPr lang="fr-FR" dirty="0" err="1" smtClean="0"/>
-              <a:t>briefly</a:t>
-            </a:r>
-            <a:r>
-              <a:rPr lang="fr-FR" dirty="0" smtClean="0"/>
-              <a:t> </a:t>
-            </a:r>
-            <a:r>
-              <a:rPr lang="fr-FR" dirty="0" err="1" smtClean="0"/>
-              <a:t>listed</a:t>
-            </a:r>
-            <a:r>
-              <a:rPr lang="fr-FR" dirty="0" smtClean="0"/>
-              <a:t> in a </a:t>
-            </a:r>
-            <a:r>
-              <a:rPr lang="fr-FR" dirty="0" err="1" smtClean="0"/>
-              <a:t>next</a:t>
-            </a:r>
-            <a:r>
-              <a:rPr lang="fr-FR" dirty="0" smtClean="0"/>
-              <a:t> </a:t>
-            </a:r>
-            <a:r>
-              <a:rPr lang="fr-FR" dirty="0" err="1" smtClean="0"/>
-              <a:t>slide</a:t>
-            </a:r>
-            <a:r>
-              <a:rPr lang="fr-FR" dirty="0" smtClean="0"/>
-              <a:t>.</a:t>
-            </a:r>
-          </a:p>
-          <a:p>
-            <a:r>
-              <a:rPr lang="fr-FR" dirty="0" err="1" smtClean="0"/>
-              <a:t>Thus</a:t>
-            </a:r>
-            <a:r>
-              <a:rPr lang="fr-FR" dirty="0" smtClean="0"/>
-              <a:t>, </a:t>
-            </a:r>
-            <a:r>
-              <a:rPr lang="fr-FR" dirty="0" err="1" smtClean="0"/>
-              <a:t>we</a:t>
-            </a:r>
-            <a:r>
-              <a:rPr lang="fr-FR" dirty="0" smtClean="0"/>
-              <a:t> </a:t>
-            </a:r>
-            <a:r>
-              <a:rPr lang="fr-FR" dirty="0" err="1" smtClean="0"/>
-              <a:t>choose</a:t>
-            </a:r>
-            <a:r>
-              <a:rPr lang="fr-FR" dirty="0" smtClean="0"/>
-              <a:t> a simple question, </a:t>
-            </a:r>
-            <a:r>
-              <a:rPr lang="fr-FR" dirty="0" err="1" smtClean="0"/>
-              <a:t>related</a:t>
-            </a:r>
-            <a:r>
-              <a:rPr lang="fr-FR" dirty="0" smtClean="0"/>
-              <a:t> to question 1 of the document </a:t>
-            </a:r>
-            <a:r>
-              <a:rPr lang="fr-FR" dirty="0" err="1" smtClean="0"/>
-              <a:t>provided</a:t>
-            </a:r>
-            <a:r>
-              <a:rPr lang="fr-FR" dirty="0" smtClean="0"/>
-              <a:t>, </a:t>
-            </a:r>
-            <a:r>
-              <a:rPr lang="fr-FR" dirty="0" err="1" smtClean="0"/>
-              <a:t>which</a:t>
-            </a:r>
-            <a:r>
-              <a:rPr lang="fr-FR" dirty="0" smtClean="0"/>
-              <a:t> </a:t>
-            </a:r>
-            <a:r>
-              <a:rPr lang="fr-FR" dirty="0" err="1" smtClean="0"/>
-              <a:t>probably</a:t>
-            </a:r>
-            <a:r>
-              <a:rPr lang="fr-FR" dirty="0" smtClean="0"/>
-              <a:t> </a:t>
-            </a:r>
-            <a:r>
-              <a:rPr lang="fr-FR" dirty="0" err="1" smtClean="0"/>
-              <a:t>does</a:t>
-            </a:r>
-            <a:r>
-              <a:rPr lang="fr-FR" dirty="0" smtClean="0"/>
-              <a:t> not correspond to a real </a:t>
-            </a:r>
-            <a:r>
-              <a:rPr lang="fr-FR" dirty="0" err="1" smtClean="0"/>
-              <a:t>p</a:t>
-            </a:r>
-            <a:r>
-              <a:rPr lang="fr-FR" dirty="0" err="1" smtClean="0"/>
-              <a:t>roblem</a:t>
-            </a:r>
-            <a:r>
-              <a:rPr lang="fr-FR" dirty="0" smtClean="0"/>
-              <a:t> in the </a:t>
-            </a:r>
-            <a:r>
-              <a:rPr lang="fr-FR" dirty="0" err="1" smtClean="0"/>
-              <a:t>pharmacy</a:t>
-            </a:r>
-            <a:r>
-              <a:rPr lang="fr-FR" dirty="0" smtClean="0"/>
-              <a:t> </a:t>
-            </a:r>
-            <a:r>
-              <a:rPr lang="fr-FR" dirty="0" err="1" smtClean="0"/>
-              <a:t>industry</a:t>
-            </a:r>
-            <a:r>
-              <a:rPr lang="fr-FR" dirty="0" smtClean="0"/>
-              <a:t>. The question </a:t>
-            </a:r>
-            <a:r>
-              <a:rPr lang="fr-FR" dirty="0" err="1" smtClean="0"/>
-              <a:t>that</a:t>
-            </a:r>
-            <a:r>
-              <a:rPr lang="fr-FR" dirty="0" smtClean="0"/>
-              <a:t> </a:t>
-            </a:r>
-            <a:r>
-              <a:rPr lang="fr-FR" dirty="0" err="1" smtClean="0"/>
-              <a:t>we</a:t>
-            </a:r>
-            <a:r>
-              <a:rPr lang="fr-FR" dirty="0" smtClean="0"/>
-              <a:t> </a:t>
-            </a:r>
-            <a:r>
-              <a:rPr lang="fr-FR" dirty="0" err="1" smtClean="0"/>
-              <a:t>address</a:t>
-            </a:r>
-            <a:r>
-              <a:rPr lang="fr-FR" dirty="0" smtClean="0"/>
-              <a:t> </a:t>
-            </a:r>
-            <a:r>
-              <a:rPr lang="fr-FR" dirty="0" err="1" smtClean="0"/>
-              <a:t>is</a:t>
-            </a:r>
-            <a:r>
-              <a:rPr lang="fr-FR" dirty="0" smtClean="0"/>
-              <a:t> as </a:t>
-            </a:r>
-            <a:r>
-              <a:rPr lang="fr-FR" dirty="0" err="1" smtClean="0"/>
-              <a:t>follows</a:t>
-            </a:r>
-            <a:r>
-              <a:rPr lang="fr-FR" dirty="0" smtClean="0"/>
-              <a:t>: </a:t>
-            </a:r>
-            <a:r>
-              <a:rPr lang="fr-FR" dirty="0"/>
-              <a:t>i</a:t>
-            </a:r>
-            <a:r>
-              <a:rPr lang="fr-FR" dirty="0" smtClean="0"/>
-              <a:t>f </a:t>
-            </a:r>
-            <a:r>
-              <a:rPr lang="fr-FR" dirty="0" err="1" smtClean="0"/>
-              <a:t>we</a:t>
-            </a:r>
-            <a:r>
-              <a:rPr lang="fr-FR" dirty="0" smtClean="0"/>
-              <a:t> </a:t>
-            </a:r>
-            <a:r>
-              <a:rPr lang="fr-FR" dirty="0" err="1" smtClean="0"/>
-              <a:t>lose</a:t>
-            </a:r>
-            <a:r>
-              <a:rPr lang="fr-FR" dirty="0" smtClean="0"/>
-              <a:t> the </a:t>
-            </a:r>
-            <a:r>
-              <a:rPr lang="fr-FR" dirty="0" err="1" smtClean="0"/>
-              <a:t>names</a:t>
-            </a:r>
-            <a:r>
-              <a:rPr lang="fr-FR" dirty="0" smtClean="0"/>
-              <a:t> of the countries </a:t>
-            </a:r>
-            <a:r>
-              <a:rPr lang="fr-FR" dirty="0" err="1" smtClean="0"/>
-              <a:t>corresponding</a:t>
-            </a:r>
-            <a:r>
-              <a:rPr lang="fr-FR" dirty="0" smtClean="0"/>
-              <a:t> to </a:t>
-            </a:r>
-            <a:r>
-              <a:rPr lang="fr-FR" dirty="0" err="1" smtClean="0"/>
-              <a:t>different</a:t>
-            </a:r>
-            <a:r>
-              <a:rPr lang="fr-FR" dirty="0" smtClean="0"/>
-              <a:t> reports in the </a:t>
-            </a:r>
-            <a:r>
-              <a:rPr lang="fr-FR" dirty="0" err="1" smtClean="0"/>
-              <a:t>openFDA</a:t>
-            </a:r>
-            <a:r>
-              <a:rPr lang="fr-FR" dirty="0" smtClean="0"/>
-              <a:t> </a:t>
-            </a:r>
-            <a:r>
-              <a:rPr lang="fr-FR" dirty="0" err="1" smtClean="0"/>
-              <a:t>database</a:t>
-            </a:r>
-            <a:r>
-              <a:rPr lang="fr-FR" dirty="0" smtClean="0"/>
-              <a:t>, </a:t>
-            </a:r>
-            <a:r>
-              <a:rPr lang="fr-FR" dirty="0" err="1" smtClean="0"/>
-              <a:t>can</a:t>
-            </a:r>
-            <a:r>
-              <a:rPr lang="fr-FR" dirty="0" smtClean="0"/>
-              <a:t> </a:t>
-            </a:r>
-            <a:r>
-              <a:rPr lang="fr-FR" dirty="0" err="1" smtClean="0"/>
-              <a:t>we</a:t>
-            </a:r>
-            <a:r>
-              <a:rPr lang="fr-FR" dirty="0"/>
-              <a:t> </a:t>
-            </a:r>
-            <a:r>
-              <a:rPr lang="fr-FR" dirty="0" err="1" smtClean="0"/>
-              <a:t>recover</a:t>
-            </a:r>
-            <a:r>
-              <a:rPr lang="fr-FR" dirty="0" smtClean="0"/>
-              <a:t> </a:t>
-            </a:r>
-            <a:r>
-              <a:rPr lang="fr-FR" dirty="0" err="1" smtClean="0"/>
-              <a:t>them</a:t>
-            </a:r>
-            <a:r>
-              <a:rPr lang="fr-FR" dirty="0" smtClean="0"/>
-              <a:t>? </a:t>
-            </a:r>
-            <a:r>
-              <a:rPr lang="fr-FR" dirty="0" err="1" smtClean="0"/>
-              <a:t>With</a:t>
-            </a:r>
-            <a:r>
-              <a:rPr lang="fr-FR" dirty="0" smtClean="0"/>
-              <a:t> </a:t>
-            </a:r>
-            <a:r>
-              <a:rPr lang="fr-FR" dirty="0" err="1" smtClean="0"/>
-              <a:t>which</a:t>
-            </a:r>
-            <a:r>
-              <a:rPr lang="fr-FR" dirty="0" smtClean="0"/>
-              <a:t> </a:t>
-            </a:r>
-            <a:r>
-              <a:rPr lang="fr-FR" dirty="0" err="1" smtClean="0"/>
-              <a:t>accuracy</a:t>
-            </a:r>
-            <a:r>
-              <a:rPr lang="fr-FR" dirty="0" smtClean="0"/>
-              <a:t>?</a:t>
-            </a:r>
-          </a:p>
-          <a:p>
-            <a:r>
-              <a:rPr lang="fr-FR" dirty="0" smtClean="0"/>
-              <a:t>For </a:t>
-            </a:r>
-            <a:r>
-              <a:rPr lang="fr-FR" dirty="0" err="1" smtClean="0"/>
-              <a:t>computational</a:t>
-            </a:r>
-            <a:r>
-              <a:rPr lang="fr-FR" dirty="0" smtClean="0"/>
-              <a:t> power </a:t>
-            </a:r>
-            <a:r>
-              <a:rPr lang="fr-FR" dirty="0" err="1" smtClean="0"/>
-              <a:t>reasons</a:t>
-            </a:r>
-            <a:r>
-              <a:rPr lang="fr-FR" dirty="0" smtClean="0"/>
-              <a:t>, </a:t>
-            </a:r>
-            <a:r>
-              <a:rPr lang="fr-FR" dirty="0" err="1" smtClean="0"/>
-              <a:t>here</a:t>
-            </a:r>
-            <a:r>
-              <a:rPr lang="fr-FR" dirty="0" smtClean="0"/>
-              <a:t> </a:t>
-            </a:r>
-            <a:r>
-              <a:rPr lang="fr-FR" dirty="0" err="1" smtClean="0"/>
-              <a:t>below</a:t>
-            </a:r>
-            <a:r>
-              <a:rPr lang="fr-FR" dirty="0" smtClean="0"/>
-              <a:t>, </a:t>
-            </a:r>
-            <a:r>
-              <a:rPr lang="fr-FR" dirty="0" err="1" smtClean="0"/>
-              <a:t>we</a:t>
-            </a:r>
-            <a:r>
-              <a:rPr lang="fr-FR" dirty="0" smtClean="0"/>
-              <a:t> look </a:t>
-            </a:r>
-            <a:r>
-              <a:rPr lang="fr-FR" dirty="0" err="1" smtClean="0"/>
-              <a:t>at</a:t>
-            </a:r>
-            <a:r>
-              <a:rPr lang="fr-FR" dirty="0" smtClean="0"/>
-              <a:t> </a:t>
-            </a:r>
-            <a:r>
-              <a:rPr lang="fr-FR" dirty="0" err="1" smtClean="0"/>
-              <a:t>three</a:t>
-            </a:r>
-            <a:r>
-              <a:rPr lang="fr-FR" dirty="0" smtClean="0"/>
-              <a:t> countries </a:t>
-            </a:r>
-            <a:r>
-              <a:rPr lang="fr-FR" dirty="0" err="1" smtClean="0"/>
-              <a:t>only</a:t>
-            </a:r>
-            <a:r>
-              <a:rPr lang="fr-FR" dirty="0" smtClean="0"/>
-              <a:t>. It </a:t>
-            </a:r>
-            <a:r>
-              <a:rPr lang="fr-FR" dirty="0" err="1" smtClean="0"/>
-              <a:t>should</a:t>
-            </a:r>
-            <a:r>
-              <a:rPr lang="fr-FR" dirty="0" smtClean="0"/>
-              <a:t> </a:t>
-            </a:r>
-            <a:r>
-              <a:rPr lang="fr-FR" dirty="0" err="1" smtClean="0"/>
-              <a:t>be</a:t>
-            </a:r>
-            <a:r>
-              <a:rPr lang="fr-FR" dirty="0" smtClean="0"/>
-              <a:t> </a:t>
-            </a:r>
-            <a:r>
-              <a:rPr lang="fr-FR" dirty="0" err="1" smtClean="0"/>
-              <a:t>checked</a:t>
-            </a:r>
-            <a:r>
-              <a:rPr lang="fr-FR" dirty="0" smtClean="0"/>
-              <a:t> </a:t>
-            </a:r>
-            <a:r>
-              <a:rPr lang="fr-FR" dirty="0" err="1" smtClean="0"/>
-              <a:t>with</a:t>
-            </a:r>
-            <a:r>
-              <a:rPr lang="fr-FR" dirty="0" smtClean="0"/>
-              <a:t> a more </a:t>
-            </a:r>
-            <a:r>
-              <a:rPr lang="fr-FR" dirty="0" err="1" smtClean="0"/>
-              <a:t>powerful</a:t>
-            </a:r>
-            <a:r>
-              <a:rPr lang="fr-FR" dirty="0" smtClean="0"/>
-              <a:t> computer </a:t>
-            </a:r>
-            <a:r>
-              <a:rPr lang="fr-FR" dirty="0" err="1" smtClean="0"/>
-              <a:t>whether</a:t>
-            </a:r>
-            <a:r>
-              <a:rPr lang="fr-FR" dirty="0" smtClean="0"/>
-              <a:t> the </a:t>
-            </a:r>
-            <a:r>
-              <a:rPr lang="fr-FR" dirty="0" err="1" smtClean="0"/>
-              <a:t>approach</a:t>
-            </a:r>
-            <a:r>
-              <a:rPr lang="fr-FR" dirty="0" smtClean="0"/>
-              <a:t> </a:t>
-            </a:r>
-            <a:r>
-              <a:rPr lang="fr-FR" dirty="0" err="1" smtClean="0"/>
-              <a:t>can</a:t>
-            </a:r>
-            <a:r>
-              <a:rPr lang="fr-FR" dirty="0" smtClean="0"/>
-              <a:t> </a:t>
-            </a:r>
-            <a:r>
-              <a:rPr lang="fr-FR" dirty="0" err="1" smtClean="0"/>
-              <a:t>be</a:t>
-            </a:r>
-            <a:r>
-              <a:rPr lang="fr-FR" dirty="0" smtClean="0"/>
-              <a:t> </a:t>
-            </a:r>
-            <a:r>
-              <a:rPr lang="fr-FR" dirty="0" err="1" smtClean="0"/>
-              <a:t>generalised</a:t>
-            </a:r>
-            <a:r>
-              <a:rPr lang="fr-FR" dirty="0" smtClean="0"/>
-              <a:t> to more countries.</a:t>
-            </a:r>
-            <a:endParaRPr lang="fr-FR" dirty="0"/>
-          </a:p>
-        </p:txBody>
-      </p:sp>
-      <p:sp>
-        <p:nvSpPr>
           <p:cNvPr id="2" name="Titre 1"/>
           <p:cNvSpPr>
             <a:spLocks noGrp="1"/>
@@ -19690,17 +19080,81 @@
         <p:spPr/>
         <p:txBody>
           <a:bodyPr>
-            <a:normAutofit/>
+            <a:normAutofit fontScale="90000"/>
           </a:bodyPr>
           <a:lstStyle/>
           <a:p>
             <a:r>
               <a:rPr lang="fr-FR" dirty="0" smtClean="0"/>
-              <a:t>Machine Learning </a:t>
-            </a:r>
-            <a:r>
-              <a:rPr lang="fr-FR" dirty="0" err="1" smtClean="0"/>
-              <a:t>project</a:t>
+              <a:t>Country count for top five </a:t>
+            </a:r>
+            <a:r>
+              <a:rPr lang="fr-FR" dirty="0" err="1" smtClean="0"/>
+              <a:t>reactions</a:t>
+            </a:r>
+            <a:endParaRPr lang="fr-FR" dirty="0"/>
+          </a:p>
+        </p:txBody>
+      </p:sp>
+      <p:pic>
+        <p:nvPicPr>
+          <p:cNvPr id="4" name="Espace réservé du contenu 3" descr="Screen Shot 2018-09-08 at 9.37.05 PM.png"/>
+          <p:cNvPicPr>
+            <a:picLocks noGrp="1" noChangeAspect="1"/>
+          </p:cNvPicPr>
+          <p:nvPr>
+            <p:ph idx="4294967295"/>
+          </p:nvPr>
+        </p:nvPicPr>
+        <p:blipFill rotWithShape="1">
+          <a:blip r:embed="rId3">
+            <a:extLst>
+              <a:ext uri="{28A0092B-C50C-407E-A947-70E740481C1C}">
+                <a14:useLocalDpi xmlns:a14="http://schemas.microsoft.com/office/drawing/2010/main" val="0"/>
+              </a:ext>
+            </a:extLst>
+          </a:blip>
+          <a:srcRect t="107" b="13"/>
+          <a:stretch/>
+        </p:blipFill>
+        <p:spPr>
+          <a:xfrm>
+            <a:off x="1900238" y="1457325"/>
+            <a:ext cx="5343525" cy="5400675"/>
+          </a:xfrm>
+        </p:spPr>
+      </p:pic>
+      <p:sp>
+        <p:nvSpPr>
+          <p:cNvPr id="3" name="ZoneTexte 2"/>
+          <p:cNvSpPr txBox="1"/>
+          <p:nvPr/>
+        </p:nvSpPr>
+        <p:spPr>
+          <a:xfrm>
+            <a:off x="3706196" y="6488668"/>
+            <a:ext cx="2200617" cy="369332"/>
+          </a:xfrm>
+          <a:prstGeom prst="rect">
+            <a:avLst/>
+          </a:prstGeom>
+          <a:solidFill>
+            <a:schemeClr val="bg1"/>
+          </a:solidFill>
+        </p:spPr>
+        <p:txBody>
+          <a:bodyPr wrap="none" rtlCol="0">
+            <a:spAutoFit/>
+          </a:bodyPr>
+          <a:lstStyle/>
+          <a:p>
+            <a:r>
+              <a:rPr lang="fr-FR" dirty="0" err="1" smtClean="0"/>
+              <a:t>Number</a:t>
+            </a:r>
+            <a:r>
+              <a:rPr lang="fr-FR" dirty="0" smtClean="0"/>
+              <a:t> of countries</a:t>
             </a:r>
             <a:endParaRPr lang="fr-FR" dirty="0"/>
           </a:p>
@@ -19709,7 +19163,7 @@
     </p:spTree>
     <p:extLst>
       <p:ext uri="{BB962C8B-B14F-4D97-AF65-F5344CB8AC3E}">
-        <p14:creationId xmlns:p14="http://schemas.microsoft.com/office/powerpoint/2010/main" val="2844696701"/>
+        <p14:creationId xmlns:p14="http://schemas.microsoft.com/office/powerpoint/2010/main" val="2823260442"/>
       </p:ext>
     </p:extLst>
   </p:cSld>
@@ -19754,16 +19208,234 @@
           <a:lstStyle/>
           <a:p>
             <a:r>
-              <a:rPr lang="fr-FR" dirty="0" err="1" smtClean="0"/>
-              <a:t>We</a:t>
-            </a:r>
-            <a:r>
-              <a:rPr lang="fr-FR" dirty="0" smtClean="0"/>
-              <a:t> </a:t>
-            </a:r>
-            <a:r>
-              <a:rPr lang="fr-FR" dirty="0" err="1" smtClean="0"/>
-              <a:t>follow</a:t>
+              <a:rPr lang="fr-FR" dirty="0" smtClean="0">
+                <a:solidFill>
+                  <a:srgbClr val="DAE6F6"/>
+                </a:solidFill>
+              </a:rPr>
+              <a:t>Part 1: data </a:t>
+            </a:r>
+            <a:r>
+              <a:rPr lang="fr-FR" dirty="0" err="1" smtClean="0">
+                <a:solidFill>
+                  <a:srgbClr val="DAE6F6"/>
+                </a:solidFill>
+              </a:rPr>
+              <a:t>analysis</a:t>
+            </a:r>
+            <a:endParaRPr lang="fr-FR" dirty="0" smtClean="0">
+              <a:solidFill>
+                <a:srgbClr val="DAE6F6"/>
+              </a:solidFill>
+            </a:endParaRPr>
+          </a:p>
+          <a:p>
+            <a:pPr lvl="1"/>
+            <a:r>
+              <a:rPr lang="fr-FR" dirty="0" smtClean="0">
+                <a:solidFill>
+                  <a:srgbClr val="DAE6F6"/>
+                </a:solidFill>
+              </a:rPr>
+              <a:t>Top </a:t>
+            </a:r>
+            <a:r>
+              <a:rPr lang="fr-FR" dirty="0" err="1" smtClean="0">
+                <a:solidFill>
+                  <a:srgbClr val="DAE6F6"/>
+                </a:solidFill>
+              </a:rPr>
+              <a:t>ten</a:t>
+            </a:r>
+            <a:r>
+              <a:rPr lang="fr-FR" dirty="0" smtClean="0">
+                <a:solidFill>
+                  <a:srgbClr val="DAE6F6"/>
+                </a:solidFill>
+              </a:rPr>
+              <a:t> </a:t>
+            </a:r>
+            <a:r>
+              <a:rPr lang="fr-FR" dirty="0" err="1" smtClean="0">
+                <a:solidFill>
+                  <a:srgbClr val="DAE6F6"/>
+                </a:solidFill>
+              </a:rPr>
+              <a:t>reactions</a:t>
+            </a:r>
+            <a:r>
+              <a:rPr lang="fr-FR" dirty="0" smtClean="0">
+                <a:solidFill>
+                  <a:srgbClr val="DAE6F6"/>
+                </a:solidFill>
+              </a:rPr>
+              <a:t> in five countries</a:t>
+            </a:r>
+          </a:p>
+          <a:p>
+            <a:pPr lvl="1"/>
+            <a:r>
+              <a:rPr lang="fr-FR" dirty="0" err="1" smtClean="0">
+                <a:solidFill>
+                  <a:srgbClr val="DAE6F6"/>
+                </a:solidFill>
+              </a:rPr>
+              <a:t>Map</a:t>
+            </a:r>
+            <a:r>
+              <a:rPr lang="fr-FR" dirty="0" smtClean="0">
+                <a:solidFill>
+                  <a:srgbClr val="DAE6F6"/>
+                </a:solidFill>
+              </a:rPr>
+              <a:t> </a:t>
+            </a:r>
+            <a:r>
+              <a:rPr lang="fr-FR" dirty="0" err="1" smtClean="0">
+                <a:solidFill>
+                  <a:srgbClr val="DAE6F6"/>
+                </a:solidFill>
+              </a:rPr>
+              <a:t>showing</a:t>
+            </a:r>
+            <a:r>
+              <a:rPr lang="fr-FR" dirty="0" smtClean="0">
+                <a:solidFill>
+                  <a:srgbClr val="DAE6F6"/>
+                </a:solidFill>
+              </a:rPr>
+              <a:t> for </a:t>
+            </a:r>
+            <a:r>
+              <a:rPr lang="fr-FR" dirty="0" err="1" smtClean="0">
+                <a:solidFill>
+                  <a:srgbClr val="DAE6F6"/>
+                </a:solidFill>
+              </a:rPr>
+              <a:t>each</a:t>
+            </a:r>
+            <a:r>
+              <a:rPr lang="fr-FR" dirty="0" smtClean="0">
+                <a:solidFill>
+                  <a:srgbClr val="DAE6F6"/>
+                </a:solidFill>
+              </a:rPr>
+              <a:t> country the </a:t>
+            </a:r>
+            <a:r>
+              <a:rPr lang="fr-FR" dirty="0" err="1" smtClean="0">
+                <a:solidFill>
+                  <a:srgbClr val="DAE6F6"/>
+                </a:solidFill>
+              </a:rPr>
+              <a:t>rank</a:t>
+            </a:r>
+            <a:r>
+              <a:rPr lang="fr-FR" dirty="0" smtClean="0">
+                <a:solidFill>
+                  <a:srgbClr val="DAE6F6"/>
+                </a:solidFill>
+              </a:rPr>
+              <a:t> of </a:t>
+            </a:r>
+            <a:r>
+              <a:rPr lang="fr-FR" dirty="0" err="1" smtClean="0">
+                <a:solidFill>
+                  <a:srgbClr val="DAE6F6"/>
+                </a:solidFill>
+              </a:rPr>
+              <a:t>selected</a:t>
+            </a:r>
+            <a:r>
+              <a:rPr lang="fr-FR" dirty="0" smtClean="0">
+                <a:solidFill>
+                  <a:srgbClr val="DAE6F6"/>
+                </a:solidFill>
+              </a:rPr>
+              <a:t> </a:t>
+            </a:r>
+            <a:r>
+              <a:rPr lang="fr-FR" dirty="0" err="1" smtClean="0">
+                <a:solidFill>
+                  <a:srgbClr val="DAE6F6"/>
+                </a:solidFill>
+              </a:rPr>
+              <a:t>reactions</a:t>
+            </a:r>
+            <a:endParaRPr lang="fr-FR" dirty="0" smtClean="0">
+              <a:solidFill>
+                <a:srgbClr val="DAE6F6"/>
+              </a:solidFill>
+            </a:endParaRPr>
+          </a:p>
+          <a:p>
+            <a:pPr lvl="1"/>
+            <a:r>
+              <a:rPr lang="fr-FR" dirty="0" smtClean="0">
+                <a:solidFill>
+                  <a:srgbClr val="DAE6F6"/>
+                </a:solidFill>
+              </a:rPr>
+              <a:t>Country count for top five </a:t>
+            </a:r>
+            <a:r>
+              <a:rPr lang="fr-FR" dirty="0" err="1" smtClean="0">
+                <a:solidFill>
+                  <a:srgbClr val="DAE6F6"/>
+                </a:solidFill>
+              </a:rPr>
+              <a:t>reactions</a:t>
+            </a:r>
+            <a:endParaRPr lang="fr-FR" dirty="0" smtClean="0">
+              <a:solidFill>
+                <a:srgbClr val="DAE6F6"/>
+              </a:solidFill>
+            </a:endParaRPr>
+          </a:p>
+          <a:p>
+            <a:r>
+              <a:rPr lang="fr-FR" dirty="0" smtClean="0"/>
+              <a:t>Part 2: machine </a:t>
+            </a:r>
+            <a:r>
+              <a:rPr lang="fr-FR" dirty="0" err="1" smtClean="0"/>
+              <a:t>learning</a:t>
+            </a:r>
+            <a:endParaRPr lang="fr-FR" dirty="0" smtClean="0"/>
+          </a:p>
+          <a:p>
+            <a:pPr lvl="1"/>
+            <a:r>
+              <a:rPr lang="fr-FR" dirty="0" smtClean="0"/>
+              <a:t>Question: if </a:t>
+            </a:r>
+            <a:r>
+              <a:rPr lang="fr-FR" dirty="0" err="1" smtClean="0"/>
+              <a:t>some</a:t>
+            </a:r>
+            <a:r>
+              <a:rPr lang="fr-FR" dirty="0" smtClean="0"/>
+              <a:t> country </a:t>
+            </a:r>
+            <a:r>
+              <a:rPr lang="fr-FR" dirty="0" err="1" smtClean="0"/>
+              <a:t>names</a:t>
+            </a:r>
+            <a:r>
+              <a:rPr lang="fr-FR" dirty="0" smtClean="0"/>
+              <a:t> are </a:t>
+            </a:r>
+            <a:r>
+              <a:rPr lang="fr-FR" dirty="0" err="1" smtClean="0"/>
+              <a:t>missing</a:t>
+            </a:r>
+            <a:r>
+              <a:rPr lang="fr-FR" dirty="0" smtClean="0"/>
+              <a:t> </a:t>
+            </a:r>
+            <a:r>
+              <a:rPr lang="fr-FR" dirty="0" err="1" smtClean="0"/>
+              <a:t>from</a:t>
             </a:r>
             <a:r>
               <a:rPr lang="fr-FR" dirty="0" smtClean="0"/>
@@ -19771,15 +19443,7 @@
             </a:r>
             <a:r>
               <a:rPr lang="fr-FR" dirty="0" err="1" smtClean="0"/>
-              <a:t>steps</a:t>
-            </a:r>
-            <a:r>
-              <a:rPr lang="fr-FR" dirty="0" smtClean="0"/>
-              <a:t> of Emmanuel </a:t>
-            </a:r>
-            <a:r>
-              <a:rPr lang="fr-FR" dirty="0" err="1" smtClean="0"/>
-              <a:t>Ameisen</a:t>
+              <a:t>database</a:t>
             </a:r>
             <a:r>
               <a:rPr lang="fr-FR" dirty="0" smtClean="0"/>
@@ -19787,14 +19451,6 @@
             </a:r>
             <a:r>
               <a:rPr lang="fr-FR" dirty="0" err="1" smtClean="0"/>
-              <a:t>which</a:t>
-            </a:r>
-            <a:r>
-              <a:rPr lang="fr-FR" dirty="0" smtClean="0"/>
-              <a:t> </a:t>
-            </a:r>
-            <a:r>
-              <a:rPr lang="fr-FR" dirty="0" err="1" smtClean="0"/>
               <a:t>can</a:t>
             </a:r>
             <a:r>
@@ -19803,231 +19459,141 @@
             </a:r>
             <a:r>
               <a:rPr lang="fr-FR" dirty="0" err="1" smtClean="0"/>
-              <a:t>be</a:t>
-            </a:r>
-            <a:r>
-              <a:rPr lang="fr-FR" dirty="0" smtClean="0"/>
-              <a:t> </a:t>
-            </a:r>
-            <a:r>
-              <a:rPr lang="fr-FR" dirty="0" err="1" smtClean="0"/>
-              <a:t>found</a:t>
-            </a:r>
-            <a:r>
-              <a:rPr lang="fr-FR" dirty="0" smtClean="0"/>
-              <a:t> </a:t>
-            </a:r>
-            <a:r>
-              <a:rPr lang="fr-FR" dirty="0" err="1" smtClean="0"/>
-              <a:t>here</a:t>
-            </a:r>
-            <a:r>
-              <a:rPr lang="fr-FR" dirty="0"/>
-              <a:t>: </a:t>
-            </a:r>
-            <a:r>
-              <a:rPr lang="fr-FR" dirty="0">
-                <a:hlinkClick r:id="rId2"/>
+              <a:t>we</a:t>
+            </a:r>
+            <a:r>
+              <a:rPr lang="fr-FR" dirty="0" smtClean="0"/>
+              <a:t> </a:t>
+            </a:r>
+            <a:r>
+              <a:rPr lang="fr-FR" dirty="0" err="1" smtClean="0"/>
+              <a:t>recover</a:t>
+            </a:r>
+            <a:r>
+              <a:rPr lang="fr-FR" dirty="0" smtClean="0"/>
+              <a:t> </a:t>
+            </a:r>
+            <a:r>
+              <a:rPr lang="fr-FR" dirty="0" err="1" smtClean="0"/>
+              <a:t>them</a:t>
+            </a:r>
+            <a:r>
+              <a:rPr lang="fr-FR" dirty="0" smtClean="0"/>
+              <a:t> </a:t>
+            </a:r>
+            <a:r>
+              <a:rPr lang="fr-FR" dirty="0" err="1" smtClean="0"/>
+              <a:t>using</a:t>
+            </a:r>
+            <a:r>
+              <a:rPr lang="fr-FR" dirty="0" smtClean="0"/>
+              <a:t> the </a:t>
+            </a:r>
+            <a:r>
+              <a:rPr lang="fr-FR" dirty="0" err="1" smtClean="0"/>
+              <a:t>list</a:t>
+            </a:r>
+            <a:r>
+              <a:rPr lang="fr-FR" dirty="0" smtClean="0"/>
+              <a:t> of </a:t>
+            </a:r>
+            <a:r>
+              <a:rPr lang="fr-FR" dirty="0" err="1" smtClean="0"/>
+              <a:t>reactions</a:t>
+            </a:r>
+            <a:r>
+              <a:rPr lang="fr-FR" dirty="0" smtClean="0"/>
+              <a:t>?</a:t>
+            </a:r>
+          </a:p>
+          <a:p>
+            <a:r>
+              <a:rPr lang="fr-FR" dirty="0" smtClean="0">
+                <a:solidFill>
+                  <a:srgbClr val="DAE6F6"/>
+                </a:solidFill>
               </a:rPr>
-              <a:t>https://github.com/hundredblocks/concrete_NLP_tutorial/blob/master/</a:t>
+              <a:t>Part 3: </a:t>
+            </a:r>
+            <a:r>
+              <a:rPr lang="fr-FR" dirty="0" err="1" smtClean="0">
+                <a:solidFill>
+                  <a:srgbClr val="DAE6F6"/>
+                </a:solidFill>
+              </a:rPr>
+              <a:t>improvements</a:t>
             </a:r>
             <a:r>
               <a:rPr lang="fr-FR" dirty="0" smtClean="0">
-                <a:hlinkClick r:id="rId2"/>
+                <a:solidFill>
+                  <a:srgbClr val="DAE6F6"/>
+                </a:solidFill>
               </a:rPr>
-              <a:t>NLP_notebook.ipynb</a:t>
-            </a:r>
-            <a:endParaRPr lang="fr-FR" dirty="0" smtClean="0"/>
-          </a:p>
-          <a:p>
-            <a:r>
-              <a:rPr lang="fr-FR" dirty="0" smtClean="0"/>
-              <a:t>This </a:t>
-            </a:r>
-            <a:r>
-              <a:rPr lang="fr-FR" dirty="0" err="1" smtClean="0"/>
-              <a:t>workflow</a:t>
-            </a:r>
-            <a:r>
-              <a:rPr lang="fr-FR" dirty="0" smtClean="0"/>
-              <a:t> </a:t>
-            </a:r>
-            <a:r>
-              <a:rPr lang="fr-FR" dirty="0" err="1" smtClean="0"/>
-              <a:t>is</a:t>
-            </a:r>
-            <a:r>
-              <a:rPr lang="fr-FR" dirty="0" smtClean="0"/>
-              <a:t> close to the Natural </a:t>
-            </a:r>
-            <a:r>
-              <a:rPr lang="fr-FR" dirty="0" err="1" smtClean="0"/>
-              <a:t>Language</a:t>
-            </a:r>
-            <a:r>
-              <a:rPr lang="fr-FR" dirty="0" smtClean="0"/>
-              <a:t> </a:t>
-            </a:r>
-            <a:r>
-              <a:rPr lang="fr-FR" dirty="0" err="1" smtClean="0"/>
-              <a:t>Processing</a:t>
-            </a:r>
-            <a:r>
-              <a:rPr lang="fr-FR" dirty="0" smtClean="0"/>
-              <a:t> tutorial </a:t>
-            </a:r>
-            <a:r>
-              <a:rPr lang="fr-FR" dirty="0" err="1" smtClean="0"/>
-              <a:t>from</a:t>
-            </a:r>
-            <a:r>
-              <a:rPr lang="fr-FR" dirty="0" smtClean="0"/>
-              <a:t> </a:t>
-            </a:r>
-            <a:r>
-              <a:rPr lang="fr-FR" dirty="0" err="1" smtClean="0"/>
-              <a:t>scikit-learn</a:t>
-            </a:r>
-            <a:r>
-              <a:rPr lang="fr-FR" dirty="0" smtClean="0"/>
-              <a:t>. </a:t>
-            </a:r>
-            <a:r>
-              <a:rPr lang="fr-FR" dirty="0" err="1" smtClean="0"/>
-              <a:t>Besides</a:t>
-            </a:r>
-            <a:r>
-              <a:rPr lang="fr-FR" dirty="0" smtClean="0"/>
-              <a:t>, </a:t>
-            </a:r>
-            <a:r>
-              <a:rPr lang="fr-FR" dirty="0" err="1" smtClean="0"/>
-              <a:t>it</a:t>
-            </a:r>
-            <a:r>
-              <a:rPr lang="fr-FR" dirty="0" smtClean="0"/>
-              <a:t> </a:t>
-            </a:r>
-            <a:r>
-              <a:rPr lang="fr-FR" dirty="0" err="1" smtClean="0"/>
-              <a:t>includes</a:t>
-            </a:r>
-            <a:r>
-              <a:rPr lang="fr-FR" dirty="0" smtClean="0"/>
-              <a:t> a neural network section. </a:t>
-            </a:r>
-            <a:r>
-              <a:rPr lang="fr-FR" dirty="0" err="1" smtClean="0"/>
-              <a:t>Unfortunately</a:t>
-            </a:r>
-            <a:r>
-              <a:rPr lang="fr-FR" dirty="0" smtClean="0"/>
-              <a:t>, in </a:t>
-            </a:r>
-            <a:r>
-              <a:rPr lang="fr-FR" dirty="0" err="1" smtClean="0"/>
-              <a:t>our</a:t>
-            </a:r>
-            <a:r>
-              <a:rPr lang="fr-FR" dirty="0" smtClean="0"/>
-              <a:t> case, the neural network section </a:t>
-            </a:r>
-            <a:r>
-              <a:rPr lang="fr-FR" dirty="0" err="1" smtClean="0"/>
-              <a:t>is</a:t>
-            </a:r>
-            <a:r>
-              <a:rPr lang="fr-FR" dirty="0" smtClean="0"/>
-              <a:t> not applicable, </a:t>
-            </a:r>
-            <a:r>
-              <a:rPr lang="fr-FR" dirty="0" err="1" smtClean="0"/>
-              <a:t>because</a:t>
-            </a:r>
-            <a:r>
-              <a:rPr lang="fr-FR" dirty="0" smtClean="0"/>
-              <a:t> </a:t>
-            </a:r>
-            <a:r>
-              <a:rPr lang="fr-FR" dirty="0" err="1" smtClean="0"/>
-              <a:t>its</a:t>
-            </a:r>
-            <a:r>
-              <a:rPr lang="fr-FR" dirty="0" smtClean="0"/>
-              <a:t> goal </a:t>
-            </a:r>
-            <a:r>
-              <a:rPr lang="fr-FR" dirty="0" err="1" smtClean="0"/>
-              <a:t>is</a:t>
-            </a:r>
-            <a:r>
-              <a:rPr lang="fr-FR" dirty="0" smtClean="0"/>
-              <a:t> </a:t>
-            </a:r>
-            <a:r>
-              <a:rPr lang="fr-FR" dirty="0" err="1" smtClean="0"/>
-              <a:t>too</a:t>
-            </a:r>
-            <a:r>
-              <a:rPr lang="fr-FR" dirty="0" smtClean="0"/>
-              <a:t> far </a:t>
-            </a:r>
-            <a:r>
-              <a:rPr lang="fr-FR" dirty="0" err="1" smtClean="0"/>
-              <a:t>away</a:t>
-            </a:r>
-            <a:r>
-              <a:rPr lang="fr-FR" dirty="0" smtClean="0"/>
-              <a:t> </a:t>
-            </a:r>
-            <a:r>
-              <a:rPr lang="fr-FR" dirty="0" err="1" smtClean="0"/>
-              <a:t>from</a:t>
-            </a:r>
-            <a:r>
-              <a:rPr lang="fr-FR" dirty="0" smtClean="0"/>
-              <a:t> the goal of </a:t>
-            </a:r>
-            <a:r>
-              <a:rPr lang="fr-FR" dirty="0" err="1" smtClean="0"/>
-              <a:t>our</a:t>
-            </a:r>
-            <a:r>
-              <a:rPr lang="fr-FR" dirty="0" smtClean="0"/>
-              <a:t> </a:t>
-            </a:r>
-            <a:r>
-              <a:rPr lang="fr-FR" dirty="0" err="1" smtClean="0"/>
-              <a:t>project</a:t>
-            </a:r>
-            <a:r>
-              <a:rPr lang="fr-FR" dirty="0" smtClean="0"/>
-              <a:t>. </a:t>
-            </a:r>
-            <a:r>
-              <a:rPr lang="fr-FR" dirty="0" err="1" smtClean="0"/>
-              <a:t>We</a:t>
-            </a:r>
-            <a:r>
-              <a:rPr lang="fr-FR" dirty="0" smtClean="0"/>
-              <a:t> </a:t>
-            </a:r>
-            <a:r>
-              <a:rPr lang="fr-FR" dirty="0" err="1" smtClean="0"/>
-              <a:t>run</a:t>
-            </a:r>
-            <a:r>
-              <a:rPr lang="fr-FR" dirty="0" smtClean="0"/>
-              <a:t> the code </a:t>
-            </a:r>
-            <a:r>
-              <a:rPr lang="fr-FR" dirty="0" err="1" smtClean="0"/>
-              <a:t>anyway</a:t>
-            </a:r>
-            <a:r>
-              <a:rPr lang="fr-FR" dirty="0" smtClean="0"/>
-              <a:t>.</a:t>
-            </a:r>
+              <a:t> and </a:t>
+            </a:r>
+            <a:r>
+              <a:rPr lang="fr-FR" dirty="0" err="1" smtClean="0">
+                <a:solidFill>
+                  <a:srgbClr val="DAE6F6"/>
+                </a:solidFill>
+              </a:rPr>
+              <a:t>bibliography</a:t>
+            </a:r>
+            <a:endParaRPr lang="fr-FR" dirty="0" smtClean="0">
+              <a:solidFill>
+                <a:srgbClr val="DAE6F6"/>
+              </a:solidFill>
+            </a:endParaRPr>
+          </a:p>
+          <a:p>
+            <a:pPr lvl="1"/>
+            <a:r>
+              <a:rPr lang="fr-FR" dirty="0" err="1" smtClean="0">
+                <a:solidFill>
+                  <a:srgbClr val="DAE6F6"/>
+                </a:solidFill>
+              </a:rPr>
+              <a:t>Improvements</a:t>
+            </a:r>
+            <a:r>
+              <a:rPr lang="fr-FR" dirty="0" smtClean="0">
+                <a:solidFill>
+                  <a:srgbClr val="DAE6F6"/>
+                </a:solidFill>
+              </a:rPr>
+              <a:t> </a:t>
+            </a:r>
+            <a:r>
+              <a:rPr lang="fr-FR" dirty="0" err="1" smtClean="0">
+                <a:solidFill>
+                  <a:srgbClr val="DAE6F6"/>
+                </a:solidFill>
+              </a:rPr>
+              <a:t>needed</a:t>
+            </a:r>
+            <a:endParaRPr lang="fr-FR" dirty="0" smtClean="0">
+              <a:solidFill>
+                <a:srgbClr val="DAE6F6"/>
+              </a:solidFill>
+            </a:endParaRPr>
+          </a:p>
+          <a:p>
+            <a:pPr lvl="1"/>
+            <a:r>
+              <a:rPr lang="fr-FR" dirty="0" err="1" smtClean="0">
+                <a:solidFill>
+                  <a:srgbClr val="DAE6F6"/>
+                </a:solidFill>
+              </a:rPr>
+              <a:t>Bibliography</a:t>
+            </a:r>
+            <a:endParaRPr lang="fr-FR" dirty="0" smtClean="0">
+              <a:solidFill>
+                <a:srgbClr val="DAE6F6"/>
+              </a:solidFill>
+            </a:endParaRPr>
+          </a:p>
+          <a:p>
             <a:endParaRPr lang="fr-FR" dirty="0"/>
           </a:p>
         </p:txBody>
@@ -20049,15 +19615,765 @@
           <a:p>
             <a:r>
               <a:rPr lang="fr-FR" dirty="0" err="1" smtClean="0"/>
+              <a:t>Outline</a:t>
+            </a:r>
+            <a:endParaRPr lang="fr-FR" dirty="0"/>
+          </a:p>
+        </p:txBody>
+      </p:sp>
+    </p:spTree>
+    <p:extLst>
+      <p:ext uri="{BB962C8B-B14F-4D97-AF65-F5344CB8AC3E}">
+        <p14:creationId xmlns:p14="http://schemas.microsoft.com/office/powerpoint/2010/main" val="3148642931"/>
+      </p:ext>
+    </p:extLst>
+  </p:cSld>
+  <p:clrMapOvr>
+    <a:masterClrMapping/>
+  </p:clrMapOvr>
+</p:sld>
+</file>
+
+<file path=ppt/slides/slide13.xml><?xml version="1.0" encoding="utf-8"?>
+<p:sld xmlns:a="http://schemas.openxmlformats.org/drawingml/2006/main" xmlns:r="http://schemas.openxmlformats.org/officeDocument/2006/relationships" xmlns:p="http://schemas.openxmlformats.org/presentationml/2006/main">
+  <p:cSld>
+    <p:spTree>
+      <p:nvGrpSpPr>
+        <p:cNvPr id="1" name=""/>
+        <p:cNvGrpSpPr/>
+        <p:nvPr/>
+      </p:nvGrpSpPr>
+      <p:grpSpPr>
+        <a:xfrm>
+          <a:off x="0" y="0"/>
+          <a:ext cx="0" cy="0"/>
+          <a:chOff x="0" y="0"/>
+          <a:chExt cx="0" cy="0"/>
+        </a:xfrm>
+      </p:grpSpPr>
+      <p:sp>
+        <p:nvSpPr>
+          <p:cNvPr id="3" name="Espace réservé du contenu 2"/>
+          <p:cNvSpPr>
+            <a:spLocks noGrp="1"/>
+          </p:cNvSpPr>
+          <p:nvPr>
+            <p:ph idx="1"/>
+          </p:nvPr>
+        </p:nvSpPr>
+        <p:spPr/>
+        <p:txBody>
+          <a:bodyPr>
+            <a:normAutofit/>
+          </a:bodyPr>
+          <a:lstStyle/>
+          <a:p>
+            <a:r>
+              <a:rPr lang="fr-FR" dirty="0" smtClean="0"/>
+              <a:t>A quick </a:t>
+            </a:r>
+            <a:r>
+              <a:rPr lang="fr-FR" dirty="0" err="1" smtClean="0"/>
+              <a:t>bibliography</a:t>
+            </a:r>
+            <a:r>
+              <a:rPr lang="fr-FR" dirty="0" smtClean="0"/>
+              <a:t> </a:t>
+            </a:r>
+            <a:r>
+              <a:rPr lang="fr-FR" dirty="0" err="1" smtClean="0"/>
+              <a:t>reveals</a:t>
+            </a:r>
+            <a:r>
+              <a:rPr lang="fr-FR" dirty="0" smtClean="0"/>
+              <a:t> </a:t>
+            </a:r>
+            <a:r>
+              <a:rPr lang="fr-FR" dirty="0" err="1" smtClean="0"/>
+              <a:t>very</a:t>
+            </a:r>
+            <a:r>
+              <a:rPr lang="fr-FR" dirty="0" smtClean="0"/>
+              <a:t> </a:t>
+            </a:r>
+            <a:r>
+              <a:rPr lang="fr-FR" dirty="0" smtClean="0"/>
+              <a:t>few </a:t>
+            </a:r>
+            <a:r>
+              <a:rPr lang="fr-FR" dirty="0" err="1" smtClean="0"/>
+              <a:t>projects</a:t>
+            </a:r>
+            <a:r>
+              <a:rPr lang="fr-FR" dirty="0" smtClean="0"/>
+              <a:t> of machine </a:t>
+            </a:r>
+            <a:r>
+              <a:rPr lang="fr-FR" dirty="0" err="1" smtClean="0"/>
+              <a:t>learning</a:t>
+            </a:r>
+            <a:r>
+              <a:rPr lang="fr-FR" dirty="0" smtClean="0"/>
+              <a:t> </a:t>
+            </a:r>
+            <a:r>
+              <a:rPr lang="fr-FR" dirty="0" smtClean="0"/>
+              <a:t>on </a:t>
+            </a:r>
+            <a:r>
+              <a:rPr lang="fr-FR" dirty="0" smtClean="0"/>
+              <a:t>the </a:t>
+            </a:r>
+            <a:r>
+              <a:rPr lang="fr-FR" dirty="0" err="1" smtClean="0"/>
+              <a:t>openFDA</a:t>
+            </a:r>
+            <a:r>
+              <a:rPr lang="fr-FR" dirty="0" smtClean="0"/>
+              <a:t> </a:t>
+            </a:r>
+            <a:r>
+              <a:rPr lang="fr-FR" dirty="0" err="1" smtClean="0"/>
+              <a:t>database</a:t>
+            </a:r>
+            <a:r>
+              <a:rPr lang="fr-FR" dirty="0" smtClean="0"/>
+              <a:t>. </a:t>
+            </a:r>
+            <a:endParaRPr lang="fr-FR" dirty="0" smtClean="0"/>
+          </a:p>
+          <a:p>
+            <a:r>
+              <a:rPr lang="fr-FR" dirty="0" smtClean="0"/>
+              <a:t>Question </a:t>
+            </a:r>
+            <a:r>
+              <a:rPr lang="fr-FR" dirty="0" err="1" smtClean="0"/>
+              <a:t>addressed</a:t>
+            </a:r>
+            <a:r>
+              <a:rPr lang="fr-FR" dirty="0" smtClean="0"/>
+              <a:t>: </a:t>
+            </a:r>
+            <a:r>
+              <a:rPr lang="fr-FR" dirty="0"/>
+              <a:t>i</a:t>
+            </a:r>
+            <a:r>
+              <a:rPr lang="fr-FR" dirty="0" smtClean="0"/>
+              <a:t>f </a:t>
+            </a:r>
+            <a:r>
+              <a:rPr lang="fr-FR" dirty="0" err="1" smtClean="0"/>
+              <a:t>we</a:t>
+            </a:r>
+            <a:r>
+              <a:rPr lang="fr-FR" dirty="0" smtClean="0"/>
+              <a:t> </a:t>
+            </a:r>
+            <a:r>
+              <a:rPr lang="fr-FR" dirty="0" err="1" smtClean="0"/>
+              <a:t>lose</a:t>
+            </a:r>
+            <a:r>
+              <a:rPr lang="fr-FR" dirty="0" smtClean="0"/>
+              <a:t> </a:t>
+            </a:r>
+            <a:r>
+              <a:rPr lang="fr-FR" dirty="0" err="1" smtClean="0"/>
+              <a:t>some</a:t>
+            </a:r>
+            <a:r>
+              <a:rPr lang="fr-FR" dirty="0" smtClean="0"/>
+              <a:t> country </a:t>
+            </a:r>
+            <a:r>
+              <a:rPr lang="fr-FR" dirty="0" err="1" smtClean="0"/>
+              <a:t>names</a:t>
+            </a:r>
+            <a:r>
+              <a:rPr lang="fr-FR" dirty="0" smtClean="0"/>
+              <a:t> </a:t>
+            </a:r>
+            <a:r>
+              <a:rPr lang="fr-FR" dirty="0" err="1" smtClean="0"/>
+              <a:t>can</a:t>
+            </a:r>
+            <a:r>
+              <a:rPr lang="fr-FR" dirty="0" smtClean="0"/>
+              <a:t> </a:t>
+            </a:r>
+            <a:r>
+              <a:rPr lang="fr-FR" dirty="0" err="1" smtClean="0"/>
+              <a:t>we</a:t>
+            </a:r>
+            <a:r>
+              <a:rPr lang="fr-FR" dirty="0"/>
+              <a:t> </a:t>
+            </a:r>
+            <a:r>
+              <a:rPr lang="fr-FR" dirty="0" err="1" smtClean="0"/>
+              <a:t>recover</a:t>
+            </a:r>
+            <a:r>
+              <a:rPr lang="fr-FR" dirty="0" smtClean="0"/>
+              <a:t> </a:t>
+            </a:r>
+            <a:r>
+              <a:rPr lang="fr-FR" dirty="0" err="1" smtClean="0"/>
+              <a:t>them</a:t>
+            </a:r>
+            <a:r>
+              <a:rPr lang="fr-FR" dirty="0" smtClean="0"/>
+              <a:t> </a:t>
+            </a:r>
+            <a:r>
+              <a:rPr lang="fr-FR" dirty="0" err="1" smtClean="0"/>
+              <a:t>using</a:t>
+            </a:r>
+            <a:r>
+              <a:rPr lang="fr-FR" dirty="0" smtClean="0"/>
+              <a:t> the </a:t>
+            </a:r>
+            <a:r>
+              <a:rPr lang="fr-FR" dirty="0" err="1" smtClean="0"/>
+              <a:t>list</a:t>
+            </a:r>
+            <a:r>
+              <a:rPr lang="fr-FR" dirty="0" smtClean="0"/>
+              <a:t> of </a:t>
+            </a:r>
+            <a:r>
+              <a:rPr lang="fr-FR" dirty="0" err="1" smtClean="0"/>
+              <a:t>reactions</a:t>
+            </a:r>
+            <a:r>
+              <a:rPr lang="fr-FR" dirty="0" smtClean="0"/>
+              <a:t>? </a:t>
+            </a:r>
+            <a:r>
+              <a:rPr lang="fr-FR" dirty="0" err="1" smtClean="0"/>
+              <a:t>With</a:t>
+            </a:r>
+            <a:r>
+              <a:rPr lang="fr-FR" dirty="0" smtClean="0"/>
+              <a:t> </a:t>
+            </a:r>
+            <a:r>
+              <a:rPr lang="fr-FR" dirty="0" err="1" smtClean="0"/>
+              <a:t>which</a:t>
+            </a:r>
+            <a:r>
+              <a:rPr lang="fr-FR" dirty="0" smtClean="0"/>
+              <a:t> </a:t>
+            </a:r>
+            <a:r>
+              <a:rPr lang="fr-FR" dirty="0" err="1" smtClean="0"/>
+              <a:t>accuracy</a:t>
+            </a:r>
+            <a:r>
+              <a:rPr lang="fr-FR" dirty="0" smtClean="0"/>
+              <a:t>?</a:t>
+            </a:r>
+          </a:p>
+          <a:p>
+            <a:r>
+              <a:rPr lang="fr-FR" dirty="0" err="1" smtClean="0"/>
+              <a:t>Because</a:t>
+            </a:r>
+            <a:r>
+              <a:rPr lang="fr-FR" dirty="0" smtClean="0"/>
+              <a:t> of </a:t>
+            </a:r>
+            <a:r>
+              <a:rPr lang="fr-FR" dirty="0" err="1" smtClean="0"/>
+              <a:t>computational</a:t>
+            </a:r>
+            <a:r>
+              <a:rPr lang="fr-FR" dirty="0" smtClean="0"/>
+              <a:t> power, </a:t>
+            </a:r>
+            <a:r>
+              <a:rPr lang="fr-FR" dirty="0" err="1" smtClean="0"/>
+              <a:t>we</a:t>
+            </a:r>
+            <a:r>
+              <a:rPr lang="fr-FR" dirty="0" smtClean="0"/>
+              <a:t> </a:t>
+            </a:r>
+            <a:r>
+              <a:rPr lang="fr-FR" dirty="0" smtClean="0"/>
+              <a:t>look </a:t>
+            </a:r>
+            <a:r>
+              <a:rPr lang="fr-FR" dirty="0" err="1" smtClean="0"/>
+              <a:t>at</a:t>
+            </a:r>
+            <a:r>
+              <a:rPr lang="fr-FR" dirty="0" smtClean="0"/>
+              <a:t> </a:t>
+            </a:r>
+            <a:r>
+              <a:rPr lang="fr-FR" dirty="0" err="1" smtClean="0"/>
+              <a:t>three</a:t>
+            </a:r>
+            <a:r>
+              <a:rPr lang="fr-FR" dirty="0" smtClean="0"/>
+              <a:t> countries </a:t>
+            </a:r>
+            <a:r>
+              <a:rPr lang="fr-FR" dirty="0" err="1" smtClean="0"/>
+              <a:t>only</a:t>
+            </a:r>
+            <a:r>
+              <a:rPr lang="fr-FR" dirty="0" smtClean="0"/>
+              <a:t>. It </a:t>
+            </a:r>
+            <a:r>
+              <a:rPr lang="fr-FR" dirty="0" err="1" smtClean="0"/>
+              <a:t>should</a:t>
+            </a:r>
+            <a:r>
+              <a:rPr lang="fr-FR" dirty="0" smtClean="0"/>
+              <a:t> </a:t>
+            </a:r>
+            <a:r>
+              <a:rPr lang="fr-FR" dirty="0" err="1" smtClean="0"/>
+              <a:t>be</a:t>
+            </a:r>
+            <a:r>
+              <a:rPr lang="fr-FR" dirty="0" smtClean="0"/>
+              <a:t> </a:t>
+            </a:r>
+            <a:r>
+              <a:rPr lang="fr-FR" dirty="0" err="1" smtClean="0"/>
+              <a:t>checked</a:t>
+            </a:r>
+            <a:r>
+              <a:rPr lang="fr-FR" dirty="0" smtClean="0"/>
+              <a:t> </a:t>
+            </a:r>
+            <a:r>
+              <a:rPr lang="fr-FR" dirty="0" err="1" smtClean="0"/>
+              <a:t>whether</a:t>
+            </a:r>
+            <a:r>
+              <a:rPr lang="fr-FR" dirty="0" smtClean="0"/>
+              <a:t> </a:t>
+            </a:r>
+            <a:r>
+              <a:rPr lang="fr-FR" dirty="0" smtClean="0"/>
+              <a:t>the </a:t>
+            </a:r>
+            <a:r>
+              <a:rPr lang="fr-FR" dirty="0" err="1" smtClean="0"/>
+              <a:t>approach</a:t>
+            </a:r>
+            <a:r>
+              <a:rPr lang="fr-FR" dirty="0" smtClean="0"/>
+              <a:t> </a:t>
+            </a:r>
+            <a:r>
+              <a:rPr lang="fr-FR" dirty="0" err="1" smtClean="0"/>
+              <a:t>can</a:t>
+            </a:r>
+            <a:r>
+              <a:rPr lang="fr-FR" dirty="0" smtClean="0"/>
+              <a:t> </a:t>
+            </a:r>
+            <a:r>
+              <a:rPr lang="fr-FR" dirty="0" err="1" smtClean="0"/>
+              <a:t>be</a:t>
+            </a:r>
+            <a:r>
+              <a:rPr lang="fr-FR" dirty="0" smtClean="0"/>
+              <a:t> </a:t>
+            </a:r>
+            <a:r>
+              <a:rPr lang="fr-FR" dirty="0" err="1" smtClean="0"/>
+              <a:t>generalised</a:t>
+            </a:r>
+            <a:r>
+              <a:rPr lang="fr-FR" dirty="0" smtClean="0"/>
+              <a:t> to more countries.</a:t>
+            </a:r>
+            <a:endParaRPr lang="fr-FR" dirty="0"/>
+          </a:p>
+        </p:txBody>
+      </p:sp>
+      <p:sp>
+        <p:nvSpPr>
+          <p:cNvPr id="2" name="Titre 1"/>
+          <p:cNvSpPr>
+            <a:spLocks noGrp="1"/>
+          </p:cNvSpPr>
+          <p:nvPr>
+            <p:ph type="title"/>
+          </p:nvPr>
+        </p:nvSpPr>
+        <p:spPr/>
+        <p:txBody>
+          <a:bodyPr>
+            <a:normAutofit/>
+          </a:bodyPr>
+          <a:lstStyle/>
+          <a:p>
+            <a:r>
+              <a:rPr lang="fr-FR" dirty="0" smtClean="0"/>
+              <a:t>Machine Learning </a:t>
+            </a:r>
+            <a:r>
+              <a:rPr lang="fr-FR" dirty="0" err="1" smtClean="0"/>
+              <a:t>project</a:t>
+            </a:r>
+            <a:endParaRPr lang="fr-FR" dirty="0"/>
+          </a:p>
+        </p:txBody>
+      </p:sp>
+    </p:spTree>
+    <p:extLst>
+      <p:ext uri="{BB962C8B-B14F-4D97-AF65-F5344CB8AC3E}">
+        <p14:creationId xmlns:p14="http://schemas.microsoft.com/office/powerpoint/2010/main" val="2844696701"/>
+      </p:ext>
+    </p:extLst>
+  </p:cSld>
+  <p:clrMapOvr>
+    <a:masterClrMapping/>
+  </p:clrMapOvr>
+</p:sld>
+</file>
+
+<file path=ppt/slides/slide14.xml><?xml version="1.0" encoding="utf-8"?>
+<p:sld xmlns:a="http://schemas.openxmlformats.org/drawingml/2006/main" xmlns:r="http://schemas.openxmlformats.org/officeDocument/2006/relationships" xmlns:p="http://schemas.openxmlformats.org/presentationml/2006/main">
+  <p:cSld>
+    <p:spTree>
+      <p:nvGrpSpPr>
+        <p:cNvPr id="1" name=""/>
+        <p:cNvGrpSpPr/>
+        <p:nvPr/>
+      </p:nvGrpSpPr>
+      <p:grpSpPr>
+        <a:xfrm>
+          <a:off x="0" y="0"/>
+          <a:ext cx="0" cy="0"/>
+          <a:chOff x="0" y="0"/>
+          <a:chExt cx="0" cy="0"/>
+        </a:xfrm>
+      </p:grpSpPr>
+      <p:sp>
+        <p:nvSpPr>
+          <p:cNvPr id="2" name="Espace réservé du contenu 1"/>
+          <p:cNvSpPr>
+            <a:spLocks noGrp="1"/>
+          </p:cNvSpPr>
+          <p:nvPr>
+            <p:ph idx="1"/>
+          </p:nvPr>
+        </p:nvSpPr>
+        <p:spPr/>
+        <p:txBody>
+          <a:bodyPr>
+            <a:normAutofit fontScale="92500" lnSpcReduction="10000"/>
+          </a:bodyPr>
+          <a:lstStyle/>
+          <a:p>
+            <a:r>
+              <a:rPr lang="fr-FR" dirty="0" err="1" smtClean="0"/>
+              <a:t>We</a:t>
+            </a:r>
+            <a:r>
+              <a:rPr lang="fr-FR" dirty="0" smtClean="0"/>
+              <a:t> </a:t>
+            </a:r>
+            <a:r>
+              <a:rPr lang="fr-FR" dirty="0" err="1" smtClean="0"/>
+              <a:t>follow</a:t>
+            </a:r>
+            <a:r>
+              <a:rPr lang="fr-FR" dirty="0" smtClean="0"/>
+              <a:t> the </a:t>
+            </a:r>
+            <a:r>
+              <a:rPr lang="fr-FR" dirty="0" err="1" smtClean="0"/>
+              <a:t>steps</a:t>
+            </a:r>
+            <a:r>
+              <a:rPr lang="fr-FR" dirty="0" smtClean="0"/>
+              <a:t> of Emmanuel </a:t>
+            </a:r>
+            <a:r>
+              <a:rPr lang="fr-FR" dirty="0" err="1" smtClean="0"/>
+              <a:t>Ameisen</a:t>
+            </a:r>
+            <a:r>
+              <a:rPr lang="fr-FR" dirty="0" smtClean="0"/>
+              <a:t>, </a:t>
+            </a:r>
+            <a:r>
+              <a:rPr lang="fr-FR" dirty="0" err="1" smtClean="0"/>
+              <a:t>which</a:t>
+            </a:r>
+            <a:r>
+              <a:rPr lang="fr-FR" dirty="0" smtClean="0"/>
+              <a:t> </a:t>
+            </a:r>
+            <a:r>
+              <a:rPr lang="fr-FR" dirty="0" err="1" smtClean="0"/>
+              <a:t>can</a:t>
+            </a:r>
+            <a:r>
+              <a:rPr lang="fr-FR" dirty="0" smtClean="0"/>
+              <a:t> </a:t>
+            </a:r>
+            <a:r>
+              <a:rPr lang="fr-FR" dirty="0" err="1" smtClean="0"/>
+              <a:t>be</a:t>
+            </a:r>
+            <a:r>
+              <a:rPr lang="fr-FR" dirty="0" smtClean="0"/>
+              <a:t> </a:t>
+            </a:r>
+            <a:r>
+              <a:rPr lang="fr-FR" dirty="0" err="1" smtClean="0"/>
+              <a:t>found</a:t>
+            </a:r>
+            <a:r>
+              <a:rPr lang="fr-FR" dirty="0" smtClean="0"/>
+              <a:t> </a:t>
+            </a:r>
+            <a:r>
+              <a:rPr lang="fr-FR" dirty="0" err="1" smtClean="0"/>
+              <a:t>here</a:t>
+            </a:r>
+            <a:r>
+              <a:rPr lang="fr-FR" dirty="0"/>
+              <a:t>: </a:t>
+            </a:r>
+            <a:r>
+              <a:rPr lang="fr-FR" dirty="0">
+                <a:hlinkClick r:id="rId2"/>
+              </a:rPr>
+              <a:t>https://github.com/hundredblocks/concrete_NLP_tutorial/blob/master/</a:t>
+            </a:r>
+            <a:r>
+              <a:rPr lang="fr-FR" dirty="0" smtClean="0">
+                <a:hlinkClick r:id="rId2"/>
+              </a:rPr>
+              <a:t>NLP_notebook.ipynb</a:t>
+            </a:r>
+            <a:endParaRPr lang="fr-FR" dirty="0" smtClean="0"/>
+          </a:p>
+          <a:p>
+            <a:r>
+              <a:rPr lang="fr-FR" dirty="0" smtClean="0"/>
+              <a:t>This </a:t>
+            </a:r>
+            <a:r>
+              <a:rPr lang="fr-FR" dirty="0" err="1" smtClean="0"/>
+              <a:t>workflow</a:t>
+            </a:r>
+            <a:r>
+              <a:rPr lang="fr-FR" dirty="0" smtClean="0"/>
+              <a:t> </a:t>
+            </a:r>
+            <a:r>
+              <a:rPr lang="fr-FR" dirty="0" err="1" smtClean="0"/>
+              <a:t>is</a:t>
+            </a:r>
+            <a:r>
+              <a:rPr lang="fr-FR" dirty="0" smtClean="0"/>
+              <a:t> close to the Natural </a:t>
+            </a:r>
+            <a:r>
+              <a:rPr lang="fr-FR" dirty="0" err="1" smtClean="0"/>
+              <a:t>Language</a:t>
+            </a:r>
+            <a:r>
+              <a:rPr lang="fr-FR" dirty="0" smtClean="0"/>
+              <a:t> </a:t>
+            </a:r>
+            <a:r>
+              <a:rPr lang="fr-FR" dirty="0" err="1" smtClean="0"/>
+              <a:t>Processing</a:t>
+            </a:r>
+            <a:r>
+              <a:rPr lang="fr-FR" dirty="0" smtClean="0"/>
+              <a:t> tutorial </a:t>
+            </a:r>
+            <a:r>
+              <a:rPr lang="fr-FR" dirty="0" err="1" smtClean="0"/>
+              <a:t>from</a:t>
+            </a:r>
+            <a:r>
+              <a:rPr lang="fr-FR" dirty="0" smtClean="0"/>
+              <a:t> </a:t>
+            </a:r>
+            <a:r>
+              <a:rPr lang="fr-FR" dirty="0" err="1" smtClean="0"/>
+              <a:t>scikit-learn</a:t>
+            </a:r>
+            <a:r>
+              <a:rPr lang="fr-FR" dirty="0" smtClean="0"/>
+              <a:t>. </a:t>
+            </a:r>
+            <a:r>
+              <a:rPr lang="fr-FR" dirty="0" err="1" smtClean="0"/>
+              <a:t>Besides</a:t>
+            </a:r>
+            <a:r>
+              <a:rPr lang="fr-FR" dirty="0" smtClean="0"/>
+              <a:t>, </a:t>
+            </a:r>
+            <a:r>
+              <a:rPr lang="fr-FR" dirty="0" err="1" smtClean="0"/>
+              <a:t>it</a:t>
+            </a:r>
+            <a:r>
+              <a:rPr lang="fr-FR" dirty="0" smtClean="0"/>
+              <a:t> </a:t>
+            </a:r>
+            <a:r>
+              <a:rPr lang="fr-FR" dirty="0" err="1" smtClean="0"/>
+              <a:t>includes</a:t>
+            </a:r>
+            <a:r>
+              <a:rPr lang="fr-FR" dirty="0" smtClean="0"/>
+              <a:t> a neural network section. </a:t>
+            </a:r>
+            <a:r>
+              <a:rPr lang="fr-FR" dirty="0" err="1" smtClean="0"/>
+              <a:t>Unfortunately</a:t>
+            </a:r>
+            <a:r>
+              <a:rPr lang="fr-FR" dirty="0" smtClean="0"/>
+              <a:t>, in </a:t>
+            </a:r>
+            <a:r>
+              <a:rPr lang="fr-FR" dirty="0" err="1" smtClean="0"/>
+              <a:t>our</a:t>
+            </a:r>
+            <a:r>
+              <a:rPr lang="fr-FR" dirty="0" smtClean="0"/>
+              <a:t> case, the neural network section </a:t>
+            </a:r>
+            <a:r>
+              <a:rPr lang="fr-FR" dirty="0" err="1" smtClean="0"/>
+              <a:t>is</a:t>
+            </a:r>
+            <a:r>
+              <a:rPr lang="fr-FR" dirty="0" smtClean="0"/>
+              <a:t> not applicable, </a:t>
+            </a:r>
+            <a:r>
+              <a:rPr lang="fr-FR" dirty="0" err="1" smtClean="0"/>
+              <a:t>because</a:t>
+            </a:r>
+            <a:r>
+              <a:rPr lang="fr-FR" dirty="0" smtClean="0"/>
+              <a:t> </a:t>
+            </a:r>
+            <a:r>
+              <a:rPr lang="fr-FR" dirty="0" err="1" smtClean="0"/>
+              <a:t>its</a:t>
+            </a:r>
+            <a:r>
+              <a:rPr lang="fr-FR" dirty="0" smtClean="0"/>
+              <a:t> goal </a:t>
+            </a:r>
+            <a:r>
+              <a:rPr lang="fr-FR" dirty="0" err="1" smtClean="0"/>
+              <a:t>is</a:t>
+            </a:r>
+            <a:r>
+              <a:rPr lang="fr-FR" dirty="0" smtClean="0"/>
+              <a:t> </a:t>
+            </a:r>
+            <a:r>
+              <a:rPr lang="fr-FR" dirty="0" err="1" smtClean="0"/>
+              <a:t>too</a:t>
+            </a:r>
+            <a:r>
+              <a:rPr lang="fr-FR" dirty="0" smtClean="0"/>
+              <a:t> far </a:t>
+            </a:r>
+            <a:r>
+              <a:rPr lang="fr-FR" dirty="0" err="1" smtClean="0"/>
+              <a:t>away</a:t>
+            </a:r>
+            <a:r>
+              <a:rPr lang="fr-FR" dirty="0" smtClean="0"/>
+              <a:t> </a:t>
+            </a:r>
+            <a:r>
+              <a:rPr lang="fr-FR" dirty="0" err="1" smtClean="0"/>
+              <a:t>from</a:t>
+            </a:r>
+            <a:r>
+              <a:rPr lang="fr-FR" dirty="0" smtClean="0"/>
+              <a:t> the goal of </a:t>
+            </a:r>
+            <a:r>
+              <a:rPr lang="fr-FR" dirty="0" err="1" smtClean="0"/>
+              <a:t>our</a:t>
+            </a:r>
+            <a:r>
+              <a:rPr lang="fr-FR" dirty="0" smtClean="0"/>
+              <a:t> </a:t>
+            </a:r>
+            <a:r>
+              <a:rPr lang="fr-FR" dirty="0" err="1" smtClean="0"/>
+              <a:t>project</a:t>
+            </a:r>
+            <a:r>
+              <a:rPr lang="fr-FR" dirty="0" smtClean="0"/>
+              <a:t>. </a:t>
+            </a:r>
+            <a:r>
+              <a:rPr lang="fr-FR" dirty="0" err="1" smtClean="0"/>
+              <a:t>We</a:t>
+            </a:r>
+            <a:r>
+              <a:rPr lang="fr-FR" dirty="0" smtClean="0"/>
+              <a:t> </a:t>
+            </a:r>
+            <a:r>
+              <a:rPr lang="fr-FR" dirty="0" err="1" smtClean="0"/>
+              <a:t>run</a:t>
+            </a:r>
+            <a:r>
+              <a:rPr lang="fr-FR" dirty="0" smtClean="0"/>
+              <a:t> the code </a:t>
+            </a:r>
+            <a:r>
+              <a:rPr lang="fr-FR" dirty="0" err="1" smtClean="0"/>
+              <a:t>anyway</a:t>
+            </a:r>
+            <a:r>
+              <a:rPr lang="fr-FR" dirty="0" smtClean="0"/>
+              <a:t>.</a:t>
+            </a:r>
+            <a:endParaRPr lang="fr-FR" dirty="0"/>
+          </a:p>
+        </p:txBody>
+      </p:sp>
+      <p:sp>
+        <p:nvSpPr>
+          <p:cNvPr id="3" name="Titre 2"/>
+          <p:cNvSpPr>
+            <a:spLocks noGrp="1"/>
+          </p:cNvSpPr>
+          <p:nvPr>
+            <p:ph type="title"/>
+          </p:nvPr>
+        </p:nvSpPr>
+        <p:spPr/>
+        <p:txBody>
+          <a:bodyPr/>
+          <a:lstStyle/>
+          <a:p>
+            <a:r>
+              <a:rPr lang="fr-FR" dirty="0" err="1" smtClean="0"/>
               <a:t>Workflow</a:t>
-            </a:r>
-            <a:r>
-              <a:rPr lang="fr-FR" dirty="0" smtClean="0"/>
-              <a:t> </a:t>
-            </a:r>
-            <a:r>
-              <a:rPr lang="fr-FR" dirty="0" err="1" smtClean="0"/>
-              <a:t>followed</a:t>
             </a:r>
             <a:endParaRPr lang="fr-FR" dirty="0"/>
           </a:p>
@@ -20076,7 +20392,7 @@
 </p:sld>
 </file>
 
-<file path=ppt/slides/slide13.xml><?xml version="1.0" encoding="utf-8"?>
+<file path=ppt/slides/slide15.xml><?xml version="1.0" encoding="utf-8"?>
 <p:sld xmlns:a="http://schemas.openxmlformats.org/drawingml/2006/main" xmlns:r="http://schemas.openxmlformats.org/officeDocument/2006/relationships" xmlns:p="http://schemas.openxmlformats.org/presentationml/2006/main">
   <p:cSld>
     <p:spTree>
@@ -20196,7 +20512,7 @@
 </p:sld>
 </file>
 
-<file path=ppt/slides/slide14.xml><?xml version="1.0" encoding="utf-8"?>
+<file path=ppt/slides/slide16.xml><?xml version="1.0" encoding="utf-8"?>
 <p:sld xmlns:a="http://schemas.openxmlformats.org/drawingml/2006/main" xmlns:r="http://schemas.openxmlformats.org/officeDocument/2006/relationships" xmlns:p="http://schemas.openxmlformats.org/presentationml/2006/main">
   <p:cSld>
     <p:spTree>
@@ -20401,7 +20717,7 @@
 </p:sld>
 </file>
 
-<file path=ppt/slides/slide15.xml><?xml version="1.0" encoding="utf-8"?>
+<file path=ppt/slides/slide17.xml><?xml version="1.0" encoding="utf-8"?>
 <p:sld xmlns:a="http://schemas.openxmlformats.org/drawingml/2006/main" xmlns:r="http://schemas.openxmlformats.org/officeDocument/2006/relationships" xmlns:p="http://schemas.openxmlformats.org/presentationml/2006/main">
   <p:cSld>
     <p:spTree>
@@ -20461,7 +20777,7 @@
 </p:sld>
 </file>
 
-<file path=ppt/slides/slide16.xml><?xml version="1.0" encoding="utf-8"?>
+<file path=ppt/slides/slide18.xml><?xml version="1.0" encoding="utf-8"?>
 <p:sld xmlns:a="http://schemas.openxmlformats.org/drawingml/2006/main" xmlns:r="http://schemas.openxmlformats.org/officeDocument/2006/relationships" xmlns:p="http://schemas.openxmlformats.org/presentationml/2006/main">
   <p:cSld>
     <p:spTree>
@@ -20521,7 +20837,7 @@
 </p:sld>
 </file>
 
-<file path=ppt/slides/slide17.xml><?xml version="1.0" encoding="utf-8"?>
+<file path=ppt/slides/slide19.xml><?xml version="1.0" encoding="utf-8"?>
 <p:sld xmlns:a="http://schemas.openxmlformats.org/drawingml/2006/main" xmlns:r="http://schemas.openxmlformats.org/officeDocument/2006/relationships" xmlns:p="http://schemas.openxmlformats.org/presentationml/2006/main">
   <p:cSld>
     <p:spTree>
@@ -20705,7 +21021,332 @@
 </p:sld>
 </file>
 
-<file path=ppt/slides/slide18.xml><?xml version="1.0" encoding="utf-8"?>
+<file path=ppt/slides/slide2.xml><?xml version="1.0" encoding="utf-8"?>
+<p:sld xmlns:a="http://schemas.openxmlformats.org/drawingml/2006/main" xmlns:r="http://schemas.openxmlformats.org/officeDocument/2006/relationships" xmlns:p="http://schemas.openxmlformats.org/presentationml/2006/main">
+  <p:cSld>
+    <p:spTree>
+      <p:nvGrpSpPr>
+        <p:cNvPr id="1" name=""/>
+        <p:cNvGrpSpPr/>
+        <p:nvPr/>
+      </p:nvGrpSpPr>
+      <p:grpSpPr>
+        <a:xfrm>
+          <a:off x="0" y="0"/>
+          <a:ext cx="0" cy="0"/>
+          <a:chOff x="0" y="0"/>
+          <a:chExt cx="0" cy="0"/>
+        </a:xfrm>
+      </p:grpSpPr>
+      <p:sp>
+        <p:nvSpPr>
+          <p:cNvPr id="2" name="Espace réservé du contenu 1"/>
+          <p:cNvSpPr>
+            <a:spLocks noGrp="1"/>
+          </p:cNvSpPr>
+          <p:nvPr>
+            <p:ph idx="1"/>
+          </p:nvPr>
+        </p:nvSpPr>
+        <p:spPr/>
+        <p:txBody>
+          <a:bodyPr>
+            <a:normAutofit fontScale="92500" lnSpcReduction="10000"/>
+          </a:bodyPr>
+          <a:lstStyle/>
+          <a:p>
+            <a:r>
+              <a:rPr lang="fr-FR" dirty="0" smtClean="0"/>
+              <a:t>Part 1: data </a:t>
+            </a:r>
+            <a:r>
+              <a:rPr lang="fr-FR" dirty="0" err="1" smtClean="0"/>
+              <a:t>analysis</a:t>
+            </a:r>
+            <a:endParaRPr lang="fr-FR" dirty="0" smtClean="0"/>
+          </a:p>
+          <a:p>
+            <a:pPr lvl="1"/>
+            <a:r>
+              <a:rPr lang="fr-FR" dirty="0" smtClean="0"/>
+              <a:t>Top </a:t>
+            </a:r>
+            <a:r>
+              <a:rPr lang="fr-FR" dirty="0" err="1" smtClean="0"/>
+              <a:t>ten</a:t>
+            </a:r>
+            <a:r>
+              <a:rPr lang="fr-FR" dirty="0" smtClean="0"/>
+              <a:t> </a:t>
+            </a:r>
+            <a:r>
+              <a:rPr lang="fr-FR" dirty="0" err="1" smtClean="0"/>
+              <a:t>reactions</a:t>
+            </a:r>
+            <a:r>
+              <a:rPr lang="fr-FR" dirty="0" smtClean="0"/>
+              <a:t> in five countries</a:t>
+            </a:r>
+          </a:p>
+          <a:p>
+            <a:pPr lvl="1"/>
+            <a:r>
+              <a:rPr lang="fr-FR" dirty="0" err="1" smtClean="0"/>
+              <a:t>Map</a:t>
+            </a:r>
+            <a:r>
+              <a:rPr lang="fr-FR" dirty="0" smtClean="0"/>
+              <a:t> </a:t>
+            </a:r>
+            <a:r>
+              <a:rPr lang="fr-FR" dirty="0" err="1" smtClean="0"/>
+              <a:t>showing</a:t>
+            </a:r>
+            <a:r>
+              <a:rPr lang="fr-FR" dirty="0" smtClean="0"/>
+              <a:t> for </a:t>
+            </a:r>
+            <a:r>
+              <a:rPr lang="fr-FR" dirty="0" err="1" smtClean="0"/>
+              <a:t>each</a:t>
+            </a:r>
+            <a:r>
+              <a:rPr lang="fr-FR" dirty="0" smtClean="0"/>
+              <a:t> country the </a:t>
+            </a:r>
+            <a:r>
+              <a:rPr lang="fr-FR" dirty="0" err="1" smtClean="0"/>
+              <a:t>rank</a:t>
+            </a:r>
+            <a:r>
+              <a:rPr lang="fr-FR" dirty="0" smtClean="0"/>
+              <a:t> of </a:t>
+            </a:r>
+            <a:r>
+              <a:rPr lang="fr-FR" dirty="0" err="1" smtClean="0"/>
+              <a:t>selected</a:t>
+            </a:r>
+            <a:r>
+              <a:rPr lang="fr-FR" dirty="0" smtClean="0"/>
+              <a:t> </a:t>
+            </a:r>
+            <a:r>
+              <a:rPr lang="fr-FR" dirty="0" err="1" smtClean="0"/>
+              <a:t>reactions</a:t>
+            </a:r>
+            <a:endParaRPr lang="fr-FR" dirty="0" smtClean="0"/>
+          </a:p>
+          <a:p>
+            <a:pPr lvl="1"/>
+            <a:r>
+              <a:rPr lang="fr-FR" dirty="0" smtClean="0"/>
+              <a:t>Country count for top five </a:t>
+            </a:r>
+            <a:r>
+              <a:rPr lang="fr-FR" dirty="0" err="1" smtClean="0"/>
+              <a:t>reactions</a:t>
+            </a:r>
+            <a:endParaRPr lang="fr-FR" dirty="0" smtClean="0"/>
+          </a:p>
+          <a:p>
+            <a:r>
+              <a:rPr lang="fr-FR" dirty="0" smtClean="0"/>
+              <a:t>Part 2: machine </a:t>
+            </a:r>
+            <a:r>
+              <a:rPr lang="fr-FR" dirty="0" err="1" smtClean="0"/>
+              <a:t>learning</a:t>
+            </a:r>
+            <a:endParaRPr lang="fr-FR" dirty="0" smtClean="0"/>
+          </a:p>
+          <a:p>
+            <a:pPr lvl="1"/>
+            <a:r>
+              <a:rPr lang="fr-FR" dirty="0" smtClean="0"/>
+              <a:t>Question: if </a:t>
+            </a:r>
+            <a:r>
+              <a:rPr lang="fr-FR" dirty="0" err="1" smtClean="0"/>
+              <a:t>some</a:t>
+            </a:r>
+            <a:r>
+              <a:rPr lang="fr-FR" dirty="0" smtClean="0"/>
+              <a:t> country </a:t>
+            </a:r>
+            <a:r>
+              <a:rPr lang="fr-FR" dirty="0" err="1" smtClean="0"/>
+              <a:t>names</a:t>
+            </a:r>
+            <a:r>
+              <a:rPr lang="fr-FR" dirty="0" smtClean="0"/>
+              <a:t> are </a:t>
+            </a:r>
+            <a:r>
+              <a:rPr lang="fr-FR" dirty="0" err="1" smtClean="0"/>
+              <a:t>missing</a:t>
+            </a:r>
+            <a:r>
+              <a:rPr lang="fr-FR" dirty="0" smtClean="0"/>
+              <a:t> </a:t>
+            </a:r>
+            <a:r>
+              <a:rPr lang="fr-FR" dirty="0" err="1" smtClean="0"/>
+              <a:t>from</a:t>
+            </a:r>
+            <a:r>
+              <a:rPr lang="fr-FR" dirty="0" smtClean="0"/>
+              <a:t> the </a:t>
+            </a:r>
+            <a:r>
+              <a:rPr lang="fr-FR" dirty="0" err="1" smtClean="0"/>
+              <a:t>database</a:t>
+            </a:r>
+            <a:r>
+              <a:rPr lang="fr-FR" dirty="0" smtClean="0"/>
+              <a:t>, </a:t>
+            </a:r>
+            <a:r>
+              <a:rPr lang="fr-FR" dirty="0" err="1" smtClean="0"/>
+              <a:t>can</a:t>
+            </a:r>
+            <a:r>
+              <a:rPr lang="fr-FR" dirty="0" smtClean="0"/>
+              <a:t> </a:t>
+            </a:r>
+            <a:r>
+              <a:rPr lang="fr-FR" dirty="0" err="1" smtClean="0"/>
+              <a:t>we</a:t>
+            </a:r>
+            <a:r>
+              <a:rPr lang="fr-FR" dirty="0" smtClean="0"/>
+              <a:t> </a:t>
+            </a:r>
+            <a:r>
+              <a:rPr lang="fr-FR" dirty="0" err="1" smtClean="0"/>
+              <a:t>recover</a:t>
+            </a:r>
+            <a:r>
+              <a:rPr lang="fr-FR" dirty="0" smtClean="0"/>
+              <a:t> </a:t>
+            </a:r>
+            <a:r>
+              <a:rPr lang="fr-FR" dirty="0" err="1" smtClean="0"/>
+              <a:t>them</a:t>
+            </a:r>
+            <a:r>
+              <a:rPr lang="fr-FR" dirty="0" smtClean="0"/>
+              <a:t> </a:t>
+            </a:r>
+            <a:r>
+              <a:rPr lang="fr-FR" dirty="0" err="1" smtClean="0"/>
+              <a:t>using</a:t>
+            </a:r>
+            <a:r>
+              <a:rPr lang="fr-FR" dirty="0" smtClean="0"/>
+              <a:t> the </a:t>
+            </a:r>
+            <a:r>
+              <a:rPr lang="fr-FR" dirty="0" err="1" smtClean="0"/>
+              <a:t>list</a:t>
+            </a:r>
+            <a:r>
+              <a:rPr lang="fr-FR" dirty="0" smtClean="0"/>
+              <a:t> of </a:t>
+            </a:r>
+            <a:r>
+              <a:rPr lang="fr-FR" dirty="0" err="1" smtClean="0"/>
+              <a:t>reactions</a:t>
+            </a:r>
+            <a:r>
+              <a:rPr lang="fr-FR" dirty="0" smtClean="0"/>
+              <a:t>?</a:t>
+            </a:r>
+          </a:p>
+          <a:p>
+            <a:r>
+              <a:rPr lang="fr-FR" dirty="0" smtClean="0"/>
+              <a:t>Part 3: </a:t>
+            </a:r>
+            <a:r>
+              <a:rPr lang="fr-FR" dirty="0" err="1" smtClean="0"/>
+              <a:t>improvements</a:t>
+            </a:r>
+            <a:r>
+              <a:rPr lang="fr-FR" dirty="0" smtClean="0"/>
+              <a:t> and </a:t>
+            </a:r>
+            <a:r>
+              <a:rPr lang="fr-FR" dirty="0" err="1" smtClean="0"/>
+              <a:t>bibliography</a:t>
+            </a:r>
+            <a:endParaRPr lang="fr-FR" dirty="0" smtClean="0"/>
+          </a:p>
+          <a:p>
+            <a:pPr lvl="1"/>
+            <a:r>
+              <a:rPr lang="fr-FR" dirty="0" err="1" smtClean="0"/>
+              <a:t>Improvements</a:t>
+            </a:r>
+            <a:r>
+              <a:rPr lang="fr-FR" dirty="0" smtClean="0"/>
+              <a:t> </a:t>
+            </a:r>
+            <a:r>
+              <a:rPr lang="fr-FR" dirty="0" err="1" smtClean="0"/>
+              <a:t>needed</a:t>
+            </a:r>
+            <a:endParaRPr lang="fr-FR" dirty="0" smtClean="0"/>
+          </a:p>
+          <a:p>
+            <a:pPr lvl="1"/>
+            <a:r>
+              <a:rPr lang="fr-FR" dirty="0" err="1" smtClean="0"/>
+              <a:t>Bibliography</a:t>
+            </a:r>
+            <a:endParaRPr lang="fr-FR" dirty="0" smtClean="0"/>
+          </a:p>
+          <a:p>
+            <a:endParaRPr lang="fr-FR" dirty="0"/>
+          </a:p>
+        </p:txBody>
+      </p:sp>
+      <p:sp>
+        <p:nvSpPr>
+          <p:cNvPr id="3" name="Titre 2"/>
+          <p:cNvSpPr>
+            <a:spLocks noGrp="1"/>
+          </p:cNvSpPr>
+          <p:nvPr>
+            <p:ph type="title"/>
+          </p:nvPr>
+        </p:nvSpPr>
+        <p:spPr/>
+        <p:txBody>
+          <a:bodyPr/>
+          <a:lstStyle/>
+          <a:p>
+            <a:r>
+              <a:rPr lang="fr-FR" dirty="0" err="1" smtClean="0"/>
+              <a:t>Outline</a:t>
+            </a:r>
+            <a:endParaRPr lang="fr-FR" dirty="0"/>
+          </a:p>
+        </p:txBody>
+      </p:sp>
+    </p:spTree>
+    <p:extLst>
+      <p:ext uri="{BB962C8B-B14F-4D97-AF65-F5344CB8AC3E}">
+        <p14:creationId xmlns:p14="http://schemas.microsoft.com/office/powerpoint/2010/main" val="2997848978"/>
+      </p:ext>
+    </p:extLst>
+  </p:cSld>
+  <p:clrMapOvr>
+    <a:masterClrMapping/>
+  </p:clrMapOvr>
+</p:sld>
+</file>
+
+<file path=ppt/slides/slide20.xml><?xml version="1.0" encoding="utf-8"?>
 <p:sld xmlns:a="http://schemas.openxmlformats.org/drawingml/2006/main" xmlns:r="http://schemas.openxmlformats.org/officeDocument/2006/relationships" xmlns:p="http://schemas.openxmlformats.org/presentationml/2006/main">
   <p:cSld>
     <p:spTree>
@@ -20825,7 +21466,7 @@
 </p:sld>
 </file>
 
-<file path=ppt/slides/slide19.xml><?xml version="1.0" encoding="utf-8"?>
+<file path=ppt/slides/slide21.xml><?xml version="1.0" encoding="utf-8"?>
 <p:sld xmlns:a="http://schemas.openxmlformats.org/drawingml/2006/main" xmlns:r="http://schemas.openxmlformats.org/officeDocument/2006/relationships" xmlns:p="http://schemas.openxmlformats.org/presentationml/2006/main">
   <p:cSld>
     <p:spTree>
@@ -20941,67 +21582,7 @@
 </p:sld>
 </file>
 
-<file path=ppt/slides/slide2.xml><?xml version="1.0" encoding="utf-8"?>
-<p:sld xmlns:a="http://schemas.openxmlformats.org/drawingml/2006/main" xmlns:r="http://schemas.openxmlformats.org/officeDocument/2006/relationships" xmlns:p="http://schemas.openxmlformats.org/presentationml/2006/main">
-  <p:cSld>
-    <p:spTree>
-      <p:nvGrpSpPr>
-        <p:cNvPr id="1" name=""/>
-        <p:cNvGrpSpPr/>
-        <p:nvPr/>
-      </p:nvGrpSpPr>
-      <p:grpSpPr>
-        <a:xfrm>
-          <a:off x="0" y="0"/>
-          <a:ext cx="0" cy="0"/>
-          <a:chOff x="0" y="0"/>
-          <a:chExt cx="0" cy="0"/>
-        </a:xfrm>
-      </p:grpSpPr>
-      <p:pic>
-        <p:nvPicPr>
-          <p:cNvPr id="7" name="Image 6" descr="Screen Shot 2018-09-08 at 9.43.44 PM.png"/>
-          <p:cNvPicPr>
-            <a:picLocks noChangeAspect="1"/>
-          </p:cNvPicPr>
-          <p:nvPr/>
-        </p:nvPicPr>
-        <p:blipFill>
-          <a:blip r:embed="rId3">
-            <a:extLst>
-              <a:ext uri="{28A0092B-C50C-407E-A947-70E740481C1C}">
-                <a14:useLocalDpi xmlns:a14="http://schemas.microsoft.com/office/drawing/2010/main" val="0"/>
-              </a:ext>
-            </a:extLst>
-          </a:blip>
-          <a:stretch>
-            <a:fillRect/>
-          </a:stretch>
-        </p:blipFill>
-        <p:spPr>
-          <a:xfrm>
-            <a:off x="1108472" y="0"/>
-            <a:ext cx="7104857" cy="6858000"/>
-          </a:xfrm>
-          <a:prstGeom prst="rect">
-            <a:avLst/>
-          </a:prstGeom>
-        </p:spPr>
-      </p:pic>
-    </p:spTree>
-    <p:extLst>
-      <p:ext uri="{BB962C8B-B14F-4D97-AF65-F5344CB8AC3E}">
-        <p14:creationId xmlns:p14="http://schemas.microsoft.com/office/powerpoint/2010/main" val="1914830154"/>
-      </p:ext>
-    </p:extLst>
-  </p:cSld>
-  <p:clrMapOvr>
-    <a:masterClrMapping/>
-  </p:clrMapOvr>
-</p:sld>
-</file>
-
-<file path=ppt/slides/slide20.xml><?xml version="1.0" encoding="utf-8"?>
+<file path=ppt/slides/slide22.xml><?xml version="1.0" encoding="utf-8"?>
 <p:sld xmlns:a="http://schemas.openxmlformats.org/drawingml/2006/main" xmlns:r="http://schemas.openxmlformats.org/officeDocument/2006/relationships" xmlns:p="http://schemas.openxmlformats.org/presentationml/2006/main">
   <p:cSld>
     <p:spTree>
@@ -21061,7 +21642,7 @@
 </p:sld>
 </file>
 
-<file path=ppt/slides/slide21.xml><?xml version="1.0" encoding="utf-8"?>
+<file path=ppt/slides/slide23.xml><?xml version="1.0" encoding="utf-8"?>
 <p:sld xmlns:a="http://schemas.openxmlformats.org/drawingml/2006/main" xmlns:r="http://schemas.openxmlformats.org/officeDocument/2006/relationships" xmlns:p="http://schemas.openxmlformats.org/presentationml/2006/main">
   <p:cSld>
     <p:spTree>
@@ -21121,7 +21702,7 @@
 </p:sld>
 </file>
 
-<file path=ppt/slides/slide22.xml><?xml version="1.0" encoding="utf-8"?>
+<file path=ppt/slides/slide24.xml><?xml version="1.0" encoding="utf-8"?>
 <p:sld xmlns:a="http://schemas.openxmlformats.org/drawingml/2006/main" xmlns:r="http://schemas.openxmlformats.org/officeDocument/2006/relationships" xmlns:p="http://schemas.openxmlformats.org/presentationml/2006/main">
   <p:cSld>
     <p:spTree>
@@ -21555,7 +22136,7 @@
 </p:sld>
 </file>
 
-<file path=ppt/slides/slide23.xml><?xml version="1.0" encoding="utf-8"?>
+<file path=ppt/slides/slide25.xml><?xml version="1.0" encoding="utf-8"?>
 <p:sld xmlns:a="http://schemas.openxmlformats.org/drawingml/2006/main" xmlns:r="http://schemas.openxmlformats.org/officeDocument/2006/relationships" xmlns:p="http://schemas.openxmlformats.org/presentationml/2006/main">
   <p:cSld>
     <p:spTree>
@@ -21675,7 +22256,7 @@
 </p:sld>
 </file>
 
-<file path=ppt/slides/slide24.xml><?xml version="1.0" encoding="utf-8"?>
+<file path=ppt/slides/slide26.xml><?xml version="1.0" encoding="utf-8"?>
 <p:sld xmlns:a="http://schemas.openxmlformats.org/drawingml/2006/main" xmlns:r="http://schemas.openxmlformats.org/officeDocument/2006/relationships" xmlns:p="http://schemas.openxmlformats.org/presentationml/2006/main">
   <p:cSld>
     <p:spTree>
@@ -21775,7 +22356,7 @@
 </p:sld>
 </file>
 
-<file path=ppt/slides/slide25.xml><?xml version="1.0" encoding="utf-8"?>
+<file path=ppt/slides/slide27.xml><?xml version="1.0" encoding="utf-8"?>
 <p:sld xmlns:a="http://schemas.openxmlformats.org/drawingml/2006/main" xmlns:r="http://schemas.openxmlformats.org/officeDocument/2006/relationships" xmlns:p="http://schemas.openxmlformats.org/presentationml/2006/main">
   <p:cSld>
     <p:spTree>
@@ -21835,7 +22416,7 @@
 </p:sld>
 </file>
 
-<file path=ppt/slides/slide26.xml><?xml version="1.0" encoding="utf-8"?>
+<file path=ppt/slides/slide28.xml><?xml version="1.0" encoding="utf-8"?>
 <p:sld xmlns:a="http://schemas.openxmlformats.org/drawingml/2006/main" xmlns:r="http://schemas.openxmlformats.org/officeDocument/2006/relationships" xmlns:p="http://schemas.openxmlformats.org/presentationml/2006/main">
   <p:cSld>
     <p:spTree>
@@ -21895,7 +22476,1134 @@
 </p:sld>
 </file>
 
-<file path=ppt/slides/slide27.xml><?xml version="1.0" encoding="utf-8"?>
+<file path=ppt/slides/slide29.xml><?xml version="1.0" encoding="utf-8"?>
+<p:sld xmlns:a="http://schemas.openxmlformats.org/drawingml/2006/main" xmlns:r="http://schemas.openxmlformats.org/officeDocument/2006/relationships" xmlns:p="http://schemas.openxmlformats.org/presentationml/2006/main">
+  <p:cSld>
+    <p:spTree>
+      <p:nvGrpSpPr>
+        <p:cNvPr id="1" name=""/>
+        <p:cNvGrpSpPr/>
+        <p:nvPr/>
+      </p:nvGrpSpPr>
+      <p:grpSpPr>
+        <a:xfrm>
+          <a:off x="0" y="0"/>
+          <a:ext cx="0" cy="0"/>
+          <a:chOff x="0" y="0"/>
+          <a:chExt cx="0" cy="0"/>
+        </a:xfrm>
+      </p:grpSpPr>
+      <p:sp>
+        <p:nvSpPr>
+          <p:cNvPr id="2" name="Espace réservé du contenu 1"/>
+          <p:cNvSpPr>
+            <a:spLocks noGrp="1"/>
+          </p:cNvSpPr>
+          <p:nvPr>
+            <p:ph idx="1"/>
+          </p:nvPr>
+        </p:nvSpPr>
+        <p:spPr/>
+        <p:txBody>
+          <a:bodyPr>
+            <a:normAutofit fontScale="92500" lnSpcReduction="10000"/>
+          </a:bodyPr>
+          <a:lstStyle/>
+          <a:p>
+            <a:r>
+              <a:rPr lang="fr-FR" dirty="0" smtClean="0">
+                <a:solidFill>
+                  <a:srgbClr val="DAE6F6"/>
+                </a:solidFill>
+              </a:rPr>
+              <a:t>Part 1: data </a:t>
+            </a:r>
+            <a:r>
+              <a:rPr lang="fr-FR" dirty="0" err="1" smtClean="0">
+                <a:solidFill>
+                  <a:srgbClr val="DAE6F6"/>
+                </a:solidFill>
+              </a:rPr>
+              <a:t>analysis</a:t>
+            </a:r>
+            <a:endParaRPr lang="fr-FR" dirty="0" smtClean="0">
+              <a:solidFill>
+                <a:srgbClr val="DAE6F6"/>
+              </a:solidFill>
+            </a:endParaRPr>
+          </a:p>
+          <a:p>
+            <a:pPr lvl="1"/>
+            <a:r>
+              <a:rPr lang="fr-FR" dirty="0" smtClean="0">
+                <a:solidFill>
+                  <a:srgbClr val="DAE6F6"/>
+                </a:solidFill>
+              </a:rPr>
+              <a:t>Top </a:t>
+            </a:r>
+            <a:r>
+              <a:rPr lang="fr-FR" dirty="0" err="1" smtClean="0">
+                <a:solidFill>
+                  <a:srgbClr val="DAE6F6"/>
+                </a:solidFill>
+              </a:rPr>
+              <a:t>ten</a:t>
+            </a:r>
+            <a:r>
+              <a:rPr lang="fr-FR" dirty="0" smtClean="0">
+                <a:solidFill>
+                  <a:srgbClr val="DAE6F6"/>
+                </a:solidFill>
+              </a:rPr>
+              <a:t> </a:t>
+            </a:r>
+            <a:r>
+              <a:rPr lang="fr-FR" dirty="0" err="1" smtClean="0">
+                <a:solidFill>
+                  <a:srgbClr val="DAE6F6"/>
+                </a:solidFill>
+              </a:rPr>
+              <a:t>reactions</a:t>
+            </a:r>
+            <a:r>
+              <a:rPr lang="fr-FR" dirty="0" smtClean="0">
+                <a:solidFill>
+                  <a:srgbClr val="DAE6F6"/>
+                </a:solidFill>
+              </a:rPr>
+              <a:t> in five countries</a:t>
+            </a:r>
+          </a:p>
+          <a:p>
+            <a:pPr lvl="1"/>
+            <a:r>
+              <a:rPr lang="fr-FR" dirty="0" err="1" smtClean="0">
+                <a:solidFill>
+                  <a:srgbClr val="DAE6F6"/>
+                </a:solidFill>
+              </a:rPr>
+              <a:t>Map</a:t>
+            </a:r>
+            <a:r>
+              <a:rPr lang="fr-FR" dirty="0" smtClean="0">
+                <a:solidFill>
+                  <a:srgbClr val="DAE6F6"/>
+                </a:solidFill>
+              </a:rPr>
+              <a:t> </a:t>
+            </a:r>
+            <a:r>
+              <a:rPr lang="fr-FR" dirty="0" err="1" smtClean="0">
+                <a:solidFill>
+                  <a:srgbClr val="DAE6F6"/>
+                </a:solidFill>
+              </a:rPr>
+              <a:t>showing</a:t>
+            </a:r>
+            <a:r>
+              <a:rPr lang="fr-FR" dirty="0" smtClean="0">
+                <a:solidFill>
+                  <a:srgbClr val="DAE6F6"/>
+                </a:solidFill>
+              </a:rPr>
+              <a:t> for </a:t>
+            </a:r>
+            <a:r>
+              <a:rPr lang="fr-FR" dirty="0" err="1" smtClean="0">
+                <a:solidFill>
+                  <a:srgbClr val="DAE6F6"/>
+                </a:solidFill>
+              </a:rPr>
+              <a:t>each</a:t>
+            </a:r>
+            <a:r>
+              <a:rPr lang="fr-FR" dirty="0" smtClean="0">
+                <a:solidFill>
+                  <a:srgbClr val="DAE6F6"/>
+                </a:solidFill>
+              </a:rPr>
+              <a:t> country the </a:t>
+            </a:r>
+            <a:r>
+              <a:rPr lang="fr-FR" dirty="0" err="1" smtClean="0">
+                <a:solidFill>
+                  <a:srgbClr val="DAE6F6"/>
+                </a:solidFill>
+              </a:rPr>
+              <a:t>rank</a:t>
+            </a:r>
+            <a:r>
+              <a:rPr lang="fr-FR" dirty="0" smtClean="0">
+                <a:solidFill>
+                  <a:srgbClr val="DAE6F6"/>
+                </a:solidFill>
+              </a:rPr>
+              <a:t> of </a:t>
+            </a:r>
+            <a:r>
+              <a:rPr lang="fr-FR" dirty="0" err="1" smtClean="0">
+                <a:solidFill>
+                  <a:srgbClr val="DAE6F6"/>
+                </a:solidFill>
+              </a:rPr>
+              <a:t>selected</a:t>
+            </a:r>
+            <a:r>
+              <a:rPr lang="fr-FR" dirty="0" smtClean="0">
+                <a:solidFill>
+                  <a:srgbClr val="DAE6F6"/>
+                </a:solidFill>
+              </a:rPr>
+              <a:t> </a:t>
+            </a:r>
+            <a:r>
+              <a:rPr lang="fr-FR" dirty="0" err="1" smtClean="0">
+                <a:solidFill>
+                  <a:srgbClr val="DAE6F6"/>
+                </a:solidFill>
+              </a:rPr>
+              <a:t>reactions</a:t>
+            </a:r>
+            <a:endParaRPr lang="fr-FR" dirty="0" smtClean="0">
+              <a:solidFill>
+                <a:srgbClr val="DAE6F6"/>
+              </a:solidFill>
+            </a:endParaRPr>
+          </a:p>
+          <a:p>
+            <a:pPr lvl="1"/>
+            <a:r>
+              <a:rPr lang="fr-FR" dirty="0" smtClean="0">
+                <a:solidFill>
+                  <a:srgbClr val="DAE6F6"/>
+                </a:solidFill>
+              </a:rPr>
+              <a:t>Country count for top five </a:t>
+            </a:r>
+            <a:r>
+              <a:rPr lang="fr-FR" dirty="0" err="1" smtClean="0">
+                <a:solidFill>
+                  <a:srgbClr val="DAE6F6"/>
+                </a:solidFill>
+              </a:rPr>
+              <a:t>reactions</a:t>
+            </a:r>
+            <a:endParaRPr lang="fr-FR" dirty="0" smtClean="0">
+              <a:solidFill>
+                <a:srgbClr val="DAE6F6"/>
+              </a:solidFill>
+            </a:endParaRPr>
+          </a:p>
+          <a:p>
+            <a:r>
+              <a:rPr lang="fr-FR" dirty="0" smtClean="0">
+                <a:solidFill>
+                  <a:srgbClr val="DAE6F6"/>
+                </a:solidFill>
+              </a:rPr>
+              <a:t>Part 2: machine </a:t>
+            </a:r>
+            <a:r>
+              <a:rPr lang="fr-FR" dirty="0" err="1" smtClean="0">
+                <a:solidFill>
+                  <a:srgbClr val="DAE6F6"/>
+                </a:solidFill>
+              </a:rPr>
+              <a:t>learning</a:t>
+            </a:r>
+            <a:endParaRPr lang="fr-FR" dirty="0" smtClean="0">
+              <a:solidFill>
+                <a:srgbClr val="DAE6F6"/>
+              </a:solidFill>
+            </a:endParaRPr>
+          </a:p>
+          <a:p>
+            <a:pPr lvl="1"/>
+            <a:r>
+              <a:rPr lang="fr-FR" dirty="0" smtClean="0">
+                <a:solidFill>
+                  <a:srgbClr val="DAE6F6"/>
+                </a:solidFill>
+              </a:rPr>
+              <a:t>Question: if </a:t>
+            </a:r>
+            <a:r>
+              <a:rPr lang="fr-FR" dirty="0" err="1" smtClean="0">
+                <a:solidFill>
+                  <a:srgbClr val="DAE6F6"/>
+                </a:solidFill>
+              </a:rPr>
+              <a:t>some</a:t>
+            </a:r>
+            <a:r>
+              <a:rPr lang="fr-FR" dirty="0" smtClean="0">
+                <a:solidFill>
+                  <a:srgbClr val="DAE6F6"/>
+                </a:solidFill>
+              </a:rPr>
+              <a:t> country </a:t>
+            </a:r>
+            <a:r>
+              <a:rPr lang="fr-FR" dirty="0" err="1" smtClean="0">
+                <a:solidFill>
+                  <a:srgbClr val="DAE6F6"/>
+                </a:solidFill>
+              </a:rPr>
+              <a:t>names</a:t>
+            </a:r>
+            <a:r>
+              <a:rPr lang="fr-FR" dirty="0" smtClean="0">
+                <a:solidFill>
+                  <a:srgbClr val="DAE6F6"/>
+                </a:solidFill>
+              </a:rPr>
+              <a:t> are </a:t>
+            </a:r>
+            <a:r>
+              <a:rPr lang="fr-FR" dirty="0" err="1" smtClean="0">
+                <a:solidFill>
+                  <a:srgbClr val="DAE6F6"/>
+                </a:solidFill>
+              </a:rPr>
+              <a:t>missing</a:t>
+            </a:r>
+            <a:r>
+              <a:rPr lang="fr-FR" dirty="0" smtClean="0">
+                <a:solidFill>
+                  <a:srgbClr val="DAE6F6"/>
+                </a:solidFill>
+              </a:rPr>
+              <a:t> </a:t>
+            </a:r>
+            <a:r>
+              <a:rPr lang="fr-FR" dirty="0" err="1" smtClean="0">
+                <a:solidFill>
+                  <a:srgbClr val="DAE6F6"/>
+                </a:solidFill>
+              </a:rPr>
+              <a:t>from</a:t>
+            </a:r>
+            <a:r>
+              <a:rPr lang="fr-FR" dirty="0" smtClean="0">
+                <a:solidFill>
+                  <a:srgbClr val="DAE6F6"/>
+                </a:solidFill>
+              </a:rPr>
+              <a:t> the </a:t>
+            </a:r>
+            <a:r>
+              <a:rPr lang="fr-FR" dirty="0" err="1" smtClean="0">
+                <a:solidFill>
+                  <a:srgbClr val="DAE6F6"/>
+                </a:solidFill>
+              </a:rPr>
+              <a:t>database</a:t>
+            </a:r>
+            <a:r>
+              <a:rPr lang="fr-FR" dirty="0" smtClean="0">
+                <a:solidFill>
+                  <a:srgbClr val="DAE6F6"/>
+                </a:solidFill>
+              </a:rPr>
+              <a:t>, </a:t>
+            </a:r>
+            <a:r>
+              <a:rPr lang="fr-FR" dirty="0" err="1" smtClean="0">
+                <a:solidFill>
+                  <a:srgbClr val="DAE6F6"/>
+                </a:solidFill>
+              </a:rPr>
+              <a:t>can</a:t>
+            </a:r>
+            <a:r>
+              <a:rPr lang="fr-FR" dirty="0" smtClean="0">
+                <a:solidFill>
+                  <a:srgbClr val="DAE6F6"/>
+                </a:solidFill>
+              </a:rPr>
+              <a:t> </a:t>
+            </a:r>
+            <a:r>
+              <a:rPr lang="fr-FR" dirty="0" err="1" smtClean="0">
+                <a:solidFill>
+                  <a:srgbClr val="DAE6F6"/>
+                </a:solidFill>
+              </a:rPr>
+              <a:t>we</a:t>
+            </a:r>
+            <a:r>
+              <a:rPr lang="fr-FR" dirty="0" smtClean="0">
+                <a:solidFill>
+                  <a:srgbClr val="DAE6F6"/>
+                </a:solidFill>
+              </a:rPr>
+              <a:t> </a:t>
+            </a:r>
+            <a:r>
+              <a:rPr lang="fr-FR" dirty="0" err="1" smtClean="0">
+                <a:solidFill>
+                  <a:srgbClr val="DAE6F6"/>
+                </a:solidFill>
+              </a:rPr>
+              <a:t>recover</a:t>
+            </a:r>
+            <a:r>
+              <a:rPr lang="fr-FR" dirty="0" smtClean="0">
+                <a:solidFill>
+                  <a:srgbClr val="DAE6F6"/>
+                </a:solidFill>
+              </a:rPr>
+              <a:t> </a:t>
+            </a:r>
+            <a:r>
+              <a:rPr lang="fr-FR" dirty="0" err="1" smtClean="0">
+                <a:solidFill>
+                  <a:srgbClr val="DAE6F6"/>
+                </a:solidFill>
+              </a:rPr>
+              <a:t>them</a:t>
+            </a:r>
+            <a:r>
+              <a:rPr lang="fr-FR" dirty="0" smtClean="0">
+                <a:solidFill>
+                  <a:srgbClr val="DAE6F6"/>
+                </a:solidFill>
+              </a:rPr>
+              <a:t> </a:t>
+            </a:r>
+            <a:r>
+              <a:rPr lang="fr-FR" dirty="0" err="1" smtClean="0">
+                <a:solidFill>
+                  <a:srgbClr val="DAE6F6"/>
+                </a:solidFill>
+              </a:rPr>
+              <a:t>using</a:t>
+            </a:r>
+            <a:r>
+              <a:rPr lang="fr-FR" dirty="0" smtClean="0">
+                <a:solidFill>
+                  <a:srgbClr val="DAE6F6"/>
+                </a:solidFill>
+              </a:rPr>
+              <a:t> the </a:t>
+            </a:r>
+            <a:r>
+              <a:rPr lang="fr-FR" dirty="0" err="1" smtClean="0">
+                <a:solidFill>
+                  <a:srgbClr val="DAE6F6"/>
+                </a:solidFill>
+              </a:rPr>
+              <a:t>list</a:t>
+            </a:r>
+            <a:r>
+              <a:rPr lang="fr-FR" dirty="0" smtClean="0">
+                <a:solidFill>
+                  <a:srgbClr val="DAE6F6"/>
+                </a:solidFill>
+              </a:rPr>
+              <a:t> of </a:t>
+            </a:r>
+            <a:r>
+              <a:rPr lang="fr-FR" dirty="0" err="1" smtClean="0">
+                <a:solidFill>
+                  <a:srgbClr val="DAE6F6"/>
+                </a:solidFill>
+              </a:rPr>
+              <a:t>reactions</a:t>
+            </a:r>
+            <a:r>
+              <a:rPr lang="fr-FR" dirty="0" smtClean="0">
+                <a:solidFill>
+                  <a:srgbClr val="DAE6F6"/>
+                </a:solidFill>
+              </a:rPr>
+              <a:t>?</a:t>
+            </a:r>
+          </a:p>
+          <a:p>
+            <a:r>
+              <a:rPr lang="fr-FR" dirty="0" smtClean="0"/>
+              <a:t>Part 3: </a:t>
+            </a:r>
+            <a:r>
+              <a:rPr lang="fr-FR" dirty="0" err="1" smtClean="0"/>
+              <a:t>improvements</a:t>
+            </a:r>
+            <a:r>
+              <a:rPr lang="fr-FR" dirty="0" smtClean="0"/>
+              <a:t> and </a:t>
+            </a:r>
+            <a:r>
+              <a:rPr lang="fr-FR" dirty="0" err="1" smtClean="0"/>
+              <a:t>bibliography</a:t>
+            </a:r>
+            <a:endParaRPr lang="fr-FR" dirty="0" smtClean="0"/>
+          </a:p>
+          <a:p>
+            <a:pPr lvl="1"/>
+            <a:r>
+              <a:rPr lang="fr-FR" dirty="0" err="1" smtClean="0"/>
+              <a:t>Improvements</a:t>
+            </a:r>
+            <a:r>
+              <a:rPr lang="fr-FR" dirty="0" smtClean="0"/>
+              <a:t> </a:t>
+            </a:r>
+            <a:r>
+              <a:rPr lang="fr-FR" dirty="0" err="1" smtClean="0"/>
+              <a:t>needed</a:t>
+            </a:r>
+            <a:endParaRPr lang="fr-FR" dirty="0" smtClean="0"/>
+          </a:p>
+          <a:p>
+            <a:pPr lvl="1"/>
+            <a:r>
+              <a:rPr lang="fr-FR" dirty="0" err="1" smtClean="0"/>
+              <a:t>Bibliography</a:t>
+            </a:r>
+            <a:endParaRPr lang="fr-FR" dirty="0" smtClean="0"/>
+          </a:p>
+          <a:p>
+            <a:endParaRPr lang="fr-FR" dirty="0"/>
+          </a:p>
+        </p:txBody>
+      </p:sp>
+      <p:sp>
+        <p:nvSpPr>
+          <p:cNvPr id="3" name="Titre 2"/>
+          <p:cNvSpPr>
+            <a:spLocks noGrp="1"/>
+          </p:cNvSpPr>
+          <p:nvPr>
+            <p:ph type="title"/>
+          </p:nvPr>
+        </p:nvSpPr>
+        <p:spPr/>
+        <p:txBody>
+          <a:bodyPr/>
+          <a:lstStyle/>
+          <a:p>
+            <a:r>
+              <a:rPr lang="fr-FR" dirty="0" err="1" smtClean="0"/>
+              <a:t>Outline</a:t>
+            </a:r>
+            <a:endParaRPr lang="fr-FR" dirty="0"/>
+          </a:p>
+        </p:txBody>
+      </p:sp>
+    </p:spTree>
+    <p:extLst>
+      <p:ext uri="{BB962C8B-B14F-4D97-AF65-F5344CB8AC3E}">
+        <p14:creationId xmlns:p14="http://schemas.microsoft.com/office/powerpoint/2010/main" val="3148642931"/>
+      </p:ext>
+    </p:extLst>
+  </p:cSld>
+  <p:clrMapOvr>
+    <a:masterClrMapping/>
+  </p:clrMapOvr>
+</p:sld>
+</file>
+
+<file path=ppt/slides/slide3.xml><?xml version="1.0" encoding="utf-8"?>
+<p:sld xmlns:a="http://schemas.openxmlformats.org/drawingml/2006/main" xmlns:r="http://schemas.openxmlformats.org/officeDocument/2006/relationships" xmlns:p="http://schemas.openxmlformats.org/presentationml/2006/main">
+  <p:cSld>
+    <p:spTree>
+      <p:nvGrpSpPr>
+        <p:cNvPr id="1" name=""/>
+        <p:cNvGrpSpPr/>
+        <p:nvPr/>
+      </p:nvGrpSpPr>
+      <p:grpSpPr>
+        <a:xfrm>
+          <a:off x="0" y="0"/>
+          <a:ext cx="0" cy="0"/>
+          <a:chOff x="0" y="0"/>
+          <a:chExt cx="0" cy="0"/>
+        </a:xfrm>
+      </p:grpSpPr>
+      <p:sp>
+        <p:nvSpPr>
+          <p:cNvPr id="2" name="Espace réservé du contenu 1"/>
+          <p:cNvSpPr>
+            <a:spLocks noGrp="1"/>
+          </p:cNvSpPr>
+          <p:nvPr>
+            <p:ph idx="1"/>
+          </p:nvPr>
+        </p:nvSpPr>
+        <p:spPr/>
+        <p:txBody>
+          <a:bodyPr>
+            <a:normAutofit fontScale="92500" lnSpcReduction="10000"/>
+          </a:bodyPr>
+          <a:lstStyle/>
+          <a:p>
+            <a:r>
+              <a:rPr lang="fr-FR" dirty="0" smtClean="0"/>
+              <a:t>Part 1: data </a:t>
+            </a:r>
+            <a:r>
+              <a:rPr lang="fr-FR" dirty="0" err="1" smtClean="0"/>
+              <a:t>analysis</a:t>
+            </a:r>
+            <a:endParaRPr lang="fr-FR" dirty="0" smtClean="0"/>
+          </a:p>
+          <a:p>
+            <a:pPr lvl="1"/>
+            <a:r>
+              <a:rPr lang="fr-FR" dirty="0" smtClean="0"/>
+              <a:t>Top </a:t>
+            </a:r>
+            <a:r>
+              <a:rPr lang="fr-FR" dirty="0" err="1" smtClean="0"/>
+              <a:t>ten</a:t>
+            </a:r>
+            <a:r>
+              <a:rPr lang="fr-FR" dirty="0" smtClean="0"/>
+              <a:t> </a:t>
+            </a:r>
+            <a:r>
+              <a:rPr lang="fr-FR" dirty="0" err="1" smtClean="0"/>
+              <a:t>reactions</a:t>
+            </a:r>
+            <a:r>
+              <a:rPr lang="fr-FR" dirty="0" smtClean="0"/>
+              <a:t> in five countries</a:t>
+            </a:r>
+          </a:p>
+          <a:p>
+            <a:pPr lvl="1"/>
+            <a:r>
+              <a:rPr lang="fr-FR" dirty="0" err="1" smtClean="0"/>
+              <a:t>Map</a:t>
+            </a:r>
+            <a:r>
+              <a:rPr lang="fr-FR" dirty="0" smtClean="0"/>
+              <a:t> </a:t>
+            </a:r>
+            <a:r>
+              <a:rPr lang="fr-FR" dirty="0" err="1" smtClean="0"/>
+              <a:t>showing</a:t>
+            </a:r>
+            <a:r>
+              <a:rPr lang="fr-FR" dirty="0" smtClean="0"/>
+              <a:t> for </a:t>
+            </a:r>
+            <a:r>
+              <a:rPr lang="fr-FR" dirty="0" err="1" smtClean="0"/>
+              <a:t>each</a:t>
+            </a:r>
+            <a:r>
+              <a:rPr lang="fr-FR" dirty="0" smtClean="0"/>
+              <a:t> country the </a:t>
+            </a:r>
+            <a:r>
+              <a:rPr lang="fr-FR" dirty="0" err="1" smtClean="0"/>
+              <a:t>rank</a:t>
+            </a:r>
+            <a:r>
+              <a:rPr lang="fr-FR" dirty="0" smtClean="0"/>
+              <a:t> of </a:t>
+            </a:r>
+            <a:r>
+              <a:rPr lang="fr-FR" dirty="0" err="1" smtClean="0"/>
+              <a:t>selected</a:t>
+            </a:r>
+            <a:r>
+              <a:rPr lang="fr-FR" dirty="0" smtClean="0"/>
+              <a:t> </a:t>
+            </a:r>
+            <a:r>
+              <a:rPr lang="fr-FR" dirty="0" err="1" smtClean="0"/>
+              <a:t>reactions</a:t>
+            </a:r>
+            <a:endParaRPr lang="fr-FR" dirty="0" smtClean="0"/>
+          </a:p>
+          <a:p>
+            <a:pPr lvl="1"/>
+            <a:r>
+              <a:rPr lang="fr-FR" dirty="0" smtClean="0"/>
+              <a:t>Country count for top five </a:t>
+            </a:r>
+            <a:r>
+              <a:rPr lang="fr-FR" dirty="0" err="1" smtClean="0"/>
+              <a:t>reactions</a:t>
+            </a:r>
+            <a:endParaRPr lang="fr-FR" dirty="0" smtClean="0"/>
+          </a:p>
+          <a:p>
+            <a:r>
+              <a:rPr lang="fr-FR" dirty="0" smtClean="0">
+                <a:solidFill>
+                  <a:schemeClr val="accent2">
+                    <a:lumMod val="20000"/>
+                    <a:lumOff val="80000"/>
+                  </a:schemeClr>
+                </a:solidFill>
+              </a:rPr>
+              <a:t>Part 2: machine </a:t>
+            </a:r>
+            <a:r>
+              <a:rPr lang="fr-FR" dirty="0" err="1" smtClean="0">
+                <a:solidFill>
+                  <a:schemeClr val="accent2">
+                    <a:lumMod val="20000"/>
+                    <a:lumOff val="80000"/>
+                  </a:schemeClr>
+                </a:solidFill>
+              </a:rPr>
+              <a:t>learning</a:t>
+            </a:r>
+            <a:endParaRPr lang="fr-FR" dirty="0" smtClean="0">
+              <a:solidFill>
+                <a:schemeClr val="accent2">
+                  <a:lumMod val="20000"/>
+                  <a:lumOff val="80000"/>
+                </a:schemeClr>
+              </a:solidFill>
+            </a:endParaRPr>
+          </a:p>
+          <a:p>
+            <a:pPr lvl="1"/>
+            <a:r>
+              <a:rPr lang="fr-FR" dirty="0" smtClean="0">
+                <a:solidFill>
+                  <a:schemeClr val="accent2">
+                    <a:lumMod val="20000"/>
+                    <a:lumOff val="80000"/>
+                  </a:schemeClr>
+                </a:solidFill>
+              </a:rPr>
+              <a:t>Question: if </a:t>
+            </a:r>
+            <a:r>
+              <a:rPr lang="fr-FR" dirty="0" err="1" smtClean="0">
+                <a:solidFill>
+                  <a:schemeClr val="accent2">
+                    <a:lumMod val="20000"/>
+                    <a:lumOff val="80000"/>
+                  </a:schemeClr>
+                </a:solidFill>
+              </a:rPr>
+              <a:t>some</a:t>
+            </a:r>
+            <a:r>
+              <a:rPr lang="fr-FR" dirty="0" smtClean="0">
+                <a:solidFill>
+                  <a:schemeClr val="accent2">
+                    <a:lumMod val="20000"/>
+                    <a:lumOff val="80000"/>
+                  </a:schemeClr>
+                </a:solidFill>
+              </a:rPr>
+              <a:t> country </a:t>
+            </a:r>
+            <a:r>
+              <a:rPr lang="fr-FR" dirty="0" err="1" smtClean="0">
+                <a:solidFill>
+                  <a:schemeClr val="accent2">
+                    <a:lumMod val="20000"/>
+                    <a:lumOff val="80000"/>
+                  </a:schemeClr>
+                </a:solidFill>
+              </a:rPr>
+              <a:t>names</a:t>
+            </a:r>
+            <a:r>
+              <a:rPr lang="fr-FR" dirty="0" smtClean="0">
+                <a:solidFill>
+                  <a:schemeClr val="accent2">
+                    <a:lumMod val="20000"/>
+                    <a:lumOff val="80000"/>
+                  </a:schemeClr>
+                </a:solidFill>
+              </a:rPr>
+              <a:t> are </a:t>
+            </a:r>
+            <a:r>
+              <a:rPr lang="fr-FR" dirty="0" err="1" smtClean="0">
+                <a:solidFill>
+                  <a:schemeClr val="accent2">
+                    <a:lumMod val="20000"/>
+                    <a:lumOff val="80000"/>
+                  </a:schemeClr>
+                </a:solidFill>
+              </a:rPr>
+              <a:t>missing</a:t>
+            </a:r>
+            <a:r>
+              <a:rPr lang="fr-FR" dirty="0" smtClean="0">
+                <a:solidFill>
+                  <a:schemeClr val="accent2">
+                    <a:lumMod val="20000"/>
+                    <a:lumOff val="80000"/>
+                  </a:schemeClr>
+                </a:solidFill>
+              </a:rPr>
+              <a:t> </a:t>
+            </a:r>
+            <a:r>
+              <a:rPr lang="fr-FR" dirty="0" err="1" smtClean="0">
+                <a:solidFill>
+                  <a:schemeClr val="accent2">
+                    <a:lumMod val="20000"/>
+                    <a:lumOff val="80000"/>
+                  </a:schemeClr>
+                </a:solidFill>
+              </a:rPr>
+              <a:t>from</a:t>
+            </a:r>
+            <a:r>
+              <a:rPr lang="fr-FR" dirty="0" smtClean="0">
+                <a:solidFill>
+                  <a:schemeClr val="accent2">
+                    <a:lumMod val="20000"/>
+                    <a:lumOff val="80000"/>
+                  </a:schemeClr>
+                </a:solidFill>
+              </a:rPr>
+              <a:t> the </a:t>
+            </a:r>
+            <a:r>
+              <a:rPr lang="fr-FR" dirty="0" err="1" smtClean="0">
+                <a:solidFill>
+                  <a:schemeClr val="accent2">
+                    <a:lumMod val="20000"/>
+                    <a:lumOff val="80000"/>
+                  </a:schemeClr>
+                </a:solidFill>
+              </a:rPr>
+              <a:t>database</a:t>
+            </a:r>
+            <a:r>
+              <a:rPr lang="fr-FR" dirty="0" smtClean="0">
+                <a:solidFill>
+                  <a:schemeClr val="accent2">
+                    <a:lumMod val="20000"/>
+                    <a:lumOff val="80000"/>
+                  </a:schemeClr>
+                </a:solidFill>
+              </a:rPr>
+              <a:t>, </a:t>
+            </a:r>
+            <a:r>
+              <a:rPr lang="fr-FR" dirty="0" err="1" smtClean="0">
+                <a:solidFill>
+                  <a:schemeClr val="accent2">
+                    <a:lumMod val="20000"/>
+                    <a:lumOff val="80000"/>
+                  </a:schemeClr>
+                </a:solidFill>
+              </a:rPr>
+              <a:t>can</a:t>
+            </a:r>
+            <a:r>
+              <a:rPr lang="fr-FR" dirty="0" smtClean="0">
+                <a:solidFill>
+                  <a:schemeClr val="accent2">
+                    <a:lumMod val="20000"/>
+                    <a:lumOff val="80000"/>
+                  </a:schemeClr>
+                </a:solidFill>
+              </a:rPr>
+              <a:t> </a:t>
+            </a:r>
+            <a:r>
+              <a:rPr lang="fr-FR" dirty="0" err="1" smtClean="0">
+                <a:solidFill>
+                  <a:schemeClr val="accent2">
+                    <a:lumMod val="20000"/>
+                    <a:lumOff val="80000"/>
+                  </a:schemeClr>
+                </a:solidFill>
+              </a:rPr>
+              <a:t>we</a:t>
+            </a:r>
+            <a:r>
+              <a:rPr lang="fr-FR" dirty="0" smtClean="0">
+                <a:solidFill>
+                  <a:schemeClr val="accent2">
+                    <a:lumMod val="20000"/>
+                    <a:lumOff val="80000"/>
+                  </a:schemeClr>
+                </a:solidFill>
+              </a:rPr>
+              <a:t> </a:t>
+            </a:r>
+            <a:r>
+              <a:rPr lang="fr-FR" dirty="0" err="1" smtClean="0">
+                <a:solidFill>
+                  <a:schemeClr val="accent2">
+                    <a:lumMod val="20000"/>
+                    <a:lumOff val="80000"/>
+                  </a:schemeClr>
+                </a:solidFill>
+              </a:rPr>
+              <a:t>recover</a:t>
+            </a:r>
+            <a:r>
+              <a:rPr lang="fr-FR" dirty="0" smtClean="0">
+                <a:solidFill>
+                  <a:schemeClr val="accent2">
+                    <a:lumMod val="20000"/>
+                    <a:lumOff val="80000"/>
+                  </a:schemeClr>
+                </a:solidFill>
+              </a:rPr>
+              <a:t> </a:t>
+            </a:r>
+            <a:r>
+              <a:rPr lang="fr-FR" dirty="0" err="1" smtClean="0">
+                <a:solidFill>
+                  <a:schemeClr val="accent2">
+                    <a:lumMod val="20000"/>
+                    <a:lumOff val="80000"/>
+                  </a:schemeClr>
+                </a:solidFill>
+              </a:rPr>
+              <a:t>them</a:t>
+            </a:r>
+            <a:r>
+              <a:rPr lang="fr-FR" dirty="0" smtClean="0">
+                <a:solidFill>
+                  <a:schemeClr val="accent2">
+                    <a:lumMod val="20000"/>
+                    <a:lumOff val="80000"/>
+                  </a:schemeClr>
+                </a:solidFill>
+              </a:rPr>
+              <a:t> </a:t>
+            </a:r>
+            <a:r>
+              <a:rPr lang="fr-FR" dirty="0" err="1" smtClean="0">
+                <a:solidFill>
+                  <a:schemeClr val="accent2">
+                    <a:lumMod val="20000"/>
+                    <a:lumOff val="80000"/>
+                  </a:schemeClr>
+                </a:solidFill>
+              </a:rPr>
+              <a:t>using</a:t>
+            </a:r>
+            <a:r>
+              <a:rPr lang="fr-FR" dirty="0" smtClean="0">
+                <a:solidFill>
+                  <a:schemeClr val="accent2">
+                    <a:lumMod val="20000"/>
+                    <a:lumOff val="80000"/>
+                  </a:schemeClr>
+                </a:solidFill>
+              </a:rPr>
+              <a:t> the </a:t>
+            </a:r>
+            <a:r>
+              <a:rPr lang="fr-FR" dirty="0" err="1" smtClean="0">
+                <a:solidFill>
+                  <a:schemeClr val="accent2">
+                    <a:lumMod val="20000"/>
+                    <a:lumOff val="80000"/>
+                  </a:schemeClr>
+                </a:solidFill>
+              </a:rPr>
+              <a:t>list</a:t>
+            </a:r>
+            <a:r>
+              <a:rPr lang="fr-FR" dirty="0" smtClean="0">
+                <a:solidFill>
+                  <a:schemeClr val="accent2">
+                    <a:lumMod val="20000"/>
+                    <a:lumOff val="80000"/>
+                  </a:schemeClr>
+                </a:solidFill>
+              </a:rPr>
+              <a:t> of </a:t>
+            </a:r>
+            <a:r>
+              <a:rPr lang="fr-FR" dirty="0" err="1" smtClean="0">
+                <a:solidFill>
+                  <a:schemeClr val="accent2">
+                    <a:lumMod val="20000"/>
+                    <a:lumOff val="80000"/>
+                  </a:schemeClr>
+                </a:solidFill>
+              </a:rPr>
+              <a:t>reactions</a:t>
+            </a:r>
+            <a:r>
+              <a:rPr lang="fr-FR" dirty="0" smtClean="0">
+                <a:solidFill>
+                  <a:schemeClr val="accent2">
+                    <a:lumMod val="20000"/>
+                    <a:lumOff val="80000"/>
+                  </a:schemeClr>
+                </a:solidFill>
+              </a:rPr>
+              <a:t>?</a:t>
+            </a:r>
+          </a:p>
+          <a:p>
+            <a:r>
+              <a:rPr lang="fr-FR" dirty="0" smtClean="0">
+                <a:solidFill>
+                  <a:schemeClr val="accent2">
+                    <a:lumMod val="20000"/>
+                    <a:lumOff val="80000"/>
+                  </a:schemeClr>
+                </a:solidFill>
+              </a:rPr>
+              <a:t>Part 3: </a:t>
+            </a:r>
+            <a:r>
+              <a:rPr lang="fr-FR" dirty="0" err="1" smtClean="0">
+                <a:solidFill>
+                  <a:schemeClr val="accent2">
+                    <a:lumMod val="20000"/>
+                    <a:lumOff val="80000"/>
+                  </a:schemeClr>
+                </a:solidFill>
+              </a:rPr>
+              <a:t>improvements</a:t>
+            </a:r>
+            <a:r>
+              <a:rPr lang="fr-FR" dirty="0" smtClean="0">
+                <a:solidFill>
+                  <a:schemeClr val="accent2">
+                    <a:lumMod val="20000"/>
+                    <a:lumOff val="80000"/>
+                  </a:schemeClr>
+                </a:solidFill>
+              </a:rPr>
+              <a:t> and </a:t>
+            </a:r>
+            <a:r>
+              <a:rPr lang="fr-FR" dirty="0" err="1" smtClean="0">
+                <a:solidFill>
+                  <a:schemeClr val="accent2">
+                    <a:lumMod val="20000"/>
+                    <a:lumOff val="80000"/>
+                  </a:schemeClr>
+                </a:solidFill>
+              </a:rPr>
+              <a:t>bibliography</a:t>
+            </a:r>
+            <a:endParaRPr lang="fr-FR" dirty="0" smtClean="0">
+              <a:solidFill>
+                <a:schemeClr val="accent2">
+                  <a:lumMod val="20000"/>
+                  <a:lumOff val="80000"/>
+                </a:schemeClr>
+              </a:solidFill>
+            </a:endParaRPr>
+          </a:p>
+          <a:p>
+            <a:pPr lvl="1"/>
+            <a:r>
+              <a:rPr lang="fr-FR" dirty="0" err="1" smtClean="0">
+                <a:solidFill>
+                  <a:schemeClr val="accent2">
+                    <a:lumMod val="20000"/>
+                    <a:lumOff val="80000"/>
+                  </a:schemeClr>
+                </a:solidFill>
+              </a:rPr>
+              <a:t>Improvements</a:t>
+            </a:r>
+            <a:r>
+              <a:rPr lang="fr-FR" dirty="0" smtClean="0">
+                <a:solidFill>
+                  <a:schemeClr val="accent2">
+                    <a:lumMod val="20000"/>
+                    <a:lumOff val="80000"/>
+                  </a:schemeClr>
+                </a:solidFill>
+              </a:rPr>
+              <a:t> </a:t>
+            </a:r>
+            <a:r>
+              <a:rPr lang="fr-FR" dirty="0" err="1" smtClean="0">
+                <a:solidFill>
+                  <a:schemeClr val="accent2">
+                    <a:lumMod val="20000"/>
+                    <a:lumOff val="80000"/>
+                  </a:schemeClr>
+                </a:solidFill>
+              </a:rPr>
+              <a:t>needed</a:t>
+            </a:r>
+            <a:endParaRPr lang="fr-FR" dirty="0" smtClean="0">
+              <a:solidFill>
+                <a:schemeClr val="accent2">
+                  <a:lumMod val="20000"/>
+                  <a:lumOff val="80000"/>
+                </a:schemeClr>
+              </a:solidFill>
+            </a:endParaRPr>
+          </a:p>
+          <a:p>
+            <a:pPr lvl="1"/>
+            <a:r>
+              <a:rPr lang="fr-FR" dirty="0" err="1" smtClean="0">
+                <a:solidFill>
+                  <a:schemeClr val="accent2">
+                    <a:lumMod val="20000"/>
+                    <a:lumOff val="80000"/>
+                  </a:schemeClr>
+                </a:solidFill>
+              </a:rPr>
+              <a:t>Bibliography</a:t>
+            </a:r>
+            <a:endParaRPr lang="fr-FR" dirty="0" smtClean="0">
+              <a:solidFill>
+                <a:schemeClr val="accent2">
+                  <a:lumMod val="20000"/>
+                  <a:lumOff val="80000"/>
+                </a:schemeClr>
+              </a:solidFill>
+            </a:endParaRPr>
+          </a:p>
+          <a:p>
+            <a:endParaRPr lang="fr-FR" dirty="0"/>
+          </a:p>
+        </p:txBody>
+      </p:sp>
+      <p:sp>
+        <p:nvSpPr>
+          <p:cNvPr id="3" name="Titre 2"/>
+          <p:cNvSpPr>
+            <a:spLocks noGrp="1"/>
+          </p:cNvSpPr>
+          <p:nvPr>
+            <p:ph type="title"/>
+          </p:nvPr>
+        </p:nvSpPr>
+        <p:spPr/>
+        <p:txBody>
+          <a:bodyPr/>
+          <a:lstStyle/>
+          <a:p>
+            <a:r>
+              <a:rPr lang="fr-FR" dirty="0" err="1" smtClean="0"/>
+              <a:t>Outline</a:t>
+            </a:r>
+            <a:endParaRPr lang="fr-FR" dirty="0"/>
+          </a:p>
+        </p:txBody>
+      </p:sp>
+    </p:spTree>
+    <p:extLst>
+      <p:ext uri="{BB962C8B-B14F-4D97-AF65-F5344CB8AC3E}">
+        <p14:creationId xmlns:p14="http://schemas.microsoft.com/office/powerpoint/2010/main" val="3148642931"/>
+      </p:ext>
+    </p:extLst>
+  </p:cSld>
+  <p:clrMapOvr>
+    <a:masterClrMapping/>
+  </p:clrMapOvr>
+</p:sld>
+</file>
+
+<file path=ppt/slides/slide30.xml><?xml version="1.0" encoding="utf-8"?>
 <p:sld xmlns:a="http://schemas.openxmlformats.org/drawingml/2006/main" xmlns:r="http://schemas.openxmlformats.org/officeDocument/2006/relationships" xmlns:p="http://schemas.openxmlformats.org/presentationml/2006/main">
   <p:cSld>
     <p:spTree>
@@ -22228,8 +23936,13 @@
             </a:r>
             <a:r>
               <a:rPr lang="fr-FR" dirty="0" smtClean="0"/>
-              <a:t> 28)</a:t>
-            </a:r>
+              <a:t> </a:t>
+            </a:r>
+            <a:r>
+              <a:rPr lang="fr-FR" dirty="0" smtClean="0"/>
+              <a:t>31)</a:t>
+            </a:r>
+            <a:endParaRPr lang="fr-FR" dirty="0" smtClean="0"/>
           </a:p>
           <a:p>
             <a:r>
@@ -22486,11 +24199,15 @@
             </a:r>
             <a:r>
               <a:rPr lang="fr-FR" dirty="0" err="1" smtClean="0"/>
-              <a:t>graphyical</a:t>
-            </a:r>
-            <a:r>
-              <a:rPr lang="fr-FR" dirty="0" smtClean="0"/>
-              <a:t> interface, the </a:t>
+              <a:t>graphical</a:t>
+            </a:r>
+            <a:r>
+              <a:rPr lang="fr-FR" dirty="0" smtClean="0"/>
+              <a:t> </a:t>
+            </a:r>
+            <a:r>
+              <a:rPr lang="fr-FR" dirty="0" smtClean="0"/>
+              <a:t>interface, the </a:t>
             </a:r>
             <a:r>
               <a:rPr lang="fr-FR" dirty="0" err="1" smtClean="0"/>
@@ -22550,8 +24267,13 @@
             </a:r>
             <a:r>
               <a:rPr lang="fr-FR" dirty="0" smtClean="0"/>
-              <a:t> 29 and 30)</a:t>
-            </a:r>
+              <a:t> </a:t>
+            </a:r>
+            <a:r>
+              <a:rPr lang="fr-FR" dirty="0" smtClean="0"/>
+              <a:t>32 and 33)</a:t>
+            </a:r>
+            <a:endParaRPr lang="fr-FR" dirty="0" smtClean="0"/>
           </a:p>
           <a:p>
             <a:r>
@@ -22579,12 +24301,12 @@
               <a:t> to </a:t>
             </a:r>
             <a:r>
-              <a:rPr lang="fr-FR" dirty="0" err="1"/>
+              <a:rPr lang="fr-FR" dirty="0" err="1" smtClean="0"/>
               <a:t>generate</a:t>
             </a:r>
             <a:r>
-              <a:rPr lang="fr-FR" dirty="0"/>
-              <a:t>  </a:t>
+              <a:rPr lang="fr-FR" dirty="0" smtClean="0"/>
+              <a:t> </a:t>
             </a:r>
             <a:r>
               <a:rPr lang="fr-FR" dirty="0" err="1" smtClean="0"/>
@@ -22699,7 +24421,7 @@
 </p:sld>
 </file>
 
-<file path=ppt/slides/slide28.xml><?xml version="1.0" encoding="utf-8"?>
+<file path=ppt/slides/slide31.xml><?xml version="1.0" encoding="utf-8"?>
 <p:sld xmlns:a="http://schemas.openxmlformats.org/drawingml/2006/main" xmlns:r="http://schemas.openxmlformats.org/officeDocument/2006/relationships" xmlns:p="http://schemas.openxmlformats.org/presentationml/2006/main">
   <p:cSld>
     <p:spTree>
@@ -22756,16 +24478,18 @@
         </p:nvSpPr>
         <p:spPr/>
         <p:txBody>
-          <a:bodyPr/>
+          <a:bodyPr>
+            <a:normAutofit/>
+          </a:bodyPr>
           <a:lstStyle/>
           <a:p>
             <a:r>
-              <a:rPr lang="fr-FR" dirty="0" err="1" smtClean="0"/>
-              <a:t>Careful</a:t>
-            </a:r>
-            <a:r>
-              <a:rPr lang="fr-FR" dirty="0" smtClean="0"/>
-              <a:t>: duplicates</a:t>
+              <a:rPr lang="fr-FR" dirty="0" smtClean="0"/>
+              <a:t>Duplicates: interactive </a:t>
+            </a:r>
+            <a:r>
+              <a:rPr lang="fr-FR" dirty="0" err="1" smtClean="0"/>
+              <a:t>chart</a:t>
             </a:r>
             <a:endParaRPr lang="fr-FR" dirty="0"/>
           </a:p>
@@ -22784,7 +24508,7 @@
 </p:sld>
 </file>
 
-<file path=ppt/slides/slide29.xml><?xml version="1.0" encoding="utf-8"?>
+<file path=ppt/slides/slide32.xml><?xml version="1.0" encoding="utf-8"?>
 <p:sld xmlns:a="http://schemas.openxmlformats.org/drawingml/2006/main" xmlns:r="http://schemas.openxmlformats.org/officeDocument/2006/relationships" xmlns:p="http://schemas.openxmlformats.org/presentationml/2006/main">
   <p:cSld>
     <p:spTree>
@@ -22844,7 +24568,15 @@
           <a:bodyPr/>
           <a:lstStyle/>
           <a:p>
-            <a:endParaRPr lang="fr-FR"/>
+            <a:r>
+              <a:rPr lang="fr-FR" dirty="0"/>
+              <a:t>Duplicates: interactive </a:t>
+            </a:r>
+            <a:r>
+              <a:rPr lang="fr-FR" dirty="0" err="1"/>
+              <a:t>chart</a:t>
+            </a:r>
+            <a:endParaRPr lang="fr-FR" dirty="0"/>
           </a:p>
         </p:txBody>
       </p:sp>
@@ -22861,67 +24593,7 @@
 </p:sld>
 </file>
 
-<file path=ppt/slides/slide3.xml><?xml version="1.0" encoding="utf-8"?>
-<p:sld xmlns:a="http://schemas.openxmlformats.org/drawingml/2006/main" xmlns:r="http://schemas.openxmlformats.org/officeDocument/2006/relationships" xmlns:p="http://schemas.openxmlformats.org/presentationml/2006/main">
-  <p:cSld>
-    <p:spTree>
-      <p:nvGrpSpPr>
-        <p:cNvPr id="1" name=""/>
-        <p:cNvGrpSpPr/>
-        <p:nvPr/>
-      </p:nvGrpSpPr>
-      <p:grpSpPr>
-        <a:xfrm>
-          <a:off x="0" y="0"/>
-          <a:ext cx="0" cy="0"/>
-          <a:chOff x="0" y="0"/>
-          <a:chExt cx="0" cy="0"/>
-        </a:xfrm>
-      </p:grpSpPr>
-      <p:pic>
-        <p:nvPicPr>
-          <p:cNvPr id="6" name="Image 5" descr="Screen Shot 2018-09-08 at 9.44.52 PM.png"/>
-          <p:cNvPicPr>
-            <a:picLocks noChangeAspect="1"/>
-          </p:cNvPicPr>
-          <p:nvPr/>
-        </p:nvPicPr>
-        <p:blipFill>
-          <a:blip r:embed="rId3">
-            <a:extLst>
-              <a:ext uri="{28A0092B-C50C-407E-A947-70E740481C1C}">
-                <a14:useLocalDpi xmlns:a14="http://schemas.microsoft.com/office/drawing/2010/main" val="0"/>
-              </a:ext>
-            </a:extLst>
-          </a:blip>
-          <a:stretch>
-            <a:fillRect/>
-          </a:stretch>
-        </p:blipFill>
-        <p:spPr>
-          <a:xfrm>
-            <a:off x="1099955" y="0"/>
-            <a:ext cx="6918690" cy="6858000"/>
-          </a:xfrm>
-          <a:prstGeom prst="rect">
-            <a:avLst/>
-          </a:prstGeom>
-        </p:spPr>
-      </p:pic>
-    </p:spTree>
-    <p:extLst>
-      <p:ext uri="{BB962C8B-B14F-4D97-AF65-F5344CB8AC3E}">
-        <p14:creationId xmlns:p14="http://schemas.microsoft.com/office/powerpoint/2010/main" val="515964034"/>
-      </p:ext>
-    </p:extLst>
-  </p:cSld>
-  <p:clrMapOvr>
-    <a:masterClrMapping/>
-  </p:clrMapOvr>
-</p:sld>
-</file>
-
-<file path=ppt/slides/slide30.xml><?xml version="1.0" encoding="utf-8"?>
+<file path=ppt/slides/slide33.xml><?xml version="1.0" encoding="utf-8"?>
 <p:sld xmlns:a="http://schemas.openxmlformats.org/drawingml/2006/main" xmlns:r="http://schemas.openxmlformats.org/officeDocument/2006/relationships" xmlns:p="http://schemas.openxmlformats.org/presentationml/2006/main">
   <p:cSld>
     <p:spTree>
@@ -22981,7 +24653,15 @@
           <a:bodyPr/>
           <a:lstStyle/>
           <a:p>
-            <a:endParaRPr lang="fr-FR"/>
+            <a:r>
+              <a:rPr lang="fr-FR" dirty="0"/>
+              <a:t>Duplicates: interactive </a:t>
+            </a:r>
+            <a:r>
+              <a:rPr lang="fr-FR" dirty="0" err="1"/>
+              <a:t>chart</a:t>
+            </a:r>
+            <a:endParaRPr lang="fr-FR" dirty="0"/>
           </a:p>
         </p:txBody>
       </p:sp>
@@ -22989,1025 +24669,6 @@
     <p:extLst>
       <p:ext uri="{BB962C8B-B14F-4D97-AF65-F5344CB8AC3E}">
         <p14:creationId xmlns:p14="http://schemas.microsoft.com/office/powerpoint/2010/main" val="3532360743"/>
-      </p:ext>
-    </p:extLst>
-  </p:cSld>
-  <p:clrMapOvr>
-    <a:masterClrMapping/>
-  </p:clrMapOvr>
-</p:sld>
-</file>
-
-<file path=ppt/slides/slide31.xml><?xml version="1.0" encoding="utf-8"?>
-<p:sld xmlns:a="http://schemas.openxmlformats.org/drawingml/2006/main" xmlns:r="http://schemas.openxmlformats.org/officeDocument/2006/relationships" xmlns:p="http://schemas.openxmlformats.org/presentationml/2006/main">
-  <p:cSld>
-    <p:spTree>
-      <p:nvGrpSpPr>
-        <p:cNvPr id="1" name=""/>
-        <p:cNvGrpSpPr/>
-        <p:nvPr/>
-      </p:nvGrpSpPr>
-      <p:grpSpPr>
-        <a:xfrm>
-          <a:off x="0" y="0"/>
-          <a:ext cx="0" cy="0"/>
-          <a:chOff x="0" y="0"/>
-          <a:chExt cx="0" cy="0"/>
-        </a:xfrm>
-      </p:grpSpPr>
-      <p:sp>
-        <p:nvSpPr>
-          <p:cNvPr id="3" name="Espace réservé du contenu 2"/>
-          <p:cNvSpPr>
-            <a:spLocks noGrp="1"/>
-          </p:cNvSpPr>
-          <p:nvPr>
-            <p:ph idx="1"/>
-          </p:nvPr>
-        </p:nvSpPr>
-        <p:spPr/>
-        <p:txBody>
-          <a:bodyPr>
-            <a:normAutofit fontScale="70000" lnSpcReduction="20000"/>
-          </a:bodyPr>
-          <a:lstStyle/>
-          <a:p>
-            <a:r>
-              <a:rPr lang="fr-FR" dirty="0" smtClean="0"/>
-              <a:t>It </a:t>
-            </a:r>
-            <a:r>
-              <a:rPr lang="fr-FR" dirty="0" err="1" smtClean="0"/>
-              <a:t>seems</a:t>
-            </a:r>
-            <a:r>
-              <a:rPr lang="fr-FR" dirty="0" smtClean="0"/>
-              <a:t> </a:t>
-            </a:r>
-            <a:r>
-              <a:rPr lang="fr-FR" dirty="0" err="1" smtClean="0"/>
-              <a:t>that</a:t>
-            </a:r>
-            <a:r>
-              <a:rPr lang="fr-FR" dirty="0" smtClean="0"/>
-              <a:t> people </a:t>
-            </a:r>
-            <a:r>
-              <a:rPr lang="fr-FR" dirty="0" err="1" smtClean="0"/>
-              <a:t>mainly</a:t>
-            </a:r>
-            <a:r>
-              <a:rPr lang="fr-FR" dirty="0" smtClean="0"/>
-              <a:t> do </a:t>
-            </a:r>
-            <a:r>
-              <a:rPr lang="fr-FR" dirty="0" err="1" smtClean="0"/>
-              <a:t>database</a:t>
-            </a:r>
-            <a:r>
-              <a:rPr lang="fr-FR" dirty="0" smtClean="0"/>
-              <a:t> </a:t>
-            </a:r>
-            <a:r>
-              <a:rPr lang="fr-FR" dirty="0" err="1" smtClean="0"/>
-              <a:t>analysis</a:t>
-            </a:r>
-            <a:r>
-              <a:rPr lang="fr-FR" dirty="0" smtClean="0"/>
-              <a:t>, no machine </a:t>
-            </a:r>
-            <a:r>
-              <a:rPr lang="fr-FR" dirty="0" err="1" smtClean="0"/>
-              <a:t>learning</a:t>
-            </a:r>
-            <a:r>
-              <a:rPr lang="fr-FR" dirty="0" smtClean="0"/>
-              <a:t>.</a:t>
-            </a:r>
-          </a:p>
-          <a:p>
-            <a:endParaRPr lang="fr-FR" dirty="0" smtClean="0"/>
-          </a:p>
-          <a:p>
-            <a:r>
-              <a:rPr lang="fr-FR" dirty="0" smtClean="0"/>
-              <a:t>Google </a:t>
-            </a:r>
-            <a:r>
-              <a:rPr lang="fr-FR" dirty="0" err="1" smtClean="0"/>
-              <a:t>scholar</a:t>
-            </a:r>
-            <a:r>
-              <a:rPr lang="fr-FR" dirty="0" smtClean="0"/>
-              <a:t>:</a:t>
-            </a:r>
-          </a:p>
-          <a:p>
-            <a:pPr lvl="1"/>
-            <a:r>
-              <a:rPr lang="fr-FR" dirty="0" smtClean="0">
-                <a:hlinkClick r:id="rId2"/>
-              </a:rPr>
-              <a:t>https://academic.oup.com/jamia/article/23/3/596/2908999</a:t>
-            </a:r>
-            <a:endParaRPr lang="fr-FR" dirty="0" smtClean="0"/>
-          </a:p>
-          <a:p>
-            <a:pPr lvl="1"/>
-            <a:r>
-              <a:rPr lang="fr-FR" dirty="0" err="1" smtClean="0"/>
-              <a:t>Papers</a:t>
-            </a:r>
-            <a:r>
-              <a:rPr lang="fr-FR" dirty="0" smtClean="0"/>
-              <a:t> </a:t>
-            </a:r>
-            <a:r>
-              <a:rPr lang="fr-FR" dirty="0" err="1" smtClean="0"/>
-              <a:t>quoting</a:t>
-            </a:r>
-            <a:r>
-              <a:rPr lang="fr-FR" dirty="0" smtClean="0"/>
-              <a:t> the </a:t>
-            </a:r>
-            <a:r>
-              <a:rPr lang="fr-FR" dirty="0" err="1" smtClean="0"/>
-              <a:t>above</a:t>
-            </a:r>
-            <a:r>
-              <a:rPr lang="fr-FR" dirty="0" smtClean="0"/>
-              <a:t>, </a:t>
-            </a:r>
-            <a:r>
-              <a:rPr lang="fr-FR" dirty="0" err="1" smtClean="0"/>
-              <a:t>most</a:t>
-            </a:r>
-            <a:r>
-              <a:rPr lang="fr-FR" dirty="0" smtClean="0"/>
-              <a:t> </a:t>
-            </a:r>
-            <a:r>
-              <a:rPr lang="fr-FR" dirty="0" err="1" smtClean="0"/>
-              <a:t>importantly</a:t>
-            </a:r>
-            <a:r>
-              <a:rPr lang="fr-FR" dirty="0" smtClean="0"/>
-              <a:t>: </a:t>
-            </a:r>
-            <a:r>
-              <a:rPr lang="fr-FR" dirty="0" smtClean="0">
-                <a:hlinkClick r:id="rId3"/>
-              </a:rPr>
-              <a:t>https://dx.doi.org/10.18632%2Foncotarget.12813</a:t>
-            </a:r>
-            <a:r>
-              <a:rPr lang="fr-FR" dirty="0" smtClean="0"/>
-              <a:t>, </a:t>
-            </a:r>
-            <a:r>
-              <a:rPr lang="en-US" dirty="0" smtClean="0">
-                <a:hlinkClick r:id="rId4"/>
-              </a:rPr>
-              <a:t>https://doi.org/10.1080/10641963.2016.1254224</a:t>
-            </a:r>
-            <a:r>
-              <a:rPr lang="en-US" dirty="0" smtClean="0"/>
-              <a:t>, </a:t>
-            </a:r>
-            <a:r>
-              <a:rPr lang="mr-IN" dirty="0" smtClean="0">
-                <a:hlinkClick r:id="rId5"/>
-              </a:rPr>
-              <a:t>https://doi.org/10.1089/adt.2016.742</a:t>
-            </a:r>
-            <a:r>
-              <a:rPr lang="fr-FR" dirty="0" smtClean="0"/>
-              <a:t>, </a:t>
-            </a:r>
-            <a:r>
-              <a:rPr lang="fr-FR" dirty="0" smtClean="0">
-                <a:hlinkClick r:id="rId6"/>
-              </a:rPr>
-              <a:t>https://dx.doi.org/10.18632%2Foncotarget.18504</a:t>
-            </a:r>
-            <a:r>
-              <a:rPr lang="fr-FR" dirty="0" smtClean="0"/>
-              <a:t>, </a:t>
-            </a:r>
-            <a:r>
-              <a:rPr lang="fr-FR" dirty="0" smtClean="0">
-                <a:hlinkClick r:id="rId7"/>
-              </a:rPr>
-              <a:t>https://dx.doi.org/10.18632%2Foncotarget.12951</a:t>
-            </a:r>
-            <a:r>
-              <a:rPr lang="fr-FR" dirty="0" smtClean="0"/>
-              <a:t>, </a:t>
-            </a:r>
-            <a:r>
-              <a:rPr lang="pl-PL" dirty="0" smtClean="0">
-                <a:hlinkClick r:id="rId8"/>
-              </a:rPr>
-              <a:t>https://dx.doi.org/10.1016%2Fj.ijrobp.2017.02.006</a:t>
-            </a:r>
-            <a:r>
-              <a:rPr lang="pl-PL" dirty="0" smtClean="0"/>
-              <a:t>,</a:t>
-            </a:r>
-          </a:p>
-          <a:p>
-            <a:pPr lvl="1"/>
-            <a:endParaRPr lang="fr-FR" dirty="0" smtClean="0"/>
-          </a:p>
-          <a:p>
-            <a:r>
-              <a:rPr lang="fr-FR" dirty="0" smtClean="0"/>
-              <a:t>Google:</a:t>
-            </a:r>
-          </a:p>
-          <a:p>
-            <a:pPr lvl="1"/>
-            <a:r>
-              <a:rPr lang="fr-FR" dirty="0" err="1" smtClean="0"/>
-              <a:t>https</a:t>
-            </a:r>
-            <a:r>
-              <a:rPr lang="fr-FR" dirty="0" smtClean="0"/>
-              <a:t>://</a:t>
-            </a:r>
-            <a:r>
-              <a:rPr lang="fr-FR" dirty="0" err="1" smtClean="0"/>
-              <a:t>semanticommunity.info</a:t>
-            </a:r>
-            <a:r>
-              <a:rPr lang="fr-FR" dirty="0" smtClean="0"/>
-              <a:t>/</a:t>
-            </a:r>
-            <a:r>
-              <a:rPr lang="fr-FR" dirty="0" err="1" smtClean="0"/>
-              <a:t>Data_Science</a:t>
-            </a:r>
-            <a:r>
-              <a:rPr lang="fr-FR" dirty="0" smtClean="0"/>
-              <a:t>/</a:t>
-            </a:r>
-            <a:r>
-              <a:rPr lang="fr-FR" dirty="0" err="1" smtClean="0"/>
-              <a:t>Data_Science_for_OpenFDA</a:t>
-            </a:r>
-            <a:endParaRPr lang="fr-FR" dirty="0" smtClean="0"/>
-          </a:p>
-          <a:p>
-            <a:pPr lvl="1"/>
-            <a:endParaRPr lang="fr-FR" dirty="0"/>
-          </a:p>
-        </p:txBody>
-      </p:sp>
-      <p:sp>
-        <p:nvSpPr>
-          <p:cNvPr id="2" name="Titre 1"/>
-          <p:cNvSpPr>
-            <a:spLocks noGrp="1"/>
-          </p:cNvSpPr>
-          <p:nvPr>
-            <p:ph type="title"/>
-          </p:nvPr>
-        </p:nvSpPr>
-        <p:spPr/>
-        <p:txBody>
-          <a:bodyPr>
-            <a:normAutofit fontScale="90000"/>
-          </a:bodyPr>
-          <a:lstStyle/>
-          <a:p>
-            <a:r>
-              <a:rPr lang="fr-FR" dirty="0" err="1" smtClean="0"/>
-              <a:t>Bibliography</a:t>
-            </a:r>
-            <a:r>
-              <a:rPr lang="fr-FR" dirty="0" smtClean="0"/>
-              <a:t>: </a:t>
-            </a:r>
-            <a:r>
-              <a:rPr lang="fr-FR" dirty="0" err="1" smtClean="0"/>
-              <a:t>what</a:t>
-            </a:r>
-            <a:r>
-              <a:rPr lang="fr-FR" dirty="0" smtClean="0"/>
-              <a:t> do people do </a:t>
-            </a:r>
-            <a:r>
-              <a:rPr lang="fr-FR" dirty="0" err="1" smtClean="0"/>
-              <a:t>with</a:t>
-            </a:r>
-            <a:r>
-              <a:rPr lang="fr-FR" dirty="0" smtClean="0"/>
-              <a:t> </a:t>
-            </a:r>
-            <a:r>
-              <a:rPr lang="fr-FR" dirty="0" err="1" smtClean="0"/>
-              <a:t>openFDA</a:t>
-            </a:r>
-            <a:r>
-              <a:rPr lang="fr-FR" dirty="0" smtClean="0"/>
-              <a:t>? (1)</a:t>
-            </a:r>
-            <a:endParaRPr lang="fr-FR" dirty="0"/>
-          </a:p>
-        </p:txBody>
-      </p:sp>
-    </p:spTree>
-    <p:extLst>
-      <p:ext uri="{BB962C8B-B14F-4D97-AF65-F5344CB8AC3E}">
-        <p14:creationId xmlns:p14="http://schemas.microsoft.com/office/powerpoint/2010/main" val="814334790"/>
-      </p:ext>
-    </p:extLst>
-  </p:cSld>
-  <p:clrMapOvr>
-    <a:masterClrMapping/>
-  </p:clrMapOvr>
-</p:sld>
-</file>
-
-<file path=ppt/slides/slide32.xml><?xml version="1.0" encoding="utf-8"?>
-<p:sld xmlns:a="http://schemas.openxmlformats.org/drawingml/2006/main" xmlns:r="http://schemas.openxmlformats.org/officeDocument/2006/relationships" xmlns:p="http://schemas.openxmlformats.org/presentationml/2006/main">
-  <p:cSld>
-    <p:spTree>
-      <p:nvGrpSpPr>
-        <p:cNvPr id="1" name=""/>
-        <p:cNvGrpSpPr/>
-        <p:nvPr/>
-      </p:nvGrpSpPr>
-      <p:grpSpPr>
-        <a:xfrm>
-          <a:off x="0" y="0"/>
-          <a:ext cx="0" cy="0"/>
-          <a:chOff x="0" y="0"/>
-          <a:chExt cx="0" cy="0"/>
-        </a:xfrm>
-      </p:grpSpPr>
-      <p:sp>
-        <p:nvSpPr>
-          <p:cNvPr id="3" name="Espace réservé du contenu 2"/>
-          <p:cNvSpPr>
-            <a:spLocks noGrp="1"/>
-          </p:cNvSpPr>
-          <p:nvPr>
-            <p:ph idx="1"/>
-          </p:nvPr>
-        </p:nvSpPr>
-        <p:spPr/>
-        <p:txBody>
-          <a:bodyPr>
-            <a:normAutofit fontScale="92500" lnSpcReduction="10000"/>
-          </a:bodyPr>
-          <a:lstStyle/>
-          <a:p>
-            <a:r>
-              <a:rPr lang="fr-FR" dirty="0" smtClean="0"/>
-              <a:t>I </a:t>
-            </a:r>
-            <a:r>
-              <a:rPr lang="fr-FR" dirty="0" err="1" smtClean="0"/>
-              <a:t>like</a:t>
-            </a:r>
-            <a:r>
-              <a:rPr lang="fr-FR" dirty="0" smtClean="0"/>
-              <a:t>:</a:t>
-            </a:r>
-          </a:p>
-          <a:p>
-            <a:pPr lvl="1"/>
-            <a:r>
-              <a:rPr lang="fr-FR" dirty="0" smtClean="0"/>
-              <a:t>Paper from the Nature group </a:t>
-            </a:r>
-            <a:r>
-              <a:rPr lang="fr-FR" dirty="0" err="1" smtClean="0"/>
-              <a:t>using</a:t>
-            </a:r>
-            <a:r>
-              <a:rPr lang="fr-FR" dirty="0" smtClean="0"/>
-              <a:t> machine </a:t>
-            </a:r>
-            <a:r>
-              <a:rPr lang="fr-FR" dirty="0" err="1" smtClean="0"/>
-              <a:t>learning</a:t>
-            </a:r>
-            <a:r>
-              <a:rPr lang="fr-FR" dirty="0" smtClean="0"/>
-              <a:t>: </a:t>
-            </a:r>
-            <a:r>
-              <a:rPr lang="fr-FR" dirty="0" smtClean="0">
-                <a:hlinkClick r:id="rId2"/>
-              </a:rPr>
-              <a:t>https://www.ncbi.nlm.nih.gov/pmc/articles/PMC5703951/</a:t>
-            </a:r>
-            <a:endParaRPr lang="fr-FR" dirty="0" smtClean="0">
-              <a:hlinkClick r:id="rId3"/>
-            </a:endParaRPr>
-          </a:p>
-          <a:p>
-            <a:pPr lvl="1"/>
-            <a:r>
-              <a:rPr lang="fr-FR" dirty="0" smtClean="0">
-                <a:hlinkClick r:id="rId4"/>
-              </a:rPr>
-              <a:t>https://fda.fa17.rcdilorenzo.io/</a:t>
-            </a:r>
-            <a:endParaRPr lang="fr-FR" dirty="0" smtClean="0"/>
-          </a:p>
-          <a:p>
-            <a:pPr lvl="1"/>
-            <a:endParaRPr lang="fr-FR" dirty="0" smtClean="0">
-              <a:hlinkClick r:id="rId3"/>
-            </a:endParaRPr>
-          </a:p>
-          <a:p>
-            <a:r>
-              <a:rPr lang="fr-FR" dirty="0" smtClean="0"/>
-              <a:t>I have not looked at:</a:t>
-            </a:r>
-            <a:endParaRPr lang="fr-FR" dirty="0">
-              <a:hlinkClick r:id="rId3"/>
-            </a:endParaRPr>
-          </a:p>
-          <a:p>
-            <a:pPr lvl="1"/>
-            <a:r>
-              <a:rPr lang="fr-FR" dirty="0" smtClean="0">
-                <a:hlinkClick r:id="rId3"/>
-              </a:rPr>
-              <a:t>https://github.com/akamlani/openfda</a:t>
-            </a:r>
-            <a:endParaRPr lang="fr-FR" dirty="0" smtClean="0"/>
-          </a:p>
-          <a:p>
-            <a:pPr lvl="1"/>
-            <a:r>
-              <a:rPr lang="fr-FR" dirty="0" smtClean="0">
-                <a:hlinkClick r:id="rId5"/>
-              </a:rPr>
-              <a:t>https://github.com/FDA/openfda</a:t>
-            </a:r>
-            <a:r>
-              <a:rPr lang="fr-FR" dirty="0" smtClean="0"/>
-              <a:t>	</a:t>
-            </a:r>
-          </a:p>
-          <a:p>
-            <a:pPr lvl="1"/>
-            <a:r>
-              <a:rPr lang="fr-FR" dirty="0" smtClean="0">
-                <a:hlinkClick r:id="rId6"/>
-              </a:rPr>
-              <a:t>https://github.com/FDA/open.fda.gov</a:t>
-            </a:r>
-            <a:endParaRPr lang="fr-FR" dirty="0" smtClean="0"/>
-          </a:p>
-          <a:p>
-            <a:pPr lvl="1"/>
-            <a:r>
-              <a:rPr lang="fr-FR" dirty="0" smtClean="0">
-                <a:hlinkClick r:id="rId7"/>
-              </a:rPr>
-              <a:t>https://github.com/STSILABS/open-fda</a:t>
-            </a:r>
-            <a:endParaRPr lang="fr-FR" dirty="0" smtClean="0"/>
-          </a:p>
-          <a:p>
-            <a:endParaRPr lang="fr-FR" dirty="0"/>
-          </a:p>
-        </p:txBody>
-      </p:sp>
-      <p:sp>
-        <p:nvSpPr>
-          <p:cNvPr id="2" name="Titre 1"/>
-          <p:cNvSpPr>
-            <a:spLocks noGrp="1"/>
-          </p:cNvSpPr>
-          <p:nvPr>
-            <p:ph type="title"/>
-          </p:nvPr>
-        </p:nvSpPr>
-        <p:spPr/>
-        <p:txBody>
-          <a:bodyPr>
-            <a:normAutofit fontScale="90000"/>
-          </a:bodyPr>
-          <a:lstStyle/>
-          <a:p>
-            <a:r>
-              <a:rPr lang="fr-FR" dirty="0" err="1" smtClean="0"/>
-              <a:t>Bibliography</a:t>
-            </a:r>
-            <a:r>
-              <a:rPr lang="fr-FR" dirty="0" smtClean="0"/>
-              <a:t>: </a:t>
-            </a:r>
-            <a:r>
-              <a:rPr lang="fr-FR" dirty="0" err="1" smtClean="0"/>
-              <a:t>what</a:t>
-            </a:r>
-            <a:r>
-              <a:rPr lang="fr-FR" dirty="0" smtClean="0"/>
-              <a:t> do people do </a:t>
-            </a:r>
-            <a:r>
-              <a:rPr lang="fr-FR" dirty="0" err="1" smtClean="0"/>
-              <a:t>with</a:t>
-            </a:r>
-            <a:r>
-              <a:rPr lang="fr-FR" dirty="0" smtClean="0"/>
-              <a:t> </a:t>
-            </a:r>
-            <a:r>
-              <a:rPr lang="fr-FR" dirty="0" err="1" smtClean="0"/>
-              <a:t>openFDA</a:t>
-            </a:r>
-            <a:r>
-              <a:rPr lang="fr-FR" dirty="0" smtClean="0"/>
-              <a:t>? (2)</a:t>
-            </a:r>
-            <a:endParaRPr lang="fr-FR" dirty="0"/>
-          </a:p>
-        </p:txBody>
-      </p:sp>
-    </p:spTree>
-    <p:extLst>
-      <p:ext uri="{BB962C8B-B14F-4D97-AF65-F5344CB8AC3E}">
-        <p14:creationId xmlns:p14="http://schemas.microsoft.com/office/powerpoint/2010/main" val="3454890469"/>
-      </p:ext>
-    </p:extLst>
-  </p:cSld>
-  <p:clrMapOvr>
-    <a:masterClrMapping/>
-  </p:clrMapOvr>
-</p:sld>
-</file>
-
-<file path=ppt/slides/slide33.xml><?xml version="1.0" encoding="utf-8"?>
-<p:sld xmlns:a="http://schemas.openxmlformats.org/drawingml/2006/main" xmlns:r="http://schemas.openxmlformats.org/officeDocument/2006/relationships" xmlns:p="http://schemas.openxmlformats.org/presentationml/2006/main">
-  <p:cSld>
-    <p:spTree>
-      <p:nvGrpSpPr>
-        <p:cNvPr id="1" name=""/>
-        <p:cNvGrpSpPr/>
-        <p:nvPr/>
-      </p:nvGrpSpPr>
-      <p:grpSpPr>
-        <a:xfrm>
-          <a:off x="0" y="0"/>
-          <a:ext cx="0" cy="0"/>
-          <a:chOff x="0" y="0"/>
-          <a:chExt cx="0" cy="0"/>
-        </a:xfrm>
-      </p:grpSpPr>
-      <p:sp>
-        <p:nvSpPr>
-          <p:cNvPr id="3" name="Espace réservé du contenu 2"/>
-          <p:cNvSpPr>
-            <a:spLocks noGrp="1"/>
-          </p:cNvSpPr>
-          <p:nvPr>
-            <p:ph idx="1"/>
-          </p:nvPr>
-        </p:nvSpPr>
-        <p:spPr/>
-        <p:txBody>
-          <a:bodyPr>
-            <a:normAutofit fontScale="85000" lnSpcReduction="20000"/>
-          </a:bodyPr>
-          <a:lstStyle/>
-          <a:p>
-            <a:r>
-              <a:rPr lang="fr-FR" dirty="0" smtClean="0"/>
-              <a:t>Not </a:t>
-            </a:r>
-            <a:r>
-              <a:rPr lang="fr-FR" dirty="0" err="1" smtClean="0"/>
-              <a:t>much</a:t>
-            </a:r>
-            <a:r>
-              <a:rPr lang="fr-FR" dirty="0" smtClean="0"/>
-              <a:t> machine </a:t>
-            </a:r>
-            <a:r>
-              <a:rPr lang="fr-FR" dirty="0" err="1" smtClean="0"/>
-              <a:t>learning</a:t>
-            </a:r>
-            <a:r>
-              <a:rPr lang="fr-FR" dirty="0" smtClean="0"/>
-              <a:t> </a:t>
-            </a:r>
-            <a:r>
-              <a:rPr lang="fr-FR" dirty="0" err="1" smtClean="0"/>
-              <a:t>applied</a:t>
-            </a:r>
-            <a:r>
-              <a:rPr lang="fr-FR" dirty="0" smtClean="0"/>
-              <a:t> to the </a:t>
-            </a:r>
-            <a:r>
-              <a:rPr lang="fr-FR" dirty="0" err="1" smtClean="0"/>
-              <a:t>openFDA</a:t>
-            </a:r>
-            <a:r>
-              <a:rPr lang="fr-FR" dirty="0" smtClean="0"/>
-              <a:t> </a:t>
-            </a:r>
-            <a:r>
-              <a:rPr lang="fr-FR" dirty="0" err="1" smtClean="0"/>
-              <a:t>database</a:t>
-            </a:r>
-            <a:r>
-              <a:rPr lang="fr-FR" dirty="0" smtClean="0"/>
-              <a:t> </a:t>
-            </a:r>
-            <a:r>
-              <a:rPr lang="fr-FR" dirty="0" err="1" smtClean="0"/>
-              <a:t>yet</a:t>
-            </a:r>
-            <a:endParaRPr lang="fr-FR" dirty="0" smtClean="0"/>
-          </a:p>
-          <a:p>
-            <a:r>
-              <a:rPr lang="fr-FR" dirty="0" smtClean="0"/>
-              <a:t>In the </a:t>
-            </a:r>
-            <a:r>
-              <a:rPr lang="fr-FR" dirty="0" err="1" smtClean="0"/>
-              <a:t>pharmacy</a:t>
-            </a:r>
-            <a:r>
-              <a:rPr lang="fr-FR" dirty="0" smtClean="0"/>
-              <a:t> </a:t>
-            </a:r>
-            <a:r>
-              <a:rPr lang="fr-FR" dirty="0" err="1" smtClean="0"/>
-              <a:t>industry</a:t>
-            </a:r>
-            <a:r>
-              <a:rPr lang="fr-FR" dirty="0" smtClean="0"/>
-              <a:t>, machine </a:t>
-            </a:r>
-            <a:r>
-              <a:rPr lang="fr-FR" dirty="0" err="1" smtClean="0"/>
-              <a:t>learning</a:t>
-            </a:r>
-            <a:r>
-              <a:rPr lang="fr-FR" dirty="0" smtClean="0"/>
-              <a:t> has been </a:t>
-            </a:r>
-            <a:r>
-              <a:rPr lang="fr-FR" dirty="0" err="1" smtClean="0"/>
-              <a:t>sucessfully</a:t>
-            </a:r>
-            <a:r>
-              <a:rPr lang="fr-FR" dirty="0" smtClean="0"/>
-              <a:t> </a:t>
-            </a:r>
-            <a:r>
-              <a:rPr lang="fr-FR" dirty="0" err="1" smtClean="0"/>
-              <a:t>applied</a:t>
-            </a:r>
-            <a:r>
-              <a:rPr lang="fr-FR" dirty="0" smtClean="0"/>
-              <a:t> in </a:t>
-            </a:r>
-            <a:r>
-              <a:rPr lang="fr-FR" dirty="0" err="1" smtClean="0"/>
-              <a:t>these</a:t>
-            </a:r>
-            <a:r>
-              <a:rPr lang="fr-FR" dirty="0" smtClean="0"/>
-              <a:t> </a:t>
-            </a:r>
-            <a:r>
-              <a:rPr lang="fr-FR" dirty="0" err="1" smtClean="0"/>
-              <a:t>contexts</a:t>
-            </a:r>
-            <a:r>
-              <a:rPr lang="fr-FR" dirty="0" smtClean="0"/>
-              <a:t> (medium, </a:t>
-            </a:r>
-            <a:r>
-              <a:rPr lang="fr-FR" dirty="0" err="1" smtClean="0"/>
-              <a:t>Hype</a:t>
-            </a:r>
-            <a:r>
-              <a:rPr lang="fr-FR" dirty="0" smtClean="0"/>
-              <a:t> and Reality of </a:t>
-            </a:r>
-            <a:r>
-              <a:rPr lang="fr-FR" dirty="0" err="1" smtClean="0"/>
-              <a:t>Artificial</a:t>
-            </a:r>
-            <a:r>
-              <a:rPr lang="fr-FR" dirty="0" smtClean="0"/>
-              <a:t> Intelligence in </a:t>
-            </a:r>
-            <a:r>
-              <a:rPr lang="fr-FR" dirty="0" err="1" smtClean="0"/>
-              <a:t>Healthcare</a:t>
-            </a:r>
-            <a:r>
-              <a:rPr lang="fr-FR" dirty="0" smtClean="0"/>
-              <a:t>, </a:t>
-            </a:r>
-            <a:r>
-              <a:rPr lang="fr-FR" dirty="0" err="1" smtClean="0"/>
-              <a:t>Sebastian</a:t>
-            </a:r>
-            <a:r>
-              <a:rPr lang="fr-FR" dirty="0" smtClean="0"/>
-              <a:t> </a:t>
-            </a:r>
-            <a:r>
-              <a:rPr lang="fr-FR" dirty="0" err="1" smtClean="0"/>
-              <a:t>Wurst</a:t>
-            </a:r>
-            <a:r>
-              <a:rPr lang="fr-FR" dirty="0" smtClean="0"/>
-              <a:t>):</a:t>
-            </a:r>
-          </a:p>
-          <a:p>
-            <a:pPr lvl="1"/>
-            <a:r>
-              <a:rPr lang="fr-FR" dirty="0" err="1" smtClean="0"/>
-              <a:t>Medical</a:t>
-            </a:r>
-            <a:r>
-              <a:rPr lang="fr-FR" dirty="0" smtClean="0"/>
-              <a:t> </a:t>
-            </a:r>
-            <a:r>
-              <a:rPr lang="fr-FR" dirty="0" err="1" smtClean="0"/>
-              <a:t>diagnosis</a:t>
-            </a:r>
-            <a:r>
-              <a:rPr lang="fr-FR" dirty="0" smtClean="0"/>
-              <a:t>: 17% </a:t>
-            </a:r>
-            <a:r>
-              <a:rPr lang="fr-FR" dirty="0" err="1" smtClean="0"/>
-              <a:t>better</a:t>
-            </a:r>
-            <a:r>
-              <a:rPr lang="fr-FR" dirty="0" smtClean="0"/>
-              <a:t> </a:t>
-            </a:r>
-            <a:r>
-              <a:rPr lang="fr-FR" dirty="0" err="1" smtClean="0"/>
-              <a:t>than</a:t>
-            </a:r>
-            <a:r>
-              <a:rPr lang="fr-FR" dirty="0" smtClean="0"/>
-              <a:t> nurses, 14% </a:t>
-            </a:r>
-            <a:r>
-              <a:rPr lang="fr-FR" dirty="0" err="1" smtClean="0"/>
-              <a:t>better</a:t>
-            </a:r>
-            <a:r>
-              <a:rPr lang="fr-FR" dirty="0" smtClean="0"/>
-              <a:t> </a:t>
-            </a:r>
-            <a:r>
-              <a:rPr lang="fr-FR" dirty="0" err="1" smtClean="0"/>
-              <a:t>than</a:t>
-            </a:r>
-            <a:r>
-              <a:rPr lang="fr-FR" dirty="0" smtClean="0"/>
-              <a:t> GP</a:t>
-            </a:r>
-          </a:p>
-          <a:p>
-            <a:pPr lvl="1"/>
-            <a:r>
-              <a:rPr lang="fr-FR" dirty="0" smtClean="0"/>
-              <a:t>Diagnose </a:t>
-            </a:r>
-            <a:r>
-              <a:rPr lang="fr-FR" dirty="0" err="1" smtClean="0"/>
-              <a:t>autism</a:t>
-            </a:r>
-            <a:r>
-              <a:rPr lang="fr-FR" dirty="0" smtClean="0"/>
-              <a:t> for baby </a:t>
-            </a:r>
-            <a:r>
-              <a:rPr lang="fr-FR" dirty="0" err="1" smtClean="0"/>
-              <a:t>from</a:t>
-            </a:r>
-            <a:r>
-              <a:rPr lang="fr-FR" dirty="0" smtClean="0"/>
-              <a:t> </a:t>
-            </a:r>
-            <a:r>
-              <a:rPr lang="fr-FR" dirty="0" err="1" smtClean="0"/>
-              <a:t>brain</a:t>
-            </a:r>
-            <a:r>
-              <a:rPr lang="fr-FR" dirty="0" smtClean="0"/>
-              <a:t> scan </a:t>
-            </a:r>
-            <a:r>
-              <a:rPr lang="fr-FR" dirty="0" err="1" smtClean="0"/>
-              <a:t>with</a:t>
-            </a:r>
-            <a:r>
-              <a:rPr lang="fr-FR" dirty="0" smtClean="0"/>
-              <a:t> 81% </a:t>
-            </a:r>
-            <a:r>
-              <a:rPr lang="fr-FR" dirty="0" err="1" smtClean="0"/>
-              <a:t>accuracy</a:t>
-            </a:r>
-            <a:endParaRPr lang="fr-FR" dirty="0" smtClean="0"/>
-          </a:p>
-          <a:p>
-            <a:pPr lvl="1"/>
-            <a:r>
-              <a:rPr lang="fr-FR" dirty="0" smtClean="0"/>
-              <a:t>Skin cancer </a:t>
-            </a:r>
-            <a:r>
-              <a:rPr lang="fr-FR" dirty="0" err="1" smtClean="0"/>
-              <a:t>detection</a:t>
-            </a:r>
-            <a:r>
-              <a:rPr lang="fr-FR" dirty="0" smtClean="0"/>
-              <a:t> </a:t>
-            </a:r>
-            <a:r>
-              <a:rPr lang="fr-FR" dirty="0" err="1" smtClean="0"/>
-              <a:t>with</a:t>
-            </a:r>
-            <a:r>
-              <a:rPr lang="fr-FR" dirty="0" smtClean="0"/>
-              <a:t> 91% </a:t>
-            </a:r>
-            <a:r>
-              <a:rPr lang="fr-FR" dirty="0" err="1" smtClean="0"/>
-              <a:t>accuracy</a:t>
-            </a:r>
-            <a:endParaRPr lang="fr-FR" dirty="0" smtClean="0"/>
-          </a:p>
-          <a:p>
-            <a:pPr lvl="1"/>
-            <a:r>
-              <a:rPr lang="fr-FR" dirty="0" err="1" smtClean="0"/>
-              <a:t>Suicidal</a:t>
-            </a:r>
-            <a:r>
-              <a:rPr lang="fr-FR" dirty="0" smtClean="0"/>
-              <a:t> </a:t>
-            </a:r>
-            <a:r>
-              <a:rPr lang="fr-FR" dirty="0" err="1" smtClean="0"/>
-              <a:t>person</a:t>
-            </a:r>
-            <a:r>
-              <a:rPr lang="fr-FR" dirty="0" smtClean="0"/>
-              <a:t> </a:t>
-            </a:r>
-            <a:r>
-              <a:rPr lang="fr-FR" dirty="0" err="1" smtClean="0"/>
-              <a:t>with</a:t>
-            </a:r>
-            <a:r>
-              <a:rPr lang="fr-FR" dirty="0" smtClean="0"/>
-              <a:t> 93% </a:t>
-            </a:r>
-            <a:r>
-              <a:rPr lang="fr-FR" dirty="0" err="1" smtClean="0"/>
-              <a:t>accuracy</a:t>
-            </a:r>
-            <a:endParaRPr lang="fr-FR" dirty="0" smtClean="0"/>
-          </a:p>
-          <a:p>
-            <a:pPr lvl="1"/>
-            <a:r>
-              <a:rPr lang="fr-FR" dirty="0" err="1" smtClean="0"/>
-              <a:t>Breast</a:t>
-            </a:r>
-            <a:r>
-              <a:rPr lang="fr-FR" dirty="0" smtClean="0"/>
-              <a:t> cancer </a:t>
-            </a:r>
-            <a:r>
-              <a:rPr lang="fr-FR" dirty="0" err="1" smtClean="0"/>
-              <a:t>with</a:t>
-            </a:r>
-            <a:r>
-              <a:rPr lang="fr-FR" dirty="0" smtClean="0"/>
-              <a:t> 99% </a:t>
-            </a:r>
-            <a:r>
-              <a:rPr lang="fr-FR" dirty="0" err="1" smtClean="0"/>
-              <a:t>acuracy</a:t>
-            </a:r>
-            <a:endParaRPr lang="fr-FR" dirty="0" smtClean="0"/>
-          </a:p>
-          <a:p>
-            <a:pPr lvl="1"/>
-            <a:r>
-              <a:rPr lang="fr-FR" dirty="0" smtClean="0"/>
-              <a:t>Use EHR data to </a:t>
-            </a:r>
-            <a:r>
-              <a:rPr lang="fr-FR" dirty="0" err="1" smtClean="0"/>
-              <a:t>predict</a:t>
-            </a:r>
-            <a:r>
-              <a:rPr lang="fr-FR" dirty="0" smtClean="0"/>
-              <a:t> future </a:t>
-            </a:r>
-            <a:r>
-              <a:rPr lang="fr-FR" dirty="0" err="1" smtClean="0"/>
-              <a:t>diseases</a:t>
-            </a:r>
-            <a:r>
-              <a:rPr lang="fr-FR" dirty="0" smtClean="0"/>
-              <a:t> </a:t>
-            </a:r>
-            <a:r>
-              <a:rPr lang="fr-FR" dirty="0" err="1" smtClean="0"/>
-              <a:t>wth</a:t>
-            </a:r>
-            <a:r>
-              <a:rPr lang="fr-FR" dirty="0" smtClean="0"/>
-              <a:t> 93% </a:t>
-            </a:r>
-            <a:r>
-              <a:rPr lang="fr-FR" dirty="0" err="1" smtClean="0"/>
-              <a:t>accuracy</a:t>
-            </a:r>
-            <a:endParaRPr lang="fr-FR" dirty="0"/>
-          </a:p>
-          <a:p>
-            <a:pPr lvl="1"/>
-            <a:r>
-              <a:rPr lang="fr-FR" dirty="0" smtClean="0"/>
-              <a:t>Can </a:t>
-            </a:r>
-            <a:r>
-              <a:rPr lang="fr-FR" dirty="0" err="1" smtClean="0"/>
-              <a:t>save</a:t>
-            </a:r>
-            <a:r>
-              <a:rPr lang="fr-FR" dirty="0" smtClean="0"/>
-              <a:t> 45% of doc time for GP</a:t>
-            </a:r>
-          </a:p>
-          <a:p>
-            <a:pPr lvl="1"/>
-            <a:endParaRPr lang="fr-FR" dirty="0" smtClean="0"/>
-          </a:p>
-          <a:p>
-            <a:pPr lvl="1"/>
-            <a:endParaRPr lang="fr-FR" dirty="0"/>
-          </a:p>
-        </p:txBody>
-      </p:sp>
-      <p:sp>
-        <p:nvSpPr>
-          <p:cNvPr id="2" name="Titre 1"/>
-          <p:cNvSpPr>
-            <a:spLocks noGrp="1"/>
-          </p:cNvSpPr>
-          <p:nvPr>
-            <p:ph type="title"/>
-          </p:nvPr>
-        </p:nvSpPr>
-        <p:spPr/>
-        <p:txBody>
-          <a:bodyPr/>
-          <a:lstStyle/>
-          <a:p>
-            <a:r>
-              <a:rPr lang="fr-FR" dirty="0" err="1" smtClean="0"/>
-              <a:t>Bibliography</a:t>
-            </a:r>
-            <a:r>
-              <a:rPr lang="fr-FR" dirty="0" smtClean="0"/>
-              <a:t>: </a:t>
-            </a:r>
-            <a:r>
-              <a:rPr lang="fr-FR" dirty="0" smtClean="0"/>
-              <a:t>Conclusion</a:t>
-            </a:r>
-            <a:endParaRPr lang="fr-FR" dirty="0"/>
-          </a:p>
-        </p:txBody>
-      </p:sp>
-    </p:spTree>
-    <p:extLst>
-      <p:ext uri="{BB962C8B-B14F-4D97-AF65-F5344CB8AC3E}">
-        <p14:creationId xmlns:p14="http://schemas.microsoft.com/office/powerpoint/2010/main" val="3154724977"/>
       </p:ext>
     </p:extLst>
   </p:cSld>
@@ -24046,11 +24707,1001 @@
         </p:nvSpPr>
         <p:spPr/>
         <p:txBody>
+          <a:bodyPr>
+            <a:normAutofit fontScale="70000" lnSpcReduction="20000"/>
+          </a:bodyPr>
+          <a:lstStyle/>
+          <a:p>
+            <a:r>
+              <a:rPr lang="fr-FR" dirty="0" smtClean="0"/>
+              <a:t>A lot of </a:t>
+            </a:r>
+            <a:r>
+              <a:rPr lang="fr-FR" dirty="0" err="1" smtClean="0"/>
+              <a:t>database</a:t>
+            </a:r>
+            <a:r>
+              <a:rPr lang="fr-FR" dirty="0" smtClean="0"/>
+              <a:t> </a:t>
+            </a:r>
+            <a:r>
+              <a:rPr lang="fr-FR" dirty="0" err="1" smtClean="0"/>
+              <a:t>analysis</a:t>
+            </a:r>
+            <a:r>
+              <a:rPr lang="fr-FR" dirty="0" smtClean="0"/>
+              <a:t>, </a:t>
+            </a:r>
+            <a:r>
+              <a:rPr lang="fr-FR" dirty="0" err="1" smtClean="0"/>
+              <a:t>little</a:t>
+            </a:r>
+            <a:r>
+              <a:rPr lang="fr-FR" dirty="0" smtClean="0"/>
+              <a:t> machine </a:t>
+            </a:r>
+            <a:r>
+              <a:rPr lang="fr-FR" dirty="0" err="1" smtClean="0"/>
+              <a:t>learning</a:t>
+            </a:r>
+            <a:r>
+              <a:rPr lang="fr-FR" dirty="0" smtClean="0"/>
+              <a:t>.</a:t>
+            </a:r>
+          </a:p>
+          <a:p>
+            <a:endParaRPr lang="fr-FR" dirty="0" smtClean="0"/>
+          </a:p>
+          <a:p>
+            <a:r>
+              <a:rPr lang="fr-FR" dirty="0" smtClean="0"/>
+              <a:t>Google </a:t>
+            </a:r>
+            <a:r>
+              <a:rPr lang="fr-FR" dirty="0" err="1" smtClean="0"/>
+              <a:t>scholar</a:t>
+            </a:r>
+            <a:r>
+              <a:rPr lang="fr-FR" dirty="0" smtClean="0"/>
+              <a:t>:</a:t>
+            </a:r>
+          </a:p>
+          <a:p>
+            <a:pPr lvl="1"/>
+            <a:r>
+              <a:rPr lang="fr-FR" dirty="0" smtClean="0">
+                <a:hlinkClick r:id="rId2"/>
+              </a:rPr>
+              <a:t>https://academic.oup.com/jamia/article/23/3/596/2908999</a:t>
+            </a:r>
+            <a:endParaRPr lang="fr-FR" dirty="0" smtClean="0"/>
+          </a:p>
+          <a:p>
+            <a:pPr lvl="1"/>
+            <a:r>
+              <a:rPr lang="fr-FR" dirty="0" err="1" smtClean="0"/>
+              <a:t>Papers</a:t>
+            </a:r>
+            <a:r>
+              <a:rPr lang="fr-FR" dirty="0" smtClean="0"/>
+              <a:t> </a:t>
+            </a:r>
+            <a:r>
+              <a:rPr lang="fr-FR" dirty="0" err="1" smtClean="0"/>
+              <a:t>quoting</a:t>
+            </a:r>
+            <a:r>
+              <a:rPr lang="fr-FR" dirty="0" smtClean="0"/>
+              <a:t> the </a:t>
+            </a:r>
+            <a:r>
+              <a:rPr lang="fr-FR" dirty="0" err="1" smtClean="0"/>
+              <a:t>above</a:t>
+            </a:r>
+            <a:r>
+              <a:rPr lang="fr-FR" dirty="0" smtClean="0"/>
+              <a:t>, </a:t>
+            </a:r>
+            <a:r>
+              <a:rPr lang="fr-FR" dirty="0" err="1" smtClean="0"/>
+              <a:t>most</a:t>
+            </a:r>
+            <a:r>
+              <a:rPr lang="fr-FR" dirty="0" smtClean="0"/>
+              <a:t> </a:t>
+            </a:r>
+            <a:r>
+              <a:rPr lang="fr-FR" dirty="0" err="1" smtClean="0"/>
+              <a:t>importantly</a:t>
+            </a:r>
+            <a:r>
+              <a:rPr lang="fr-FR" dirty="0" smtClean="0"/>
+              <a:t>: </a:t>
+            </a:r>
+            <a:r>
+              <a:rPr lang="fr-FR" dirty="0" smtClean="0">
+                <a:hlinkClick r:id="rId3"/>
+              </a:rPr>
+              <a:t>https://dx.doi.org/10.18632%2Foncotarget.12813</a:t>
+            </a:r>
+            <a:r>
+              <a:rPr lang="fr-FR" dirty="0" smtClean="0"/>
+              <a:t>, </a:t>
+            </a:r>
+            <a:r>
+              <a:rPr lang="en-US" dirty="0" smtClean="0">
+                <a:hlinkClick r:id="rId4"/>
+              </a:rPr>
+              <a:t>https://doi.org/10.1080/10641963.2016.1254224</a:t>
+            </a:r>
+            <a:r>
+              <a:rPr lang="en-US" dirty="0" smtClean="0"/>
+              <a:t>, </a:t>
+            </a:r>
+            <a:r>
+              <a:rPr lang="mr-IN" dirty="0" smtClean="0">
+                <a:hlinkClick r:id="rId5"/>
+              </a:rPr>
+              <a:t>https://doi.org/10.1089/adt.2016.742</a:t>
+            </a:r>
+            <a:r>
+              <a:rPr lang="fr-FR" dirty="0" smtClean="0"/>
+              <a:t>, </a:t>
+            </a:r>
+            <a:r>
+              <a:rPr lang="fr-FR" dirty="0" smtClean="0">
+                <a:hlinkClick r:id="rId6"/>
+              </a:rPr>
+              <a:t>https://dx.doi.org/10.18632%2Foncotarget.18504</a:t>
+            </a:r>
+            <a:r>
+              <a:rPr lang="fr-FR" dirty="0" smtClean="0"/>
+              <a:t>, </a:t>
+            </a:r>
+            <a:r>
+              <a:rPr lang="fr-FR" dirty="0" smtClean="0">
+                <a:hlinkClick r:id="rId7"/>
+              </a:rPr>
+              <a:t>https://dx.doi.org/10.18632%2Foncotarget.12951</a:t>
+            </a:r>
+            <a:r>
+              <a:rPr lang="fr-FR" dirty="0" smtClean="0"/>
+              <a:t>, </a:t>
+            </a:r>
+            <a:r>
+              <a:rPr lang="pl-PL" dirty="0" smtClean="0">
+                <a:hlinkClick r:id="rId8"/>
+              </a:rPr>
+              <a:t>https://dx.doi.org/10.1016%2Fj.ijrobp.2017.02.006</a:t>
+            </a:r>
+            <a:r>
+              <a:rPr lang="pl-PL" dirty="0" smtClean="0"/>
+              <a:t>,</a:t>
+            </a:r>
+          </a:p>
+          <a:p>
+            <a:pPr lvl="1"/>
+            <a:endParaRPr lang="fr-FR" dirty="0" smtClean="0"/>
+          </a:p>
+          <a:p>
+            <a:r>
+              <a:rPr lang="fr-FR" dirty="0" smtClean="0"/>
+              <a:t>Google:</a:t>
+            </a:r>
+          </a:p>
+          <a:p>
+            <a:pPr lvl="1"/>
+            <a:r>
+              <a:rPr lang="fr-FR" dirty="0" err="1" smtClean="0"/>
+              <a:t>https</a:t>
+            </a:r>
+            <a:r>
+              <a:rPr lang="fr-FR" dirty="0" smtClean="0"/>
+              <a:t>://</a:t>
+            </a:r>
+            <a:r>
+              <a:rPr lang="fr-FR" dirty="0" err="1" smtClean="0"/>
+              <a:t>semanticommunity.info</a:t>
+            </a:r>
+            <a:r>
+              <a:rPr lang="fr-FR" dirty="0" smtClean="0"/>
+              <a:t>/</a:t>
+            </a:r>
+            <a:r>
+              <a:rPr lang="fr-FR" dirty="0" err="1" smtClean="0"/>
+              <a:t>Data_Science</a:t>
+            </a:r>
+            <a:r>
+              <a:rPr lang="fr-FR" dirty="0" smtClean="0"/>
+              <a:t>/</a:t>
+            </a:r>
+            <a:r>
+              <a:rPr lang="fr-FR" dirty="0" err="1" smtClean="0"/>
+              <a:t>Data_Science_for_OpenFDA</a:t>
+            </a:r>
+            <a:endParaRPr lang="fr-FR" dirty="0" smtClean="0"/>
+          </a:p>
+          <a:p>
+            <a:pPr lvl="1"/>
+            <a:endParaRPr lang="fr-FR" dirty="0"/>
+          </a:p>
+        </p:txBody>
+      </p:sp>
+      <p:sp>
+        <p:nvSpPr>
+          <p:cNvPr id="2" name="Titre 1"/>
+          <p:cNvSpPr>
+            <a:spLocks noGrp="1"/>
+          </p:cNvSpPr>
+          <p:nvPr>
+            <p:ph type="title"/>
+          </p:nvPr>
+        </p:nvSpPr>
+        <p:spPr/>
+        <p:txBody>
+          <a:bodyPr>
+            <a:normAutofit fontScale="90000"/>
+          </a:bodyPr>
+          <a:lstStyle/>
+          <a:p>
+            <a:r>
+              <a:rPr lang="fr-FR" dirty="0" err="1" smtClean="0"/>
+              <a:t>Bibliography</a:t>
+            </a:r>
+            <a:r>
+              <a:rPr lang="fr-FR" dirty="0" smtClean="0"/>
+              <a:t>: </a:t>
+            </a:r>
+            <a:r>
+              <a:rPr lang="fr-FR" dirty="0" err="1" smtClean="0"/>
+              <a:t>what</a:t>
+            </a:r>
+            <a:r>
+              <a:rPr lang="fr-FR" dirty="0" smtClean="0"/>
+              <a:t> do people do </a:t>
+            </a:r>
+            <a:r>
+              <a:rPr lang="fr-FR" dirty="0" err="1" smtClean="0"/>
+              <a:t>with</a:t>
+            </a:r>
+            <a:r>
+              <a:rPr lang="fr-FR" dirty="0" smtClean="0"/>
+              <a:t> </a:t>
+            </a:r>
+            <a:r>
+              <a:rPr lang="fr-FR" dirty="0" err="1" smtClean="0"/>
+              <a:t>openFDA</a:t>
+            </a:r>
+            <a:r>
+              <a:rPr lang="fr-FR" dirty="0" smtClean="0"/>
+              <a:t>? (1)</a:t>
+            </a:r>
+            <a:endParaRPr lang="fr-FR" dirty="0"/>
+          </a:p>
+        </p:txBody>
+      </p:sp>
+    </p:spTree>
+    <p:extLst>
+      <p:ext uri="{BB962C8B-B14F-4D97-AF65-F5344CB8AC3E}">
+        <p14:creationId xmlns:p14="http://schemas.microsoft.com/office/powerpoint/2010/main" val="814334790"/>
+      </p:ext>
+    </p:extLst>
+  </p:cSld>
+  <p:clrMapOvr>
+    <a:masterClrMapping/>
+  </p:clrMapOvr>
+</p:sld>
+</file>
+
+<file path=ppt/slides/slide35.xml><?xml version="1.0" encoding="utf-8"?>
+<p:sld xmlns:a="http://schemas.openxmlformats.org/drawingml/2006/main" xmlns:r="http://schemas.openxmlformats.org/officeDocument/2006/relationships" xmlns:p="http://schemas.openxmlformats.org/presentationml/2006/main">
+  <p:cSld>
+    <p:spTree>
+      <p:nvGrpSpPr>
+        <p:cNvPr id="1" name=""/>
+        <p:cNvGrpSpPr/>
+        <p:nvPr/>
+      </p:nvGrpSpPr>
+      <p:grpSpPr>
+        <a:xfrm>
+          <a:off x="0" y="0"/>
+          <a:ext cx="0" cy="0"/>
+          <a:chOff x="0" y="0"/>
+          <a:chExt cx="0" cy="0"/>
+        </a:xfrm>
+      </p:grpSpPr>
+      <p:sp>
+        <p:nvSpPr>
+          <p:cNvPr id="3" name="Espace réservé du contenu 2"/>
+          <p:cNvSpPr>
+            <a:spLocks noGrp="1"/>
+          </p:cNvSpPr>
+          <p:nvPr>
+            <p:ph idx="1"/>
+          </p:nvPr>
+        </p:nvSpPr>
+        <p:spPr/>
+        <p:txBody>
+          <a:bodyPr>
+            <a:normAutofit fontScale="92500" lnSpcReduction="10000"/>
+          </a:bodyPr>
+          <a:lstStyle/>
+          <a:p>
+            <a:r>
+              <a:rPr lang="fr-FR" dirty="0" smtClean="0"/>
+              <a:t>I </a:t>
+            </a:r>
+            <a:r>
+              <a:rPr lang="fr-FR" dirty="0" err="1" smtClean="0"/>
+              <a:t>like</a:t>
+            </a:r>
+            <a:r>
+              <a:rPr lang="fr-FR" dirty="0" smtClean="0"/>
+              <a:t>:</a:t>
+            </a:r>
+          </a:p>
+          <a:p>
+            <a:pPr lvl="1"/>
+            <a:r>
+              <a:rPr lang="fr-FR" dirty="0" smtClean="0"/>
+              <a:t>Paper from the Nature group </a:t>
+            </a:r>
+            <a:r>
+              <a:rPr lang="fr-FR" dirty="0" err="1" smtClean="0"/>
+              <a:t>using</a:t>
+            </a:r>
+            <a:r>
+              <a:rPr lang="fr-FR" dirty="0" smtClean="0"/>
+              <a:t> machine </a:t>
+            </a:r>
+            <a:r>
+              <a:rPr lang="fr-FR" dirty="0" err="1" smtClean="0"/>
+              <a:t>learning</a:t>
+            </a:r>
+            <a:r>
+              <a:rPr lang="fr-FR" dirty="0" smtClean="0"/>
+              <a:t>: </a:t>
+            </a:r>
+            <a:r>
+              <a:rPr lang="fr-FR" dirty="0" smtClean="0">
+                <a:hlinkClick r:id="rId2"/>
+              </a:rPr>
+              <a:t>https://www.ncbi.nlm.nih.gov/pmc/articles/PMC5703951/</a:t>
+            </a:r>
+            <a:endParaRPr lang="fr-FR" dirty="0" smtClean="0">
+              <a:hlinkClick r:id="rId3"/>
+            </a:endParaRPr>
+          </a:p>
+          <a:p>
+            <a:pPr lvl="1"/>
+            <a:r>
+              <a:rPr lang="fr-FR" dirty="0" smtClean="0">
+                <a:hlinkClick r:id="rId4"/>
+              </a:rPr>
+              <a:t>https://fda.fa17.rcdilorenzo.io/</a:t>
+            </a:r>
+            <a:endParaRPr lang="fr-FR" dirty="0" smtClean="0"/>
+          </a:p>
+          <a:p>
+            <a:pPr lvl="1"/>
+            <a:endParaRPr lang="fr-FR" dirty="0" smtClean="0">
+              <a:hlinkClick r:id="rId3"/>
+            </a:endParaRPr>
+          </a:p>
+          <a:p>
+            <a:r>
+              <a:rPr lang="fr-FR" dirty="0" smtClean="0"/>
+              <a:t>I have not looked at:</a:t>
+            </a:r>
+            <a:endParaRPr lang="fr-FR" dirty="0">
+              <a:hlinkClick r:id="rId3"/>
+            </a:endParaRPr>
+          </a:p>
+          <a:p>
+            <a:pPr lvl="1"/>
+            <a:r>
+              <a:rPr lang="fr-FR" dirty="0" smtClean="0">
+                <a:hlinkClick r:id="rId3"/>
+              </a:rPr>
+              <a:t>https://github.com/akamlani/openfda</a:t>
+            </a:r>
+            <a:endParaRPr lang="fr-FR" dirty="0" smtClean="0"/>
+          </a:p>
+          <a:p>
+            <a:pPr lvl="1"/>
+            <a:r>
+              <a:rPr lang="fr-FR" dirty="0" smtClean="0">
+                <a:hlinkClick r:id="rId5"/>
+              </a:rPr>
+              <a:t>https://github.com/FDA/openfda</a:t>
+            </a:r>
+            <a:r>
+              <a:rPr lang="fr-FR" dirty="0" smtClean="0"/>
+              <a:t>	</a:t>
+            </a:r>
+          </a:p>
+          <a:p>
+            <a:pPr lvl="1"/>
+            <a:r>
+              <a:rPr lang="fr-FR" dirty="0" smtClean="0">
+                <a:hlinkClick r:id="rId6"/>
+              </a:rPr>
+              <a:t>https://github.com/FDA/open.fda.gov</a:t>
+            </a:r>
+            <a:endParaRPr lang="fr-FR" dirty="0" smtClean="0"/>
+          </a:p>
+          <a:p>
+            <a:pPr lvl="1"/>
+            <a:r>
+              <a:rPr lang="fr-FR" dirty="0" smtClean="0">
+                <a:hlinkClick r:id="rId7"/>
+              </a:rPr>
+              <a:t>https://github.com/STSILABS/open-fda</a:t>
+            </a:r>
+            <a:endParaRPr lang="fr-FR" dirty="0" smtClean="0"/>
+          </a:p>
+          <a:p>
+            <a:endParaRPr lang="fr-FR" dirty="0"/>
+          </a:p>
+        </p:txBody>
+      </p:sp>
+      <p:sp>
+        <p:nvSpPr>
+          <p:cNvPr id="2" name="Titre 1"/>
+          <p:cNvSpPr>
+            <a:spLocks noGrp="1"/>
+          </p:cNvSpPr>
+          <p:nvPr>
+            <p:ph type="title"/>
+          </p:nvPr>
+        </p:nvSpPr>
+        <p:spPr/>
+        <p:txBody>
+          <a:bodyPr>
+            <a:normAutofit fontScale="90000"/>
+          </a:bodyPr>
+          <a:lstStyle/>
+          <a:p>
+            <a:r>
+              <a:rPr lang="fr-FR" dirty="0" err="1" smtClean="0"/>
+              <a:t>Bibliography</a:t>
+            </a:r>
+            <a:r>
+              <a:rPr lang="fr-FR" dirty="0" smtClean="0"/>
+              <a:t>: </a:t>
+            </a:r>
+            <a:r>
+              <a:rPr lang="fr-FR" dirty="0" err="1" smtClean="0"/>
+              <a:t>what</a:t>
+            </a:r>
+            <a:r>
+              <a:rPr lang="fr-FR" dirty="0" smtClean="0"/>
+              <a:t> do people do </a:t>
+            </a:r>
+            <a:r>
+              <a:rPr lang="fr-FR" dirty="0" err="1" smtClean="0"/>
+              <a:t>with</a:t>
+            </a:r>
+            <a:r>
+              <a:rPr lang="fr-FR" dirty="0" smtClean="0"/>
+              <a:t> </a:t>
+            </a:r>
+            <a:r>
+              <a:rPr lang="fr-FR" dirty="0" err="1" smtClean="0"/>
+              <a:t>openFDA</a:t>
+            </a:r>
+            <a:r>
+              <a:rPr lang="fr-FR" dirty="0" smtClean="0"/>
+              <a:t>? (2)</a:t>
+            </a:r>
+            <a:endParaRPr lang="fr-FR" dirty="0"/>
+          </a:p>
+        </p:txBody>
+      </p:sp>
+    </p:spTree>
+    <p:extLst>
+      <p:ext uri="{BB962C8B-B14F-4D97-AF65-F5344CB8AC3E}">
+        <p14:creationId xmlns:p14="http://schemas.microsoft.com/office/powerpoint/2010/main" val="3454890469"/>
+      </p:ext>
+    </p:extLst>
+  </p:cSld>
+  <p:clrMapOvr>
+    <a:masterClrMapping/>
+  </p:clrMapOvr>
+</p:sld>
+</file>
+
+<file path=ppt/slides/slide36.xml><?xml version="1.0" encoding="utf-8"?>
+<p:sld xmlns:a="http://schemas.openxmlformats.org/drawingml/2006/main" xmlns:r="http://schemas.openxmlformats.org/officeDocument/2006/relationships" xmlns:p="http://schemas.openxmlformats.org/presentationml/2006/main">
+  <p:cSld>
+    <p:spTree>
+      <p:nvGrpSpPr>
+        <p:cNvPr id="1" name=""/>
+        <p:cNvGrpSpPr/>
+        <p:nvPr/>
+      </p:nvGrpSpPr>
+      <p:grpSpPr>
+        <a:xfrm>
+          <a:off x="0" y="0"/>
+          <a:ext cx="0" cy="0"/>
+          <a:chOff x="0" y="0"/>
+          <a:chExt cx="0" cy="0"/>
+        </a:xfrm>
+      </p:grpSpPr>
+      <p:sp>
+        <p:nvSpPr>
+          <p:cNvPr id="3" name="Espace réservé du contenu 2"/>
+          <p:cNvSpPr>
+            <a:spLocks noGrp="1"/>
+          </p:cNvSpPr>
+          <p:nvPr>
+            <p:ph idx="1"/>
+          </p:nvPr>
+        </p:nvSpPr>
+        <p:spPr/>
+        <p:txBody>
+          <a:bodyPr>
+            <a:normAutofit fontScale="85000" lnSpcReduction="20000"/>
+          </a:bodyPr>
+          <a:lstStyle/>
+          <a:p>
+            <a:r>
+              <a:rPr lang="fr-FR" dirty="0" smtClean="0"/>
+              <a:t>Not </a:t>
+            </a:r>
+            <a:r>
+              <a:rPr lang="fr-FR" dirty="0" err="1" smtClean="0"/>
+              <a:t>much</a:t>
+            </a:r>
+            <a:r>
+              <a:rPr lang="fr-FR" dirty="0" smtClean="0"/>
+              <a:t> machine </a:t>
+            </a:r>
+            <a:r>
+              <a:rPr lang="fr-FR" dirty="0" err="1" smtClean="0"/>
+              <a:t>learning</a:t>
+            </a:r>
+            <a:r>
+              <a:rPr lang="fr-FR" dirty="0" smtClean="0"/>
+              <a:t> </a:t>
+            </a:r>
+            <a:r>
+              <a:rPr lang="fr-FR" dirty="0" err="1" smtClean="0"/>
+              <a:t>applied</a:t>
+            </a:r>
+            <a:r>
+              <a:rPr lang="fr-FR" dirty="0" smtClean="0"/>
+              <a:t> to the </a:t>
+            </a:r>
+            <a:r>
+              <a:rPr lang="fr-FR" dirty="0" err="1" smtClean="0"/>
+              <a:t>openFDA</a:t>
+            </a:r>
+            <a:r>
+              <a:rPr lang="fr-FR" dirty="0" smtClean="0"/>
+              <a:t> </a:t>
+            </a:r>
+            <a:r>
+              <a:rPr lang="fr-FR" dirty="0" err="1" smtClean="0"/>
+              <a:t>database</a:t>
+            </a:r>
+            <a:r>
+              <a:rPr lang="fr-FR" dirty="0" smtClean="0"/>
+              <a:t> </a:t>
+            </a:r>
+            <a:r>
+              <a:rPr lang="fr-FR" dirty="0" err="1" smtClean="0"/>
+              <a:t>yet</a:t>
+            </a:r>
+            <a:endParaRPr lang="fr-FR" dirty="0" smtClean="0"/>
+          </a:p>
+          <a:p>
+            <a:r>
+              <a:rPr lang="fr-FR" dirty="0" err="1" smtClean="0"/>
+              <a:t>According</a:t>
+            </a:r>
+            <a:r>
+              <a:rPr lang="fr-FR" dirty="0" smtClean="0"/>
+              <a:t> </a:t>
+            </a:r>
+            <a:r>
+              <a:rPr lang="fr-FR" dirty="0"/>
+              <a:t>to </a:t>
+            </a:r>
+            <a:r>
+              <a:rPr lang="fr-FR" dirty="0" err="1"/>
+              <a:t>Sebastian</a:t>
+            </a:r>
+            <a:r>
+              <a:rPr lang="fr-FR" dirty="0"/>
+              <a:t> </a:t>
+            </a:r>
+            <a:r>
+              <a:rPr lang="fr-FR" dirty="0" err="1" smtClean="0"/>
+              <a:t>Wurst</a:t>
+            </a:r>
+            <a:r>
+              <a:rPr lang="fr-FR" dirty="0" smtClean="0"/>
+              <a:t> (</a:t>
+            </a:r>
+            <a:r>
+              <a:rPr lang="fr-FR" dirty="0"/>
+              <a:t>medium, </a:t>
+            </a:r>
+            <a:r>
+              <a:rPr lang="fr-FR" dirty="0" err="1"/>
+              <a:t>Hype</a:t>
+            </a:r>
+            <a:r>
+              <a:rPr lang="fr-FR" dirty="0"/>
+              <a:t> and Reality of </a:t>
+            </a:r>
+            <a:r>
+              <a:rPr lang="fr-FR" dirty="0" err="1"/>
+              <a:t>Artificial</a:t>
+            </a:r>
+            <a:r>
+              <a:rPr lang="fr-FR" dirty="0"/>
+              <a:t> Intelligence in </a:t>
+            </a:r>
+            <a:r>
+              <a:rPr lang="fr-FR" dirty="0" err="1" smtClean="0"/>
+              <a:t>Healthcare</a:t>
+            </a:r>
+            <a:r>
+              <a:rPr lang="fr-FR" dirty="0" smtClean="0"/>
+              <a:t>), </a:t>
+            </a:r>
+            <a:r>
+              <a:rPr lang="fr-FR" dirty="0" smtClean="0"/>
+              <a:t>machine </a:t>
+            </a:r>
+            <a:r>
+              <a:rPr lang="fr-FR" dirty="0" err="1" smtClean="0"/>
+              <a:t>learning</a:t>
+            </a:r>
+            <a:r>
+              <a:rPr lang="fr-FR" dirty="0" smtClean="0"/>
+              <a:t> has </a:t>
+            </a:r>
+            <a:r>
+              <a:rPr lang="fr-FR" dirty="0" err="1" smtClean="0"/>
+              <a:t>sucessfully</a:t>
+            </a:r>
+            <a:r>
+              <a:rPr lang="fr-FR" dirty="0"/>
+              <a:t> </a:t>
+            </a:r>
+            <a:r>
+              <a:rPr lang="fr-FR" dirty="0" err="1" smtClean="0"/>
+              <a:t>led</a:t>
+            </a:r>
+            <a:r>
+              <a:rPr lang="fr-FR" dirty="0" smtClean="0"/>
+              <a:t> to</a:t>
+            </a:r>
+            <a:r>
+              <a:rPr lang="fr-FR" dirty="0" smtClean="0"/>
+              <a:t>:</a:t>
+            </a:r>
+            <a:endParaRPr lang="fr-FR" dirty="0" smtClean="0"/>
+          </a:p>
+          <a:p>
+            <a:pPr lvl="1"/>
+            <a:r>
+              <a:rPr lang="fr-FR" dirty="0" err="1" smtClean="0"/>
+              <a:t>Medical</a:t>
+            </a:r>
+            <a:r>
+              <a:rPr lang="fr-FR" dirty="0" smtClean="0"/>
+              <a:t> </a:t>
+            </a:r>
+            <a:r>
+              <a:rPr lang="fr-FR" dirty="0" err="1" smtClean="0"/>
+              <a:t>diagnosis</a:t>
+            </a:r>
+            <a:r>
+              <a:rPr lang="fr-FR" dirty="0" smtClean="0"/>
+              <a:t>: 17% </a:t>
+            </a:r>
+            <a:r>
+              <a:rPr lang="fr-FR" dirty="0" err="1" smtClean="0"/>
+              <a:t>better</a:t>
+            </a:r>
+            <a:r>
+              <a:rPr lang="fr-FR" dirty="0" smtClean="0"/>
+              <a:t> </a:t>
+            </a:r>
+            <a:r>
+              <a:rPr lang="fr-FR" dirty="0" err="1" smtClean="0"/>
+              <a:t>than</a:t>
+            </a:r>
+            <a:r>
+              <a:rPr lang="fr-FR" dirty="0" smtClean="0"/>
+              <a:t> nurses, 14% </a:t>
+            </a:r>
+            <a:r>
+              <a:rPr lang="fr-FR" dirty="0" err="1" smtClean="0"/>
+              <a:t>better</a:t>
+            </a:r>
+            <a:r>
+              <a:rPr lang="fr-FR" dirty="0" smtClean="0"/>
+              <a:t> </a:t>
+            </a:r>
+            <a:r>
+              <a:rPr lang="fr-FR" dirty="0" err="1" smtClean="0"/>
+              <a:t>than</a:t>
+            </a:r>
+            <a:r>
+              <a:rPr lang="fr-FR" dirty="0" smtClean="0"/>
+              <a:t> GP</a:t>
+            </a:r>
+          </a:p>
+          <a:p>
+            <a:pPr lvl="1"/>
+            <a:r>
+              <a:rPr lang="fr-FR" dirty="0" smtClean="0"/>
+              <a:t>Diagnose </a:t>
+            </a:r>
+            <a:r>
+              <a:rPr lang="fr-FR" dirty="0" err="1" smtClean="0"/>
+              <a:t>autism</a:t>
+            </a:r>
+            <a:r>
+              <a:rPr lang="fr-FR" dirty="0" smtClean="0"/>
+              <a:t> for baby </a:t>
+            </a:r>
+            <a:r>
+              <a:rPr lang="fr-FR" dirty="0" err="1" smtClean="0"/>
+              <a:t>from</a:t>
+            </a:r>
+            <a:r>
+              <a:rPr lang="fr-FR" dirty="0" smtClean="0"/>
+              <a:t> </a:t>
+            </a:r>
+            <a:r>
+              <a:rPr lang="fr-FR" dirty="0" err="1" smtClean="0"/>
+              <a:t>brain</a:t>
+            </a:r>
+            <a:r>
+              <a:rPr lang="fr-FR" dirty="0" smtClean="0"/>
+              <a:t> scan </a:t>
+            </a:r>
+            <a:r>
+              <a:rPr lang="fr-FR" dirty="0" err="1" smtClean="0"/>
+              <a:t>with</a:t>
+            </a:r>
+            <a:r>
+              <a:rPr lang="fr-FR" dirty="0" smtClean="0"/>
+              <a:t> 81% </a:t>
+            </a:r>
+            <a:r>
+              <a:rPr lang="fr-FR" dirty="0" err="1" smtClean="0"/>
+              <a:t>accuracy</a:t>
+            </a:r>
+            <a:endParaRPr lang="fr-FR" dirty="0" smtClean="0"/>
+          </a:p>
+          <a:p>
+            <a:pPr lvl="1"/>
+            <a:r>
+              <a:rPr lang="fr-FR" dirty="0" smtClean="0"/>
+              <a:t>Skin cancer </a:t>
+            </a:r>
+            <a:r>
+              <a:rPr lang="fr-FR" dirty="0" err="1" smtClean="0"/>
+              <a:t>detection</a:t>
+            </a:r>
+            <a:r>
+              <a:rPr lang="fr-FR" dirty="0" smtClean="0"/>
+              <a:t> </a:t>
+            </a:r>
+            <a:r>
+              <a:rPr lang="fr-FR" dirty="0" err="1" smtClean="0"/>
+              <a:t>with</a:t>
+            </a:r>
+            <a:r>
+              <a:rPr lang="fr-FR" dirty="0" smtClean="0"/>
+              <a:t> 91% </a:t>
+            </a:r>
+            <a:r>
+              <a:rPr lang="fr-FR" dirty="0" err="1" smtClean="0"/>
+              <a:t>accuracy</a:t>
+            </a:r>
+            <a:endParaRPr lang="fr-FR" dirty="0" smtClean="0"/>
+          </a:p>
+          <a:p>
+            <a:pPr lvl="1"/>
+            <a:r>
+              <a:rPr lang="fr-FR" dirty="0" err="1" smtClean="0"/>
+              <a:t>Suicidal</a:t>
+            </a:r>
+            <a:r>
+              <a:rPr lang="fr-FR" dirty="0" smtClean="0"/>
+              <a:t> </a:t>
+            </a:r>
+            <a:r>
+              <a:rPr lang="fr-FR" dirty="0" err="1" smtClean="0"/>
+              <a:t>person</a:t>
+            </a:r>
+            <a:r>
+              <a:rPr lang="fr-FR" dirty="0" smtClean="0"/>
+              <a:t> </a:t>
+            </a:r>
+            <a:r>
+              <a:rPr lang="fr-FR" dirty="0" err="1" smtClean="0"/>
+              <a:t>with</a:t>
+            </a:r>
+            <a:r>
+              <a:rPr lang="fr-FR" dirty="0" smtClean="0"/>
+              <a:t> 93% </a:t>
+            </a:r>
+            <a:r>
+              <a:rPr lang="fr-FR" dirty="0" err="1" smtClean="0"/>
+              <a:t>accuracy</a:t>
+            </a:r>
+            <a:endParaRPr lang="fr-FR" dirty="0" smtClean="0"/>
+          </a:p>
+          <a:p>
+            <a:pPr lvl="1"/>
+            <a:r>
+              <a:rPr lang="fr-FR" dirty="0" err="1" smtClean="0"/>
+              <a:t>Breast</a:t>
+            </a:r>
+            <a:r>
+              <a:rPr lang="fr-FR" dirty="0" smtClean="0"/>
+              <a:t> cancer </a:t>
+            </a:r>
+            <a:r>
+              <a:rPr lang="fr-FR" dirty="0" err="1" smtClean="0"/>
+              <a:t>with</a:t>
+            </a:r>
+            <a:r>
+              <a:rPr lang="fr-FR" dirty="0" smtClean="0"/>
+              <a:t> 99% </a:t>
+            </a:r>
+            <a:r>
+              <a:rPr lang="fr-FR" dirty="0" err="1" smtClean="0"/>
+              <a:t>acuracy</a:t>
+            </a:r>
+            <a:endParaRPr lang="fr-FR" dirty="0" smtClean="0"/>
+          </a:p>
+          <a:p>
+            <a:pPr lvl="1"/>
+            <a:r>
+              <a:rPr lang="fr-FR" dirty="0" smtClean="0"/>
+              <a:t>Use EHR data to </a:t>
+            </a:r>
+            <a:r>
+              <a:rPr lang="fr-FR" dirty="0" err="1" smtClean="0"/>
+              <a:t>predict</a:t>
+            </a:r>
+            <a:r>
+              <a:rPr lang="fr-FR" dirty="0" smtClean="0"/>
+              <a:t> future </a:t>
+            </a:r>
+            <a:r>
+              <a:rPr lang="fr-FR" dirty="0" err="1" smtClean="0"/>
+              <a:t>diseases</a:t>
+            </a:r>
+            <a:r>
+              <a:rPr lang="fr-FR" dirty="0" smtClean="0"/>
+              <a:t> </a:t>
+            </a:r>
+            <a:r>
+              <a:rPr lang="fr-FR" dirty="0" err="1" smtClean="0"/>
+              <a:t>wth</a:t>
+            </a:r>
+            <a:r>
+              <a:rPr lang="fr-FR" dirty="0" smtClean="0"/>
+              <a:t> 93% </a:t>
+            </a:r>
+            <a:r>
+              <a:rPr lang="fr-FR" dirty="0" err="1" smtClean="0"/>
+              <a:t>accuracy</a:t>
+            </a:r>
+            <a:endParaRPr lang="fr-FR" dirty="0"/>
+          </a:p>
+          <a:p>
+            <a:pPr lvl="1"/>
+            <a:r>
+              <a:rPr lang="fr-FR" dirty="0" smtClean="0"/>
+              <a:t>Can </a:t>
+            </a:r>
+            <a:r>
+              <a:rPr lang="fr-FR" dirty="0" err="1" smtClean="0"/>
+              <a:t>save</a:t>
+            </a:r>
+            <a:r>
+              <a:rPr lang="fr-FR" dirty="0" smtClean="0"/>
+              <a:t> 45% of doc time for GP</a:t>
+            </a:r>
+          </a:p>
+          <a:p>
+            <a:pPr lvl="1"/>
+            <a:endParaRPr lang="fr-FR" dirty="0" smtClean="0"/>
+          </a:p>
+          <a:p>
+            <a:pPr lvl="1"/>
+            <a:endParaRPr lang="fr-FR" dirty="0"/>
+          </a:p>
+        </p:txBody>
+      </p:sp>
+      <p:sp>
+        <p:nvSpPr>
+          <p:cNvPr id="2" name="Titre 1"/>
+          <p:cNvSpPr>
+            <a:spLocks noGrp="1"/>
+          </p:cNvSpPr>
+          <p:nvPr>
+            <p:ph type="title"/>
+          </p:nvPr>
+        </p:nvSpPr>
+        <p:spPr/>
+        <p:txBody>
           <a:bodyPr/>
           <a:lstStyle/>
           <a:p>
             <a:r>
               <a:rPr lang="fr-FR" dirty="0" err="1" smtClean="0"/>
+              <a:t>Bibliography</a:t>
+            </a:r>
+            <a:r>
+              <a:rPr lang="fr-FR" dirty="0" smtClean="0"/>
+              <a:t>: Conclusion</a:t>
+            </a:r>
+            <a:endParaRPr lang="fr-FR" dirty="0"/>
+          </a:p>
+        </p:txBody>
+      </p:sp>
+    </p:spTree>
+    <p:extLst>
+      <p:ext uri="{BB962C8B-B14F-4D97-AF65-F5344CB8AC3E}">
+        <p14:creationId xmlns:p14="http://schemas.microsoft.com/office/powerpoint/2010/main" val="3154724977"/>
+      </p:ext>
+    </p:extLst>
+  </p:cSld>
+  <p:clrMapOvr>
+    <a:masterClrMapping/>
+  </p:clrMapOvr>
+</p:sld>
+</file>
+
+<file path=ppt/slides/slide37.xml><?xml version="1.0" encoding="utf-8"?>
+<p:sld xmlns:a="http://schemas.openxmlformats.org/drawingml/2006/main" xmlns:r="http://schemas.openxmlformats.org/officeDocument/2006/relationships" xmlns:p="http://schemas.openxmlformats.org/presentationml/2006/main">
+  <p:cSld>
+    <p:spTree>
+      <p:nvGrpSpPr>
+        <p:cNvPr id="1" name=""/>
+        <p:cNvGrpSpPr/>
+        <p:nvPr/>
+      </p:nvGrpSpPr>
+      <p:grpSpPr>
+        <a:xfrm>
+          <a:off x="0" y="0"/>
+          <a:ext cx="0" cy="0"/>
+          <a:chOff x="0" y="0"/>
+          <a:chExt cx="0" cy="0"/>
+        </a:xfrm>
+      </p:grpSpPr>
+      <p:sp>
+        <p:nvSpPr>
+          <p:cNvPr id="3" name="Espace réservé du contenu 2"/>
+          <p:cNvSpPr>
+            <a:spLocks noGrp="1"/>
+          </p:cNvSpPr>
+          <p:nvPr>
+            <p:ph idx="1"/>
+          </p:nvPr>
+        </p:nvSpPr>
+        <p:spPr/>
+        <p:txBody>
+          <a:bodyPr>
+            <a:normAutofit lnSpcReduction="10000"/>
+          </a:bodyPr>
+          <a:lstStyle/>
+          <a:p>
+            <a:r>
+              <a:rPr lang="fr-FR" dirty="0" err="1" smtClean="0"/>
               <a:t>Recalibrate</a:t>
             </a:r>
             <a:r>
@@ -24120,6 +25771,73 @@
             <a:r>
               <a:rPr lang="fr-FR" dirty="0" smtClean="0"/>
               <a:t> computer. </a:t>
+            </a:r>
+            <a:endParaRPr lang="fr-FR" dirty="0" smtClean="0"/>
+          </a:p>
+          <a:p>
+            <a:endParaRPr lang="fr-FR" dirty="0"/>
+          </a:p>
+          <a:p>
+            <a:endParaRPr lang="fr-FR" dirty="0" smtClean="0"/>
+          </a:p>
+          <a:p>
+            <a:endParaRPr lang="fr-FR" dirty="0"/>
+          </a:p>
+          <a:p>
+            <a:endParaRPr lang="fr-FR" dirty="0" smtClean="0"/>
+          </a:p>
+          <a:p>
+            <a:r>
+              <a:rPr lang="fr-FR" dirty="0" smtClean="0"/>
+              <a:t>Use </a:t>
+            </a:r>
+            <a:r>
+              <a:rPr lang="fr-FR" dirty="0" err="1" smtClean="0"/>
+              <a:t>keras</a:t>
+            </a:r>
+            <a:r>
+              <a:rPr lang="fr-FR" dirty="0" smtClean="0"/>
+              <a:t> tutorial </a:t>
+            </a:r>
+            <a:r>
+              <a:rPr lang="fr-FR" dirty="0" err="1" smtClean="0"/>
+              <a:t>from</a:t>
+            </a:r>
+            <a:r>
+              <a:rPr lang="fr-FR" dirty="0" smtClean="0"/>
+              <a:t> Adrian </a:t>
+            </a:r>
+            <a:r>
+              <a:rPr lang="fr-FR" dirty="0" err="1" smtClean="0"/>
+              <a:t>Rosebrock</a:t>
+            </a:r>
+            <a:r>
+              <a:rPr lang="fr-FR" dirty="0" smtClean="0"/>
+              <a:t> to </a:t>
+            </a:r>
+            <a:r>
+              <a:rPr lang="fr-FR" dirty="0" err="1" smtClean="0"/>
+              <a:t>build</a:t>
+            </a:r>
+            <a:r>
+              <a:rPr lang="fr-FR" dirty="0" smtClean="0"/>
+              <a:t> </a:t>
+            </a:r>
+            <a:r>
+              <a:rPr lang="fr-FR" dirty="0" err="1" smtClean="0"/>
+              <a:t>our</a:t>
+            </a:r>
+            <a:r>
+              <a:rPr lang="fr-FR" dirty="0" smtClean="0"/>
+              <a:t> neural network (</a:t>
+            </a:r>
+            <a:r>
+              <a:rPr lang="fr-FR" dirty="0" err="1" smtClean="0"/>
+              <a:t>pyimageserach</a:t>
+            </a:r>
+            <a:r>
+              <a:rPr lang="fr-FR" dirty="0" smtClean="0"/>
+              <a:t>)</a:t>
             </a:r>
             <a:endParaRPr lang="fr-FR" dirty="0"/>
           </a:p>
@@ -24211,7 +25929,7 @@
 </p:sld>
 </file>
 
-<file path=ppt/slides/slide35.xml><?xml version="1.0" encoding="utf-8"?>
+<file path=ppt/slides/slide38.xml><?xml version="1.0" encoding="utf-8"?>
 <p:sld xmlns:a="http://schemas.openxmlformats.org/drawingml/2006/main" xmlns:r="http://schemas.openxmlformats.org/officeDocument/2006/relationships" xmlns:p="http://schemas.openxmlformats.org/presentationml/2006/main">
   <p:cSld>
     <p:spTree>
@@ -24241,7 +25959,7 @@
         <p:spPr/>
         <p:txBody>
           <a:bodyPr>
-            <a:normAutofit fontScale="85000" lnSpcReduction="10000"/>
+            <a:normAutofit fontScale="92500" lnSpcReduction="10000"/>
           </a:bodyPr>
           <a:lstStyle/>
           <a:p>
@@ -24393,7 +26111,15 @@
             </a:r>
             <a:r>
               <a:rPr lang="fr-FR" dirty="0" err="1" smtClean="0"/>
-              <a:t>existing</a:t>
+              <a:t>potentially</a:t>
+            </a:r>
+            <a:r>
+              <a:rPr lang="fr-FR" dirty="0" smtClean="0"/>
+              <a:t> </a:t>
+            </a:r>
+            <a:r>
+              <a:rPr lang="fr-FR" dirty="0" err="1" smtClean="0"/>
+              <a:t>interesting</a:t>
             </a:r>
             <a:r>
               <a:rPr lang="fr-FR" dirty="0" smtClean="0"/>
@@ -24405,96 +26131,17 @@
             </a:r>
             <a:r>
               <a:rPr lang="fr-FR" dirty="0" smtClean="0"/>
-              <a:t> for NLP </a:t>
-            </a:r>
-            <a:r>
-              <a:rPr lang="fr-FR" dirty="0" err="1" smtClean="0"/>
-              <a:t>which</a:t>
-            </a:r>
-            <a:r>
-              <a:rPr lang="fr-FR" dirty="0" smtClean="0"/>
-              <a:t> </a:t>
-            </a:r>
-            <a:r>
-              <a:rPr lang="fr-FR" dirty="0" err="1" smtClean="0"/>
-              <a:t>we</a:t>
-            </a:r>
-            <a:r>
-              <a:rPr lang="fr-FR" dirty="0" smtClean="0"/>
-              <a:t> do not </a:t>
-            </a:r>
-            <a:r>
-              <a:rPr lang="fr-FR" dirty="0" err="1" smtClean="0"/>
-              <a:t>see</a:t>
-            </a:r>
-            <a:r>
-              <a:rPr lang="fr-FR" dirty="0" smtClean="0"/>
-              <a:t> how to use </a:t>
-            </a:r>
-            <a:r>
-              <a:rPr lang="fr-FR" dirty="0" err="1" smtClean="0"/>
-              <a:t>now</a:t>
-            </a:r>
-            <a:r>
-              <a:rPr lang="fr-FR" dirty="0" smtClean="0"/>
-              <a:t>, but </a:t>
-            </a:r>
-            <a:r>
-              <a:rPr lang="fr-FR" dirty="0" err="1" smtClean="0"/>
-              <a:t>which</a:t>
-            </a:r>
-            <a:r>
-              <a:rPr lang="fr-FR" dirty="0" smtClean="0"/>
-              <a:t> </a:t>
-            </a:r>
-            <a:r>
-              <a:rPr lang="fr-FR" dirty="0" err="1" smtClean="0"/>
-              <a:t>need</a:t>
-            </a:r>
-            <a:r>
-              <a:rPr lang="fr-FR" dirty="0" smtClean="0"/>
-              <a:t> to </a:t>
-            </a:r>
-            <a:r>
-              <a:rPr lang="fr-FR" dirty="0" err="1" smtClean="0"/>
-              <a:t>be</a:t>
-            </a:r>
-            <a:r>
-              <a:rPr lang="fr-FR" dirty="0" smtClean="0"/>
-              <a:t> </a:t>
-            </a:r>
-            <a:r>
-              <a:rPr lang="fr-FR" dirty="0" err="1" smtClean="0"/>
-              <a:t>kept</a:t>
-            </a:r>
-            <a:r>
-              <a:rPr lang="fr-FR" dirty="0" smtClean="0"/>
-              <a:t> in </a:t>
-            </a:r>
-            <a:r>
-              <a:rPr lang="fr-FR" dirty="0" err="1" smtClean="0"/>
-              <a:t>mind</a:t>
-            </a:r>
-            <a:r>
-              <a:rPr lang="fr-FR" dirty="0" smtClean="0"/>
-              <a:t> for </a:t>
-            </a:r>
-            <a:r>
-              <a:rPr lang="fr-FR" dirty="0" err="1" smtClean="0"/>
-              <a:t>further</a:t>
-            </a:r>
-            <a:r>
-              <a:rPr lang="fr-FR" dirty="0" smtClean="0"/>
-              <a:t> </a:t>
-            </a:r>
-            <a:r>
-              <a:rPr lang="fr-FR" dirty="0" err="1" smtClean="0"/>
-              <a:t>analysis</a:t>
-            </a:r>
-            <a:r>
-              <a:rPr lang="fr-FR" dirty="0" smtClean="0"/>
-              <a:t>: </a:t>
-            </a:r>
+              <a:t> </a:t>
+            </a:r>
+            <a:r>
+              <a:rPr lang="fr-FR" dirty="0" smtClean="0"/>
+              <a:t>for </a:t>
+            </a:r>
+            <a:r>
+              <a:rPr lang="fr-FR" dirty="0" smtClean="0"/>
+              <a:t>NLP: </a:t>
+            </a:r>
+            <a:endParaRPr lang="fr-FR" dirty="0" smtClean="0"/>
           </a:p>
           <a:p>
             <a:pPr lvl="1"/>
@@ -24672,7 +26319,7 @@
 </p:sld>
 </file>
 
-<file path=ppt/slides/slide36.xml><?xml version="1.0" encoding="utf-8"?>
+<file path=ppt/slides/slide39.xml><?xml version="1.0" encoding="utf-8"?>
 <p:sld xmlns:a="http://schemas.openxmlformats.org/drawingml/2006/main" xmlns:r="http://schemas.openxmlformats.org/officeDocument/2006/relationships" xmlns:p="http://schemas.openxmlformats.org/presentationml/2006/main">
   <p:cSld>
     <p:spTree>
@@ -24751,6 +26398,522 @@
       </p:grpSpPr>
       <p:pic>
         <p:nvPicPr>
+          <p:cNvPr id="7" name="Image 6" descr="Screen Shot 2018-09-08 at 9.43.44 PM.png"/>
+          <p:cNvPicPr>
+            <a:picLocks noChangeAspect="1"/>
+          </p:cNvPicPr>
+          <p:nvPr/>
+        </p:nvPicPr>
+        <p:blipFill>
+          <a:blip r:embed="rId3">
+            <a:extLst>
+              <a:ext uri="{28A0092B-C50C-407E-A947-70E740481C1C}">
+                <a14:useLocalDpi xmlns:a14="http://schemas.microsoft.com/office/drawing/2010/main" val="0"/>
+              </a:ext>
+            </a:extLst>
+          </a:blip>
+          <a:stretch>
+            <a:fillRect/>
+          </a:stretch>
+        </p:blipFill>
+        <p:spPr>
+          <a:xfrm>
+            <a:off x="1923192" y="1744449"/>
+            <a:ext cx="5297616" cy="5113551"/>
+          </a:xfrm>
+          <a:prstGeom prst="rect">
+            <a:avLst/>
+          </a:prstGeom>
+        </p:spPr>
+      </p:pic>
+      <p:sp>
+        <p:nvSpPr>
+          <p:cNvPr id="4" name="Titre 3"/>
+          <p:cNvSpPr>
+            <a:spLocks noGrp="1"/>
+          </p:cNvSpPr>
+          <p:nvPr>
+            <p:ph type="title"/>
+          </p:nvPr>
+        </p:nvSpPr>
+        <p:spPr/>
+        <p:txBody>
+          <a:bodyPr/>
+          <a:lstStyle/>
+          <a:p>
+            <a:r>
+              <a:rPr lang="fr-FR" dirty="0" smtClean="0"/>
+              <a:t>Top 10 </a:t>
+            </a:r>
+            <a:r>
+              <a:rPr lang="fr-FR" dirty="0" err="1" smtClean="0"/>
+              <a:t>reactions</a:t>
+            </a:r>
+            <a:r>
+              <a:rPr lang="fr-FR" dirty="0" smtClean="0"/>
+              <a:t> in 5 countries</a:t>
+            </a:r>
+            <a:endParaRPr lang="fr-FR" dirty="0"/>
+          </a:p>
+        </p:txBody>
+      </p:sp>
+    </p:spTree>
+    <p:extLst>
+      <p:ext uri="{BB962C8B-B14F-4D97-AF65-F5344CB8AC3E}">
+        <p14:creationId xmlns:p14="http://schemas.microsoft.com/office/powerpoint/2010/main" val="1914830154"/>
+      </p:ext>
+    </p:extLst>
+  </p:cSld>
+  <p:clrMapOvr>
+    <a:masterClrMapping/>
+  </p:clrMapOvr>
+</p:sld>
+</file>
+
+<file path=ppt/slides/slide40.xml><?xml version="1.0" encoding="utf-8"?>
+<p:sld xmlns:a="http://schemas.openxmlformats.org/drawingml/2006/main" xmlns:r="http://schemas.openxmlformats.org/officeDocument/2006/relationships" xmlns:p="http://schemas.openxmlformats.org/presentationml/2006/main">
+  <p:cSld>
+    <p:spTree>
+      <p:nvGrpSpPr>
+        <p:cNvPr id="1" name=""/>
+        <p:cNvGrpSpPr/>
+        <p:nvPr/>
+      </p:nvGrpSpPr>
+      <p:grpSpPr>
+        <a:xfrm>
+          <a:off x="0" y="0"/>
+          <a:ext cx="0" cy="0"/>
+          <a:chOff x="0" y="0"/>
+          <a:chExt cx="0" cy="0"/>
+        </a:xfrm>
+      </p:grpSpPr>
+      <p:sp>
+        <p:nvSpPr>
+          <p:cNvPr id="2" name="Titre 1"/>
+          <p:cNvSpPr>
+            <a:spLocks noGrp="1"/>
+          </p:cNvSpPr>
+          <p:nvPr>
+            <p:ph type="title"/>
+          </p:nvPr>
+        </p:nvSpPr>
+        <p:spPr/>
+        <p:txBody>
+          <a:bodyPr/>
+          <a:lstStyle/>
+          <a:p>
+            <a:r>
+              <a:rPr lang="fr-FR" dirty="0" smtClean="0"/>
+              <a:t>Conclusion</a:t>
+            </a:r>
+            <a:endParaRPr lang="fr-FR" dirty="0"/>
+          </a:p>
+        </p:txBody>
+      </p:sp>
+      <p:sp>
+        <p:nvSpPr>
+          <p:cNvPr id="3" name="Espace réservé du contenu 2"/>
+          <p:cNvSpPr>
+            <a:spLocks noGrp="1"/>
+          </p:cNvSpPr>
+          <p:nvPr>
+            <p:ph idx="1"/>
+          </p:nvPr>
+        </p:nvSpPr>
+        <p:spPr/>
+        <p:txBody>
+          <a:bodyPr/>
+          <a:lstStyle/>
+          <a:p>
+            <a:r>
+              <a:rPr lang="fr-FR" dirty="0" smtClean="0"/>
+              <a:t>Question </a:t>
+            </a:r>
+            <a:r>
+              <a:rPr lang="fr-FR" dirty="0" err="1" smtClean="0"/>
+              <a:t>adressed</a:t>
+            </a:r>
+            <a:r>
+              <a:rPr lang="fr-FR" dirty="0" smtClean="0"/>
+              <a:t>: are </a:t>
+            </a:r>
+            <a:r>
+              <a:rPr lang="fr-FR" dirty="0" err="1"/>
+              <a:t>different</a:t>
+            </a:r>
+            <a:r>
+              <a:rPr lang="fr-FR" dirty="0"/>
+              <a:t> adverse </a:t>
+            </a:r>
+            <a:r>
+              <a:rPr lang="fr-FR" dirty="0" err="1"/>
+              <a:t>events</a:t>
+            </a:r>
+            <a:r>
+              <a:rPr lang="fr-FR" dirty="0"/>
+              <a:t> </a:t>
+            </a:r>
+            <a:r>
+              <a:rPr lang="fr-FR" dirty="0" err="1"/>
+              <a:t>reported</a:t>
+            </a:r>
+            <a:r>
+              <a:rPr lang="fr-FR" dirty="0"/>
+              <a:t> in </a:t>
+            </a:r>
+            <a:r>
+              <a:rPr lang="fr-FR" dirty="0" err="1"/>
+              <a:t>different</a:t>
+            </a:r>
+            <a:r>
+              <a:rPr lang="fr-FR" dirty="0"/>
+              <a:t> countries</a:t>
+            </a:r>
+            <a:r>
+              <a:rPr lang="fr-FR" dirty="0" smtClean="0"/>
+              <a:t>?</a:t>
+            </a:r>
+          </a:p>
+          <a:p>
+            <a:r>
+              <a:rPr lang="fr-FR" dirty="0" smtClean="0"/>
+              <a:t>As </a:t>
+            </a:r>
+            <a:r>
+              <a:rPr lang="fr-FR" dirty="0" err="1" smtClean="0"/>
+              <a:t>requested</a:t>
+            </a:r>
+            <a:r>
+              <a:rPr lang="fr-FR" dirty="0" smtClean="0"/>
+              <a:t>, </a:t>
+            </a:r>
+            <a:r>
+              <a:rPr lang="fr-FR" dirty="0" err="1" smtClean="0"/>
+              <a:t>we</a:t>
+            </a:r>
+            <a:r>
+              <a:rPr lang="fr-FR" dirty="0" smtClean="0"/>
+              <a:t> have </a:t>
+            </a:r>
+            <a:r>
+              <a:rPr lang="fr-FR" dirty="0" err="1" smtClean="0"/>
+              <a:t>downloaded</a:t>
+            </a:r>
+            <a:r>
+              <a:rPr lang="fr-FR" dirty="0" smtClean="0"/>
+              <a:t> the </a:t>
+            </a:r>
+            <a:r>
+              <a:rPr lang="fr-FR" dirty="0" err="1" smtClean="0"/>
+              <a:t>openFDA</a:t>
+            </a:r>
+            <a:r>
+              <a:rPr lang="fr-FR" dirty="0" smtClean="0"/>
+              <a:t> </a:t>
+            </a:r>
+            <a:r>
+              <a:rPr lang="fr-FR" dirty="0" err="1" smtClean="0"/>
+              <a:t>database</a:t>
+            </a:r>
+            <a:r>
+              <a:rPr lang="fr-FR" dirty="0" smtClean="0"/>
+              <a:t>, and </a:t>
+            </a:r>
+            <a:r>
+              <a:rPr lang="fr-FR" dirty="0" err="1" smtClean="0"/>
+              <a:t>extracted</a:t>
+            </a:r>
+            <a:r>
+              <a:rPr lang="fr-FR" dirty="0" smtClean="0"/>
+              <a:t> </a:t>
+            </a:r>
+            <a:r>
+              <a:rPr lang="fr-FR" dirty="0" err="1" smtClean="0"/>
+              <a:t>fields</a:t>
+            </a:r>
+            <a:r>
+              <a:rPr lang="fr-FR" dirty="0" smtClean="0"/>
+              <a:t> of </a:t>
+            </a:r>
+            <a:r>
+              <a:rPr lang="fr-FR" dirty="0" err="1" smtClean="0"/>
+              <a:t>interest</a:t>
+            </a:r>
+            <a:endParaRPr lang="fr-FR" dirty="0" smtClean="0"/>
+          </a:p>
+          <a:p>
+            <a:r>
+              <a:rPr lang="fr-FR" dirty="0" err="1" smtClean="0"/>
+              <a:t>We</a:t>
+            </a:r>
+            <a:r>
+              <a:rPr lang="fr-FR" dirty="0" smtClean="0"/>
+              <a:t> </a:t>
+            </a:r>
+            <a:r>
+              <a:rPr lang="fr-FR" dirty="0" err="1" smtClean="0"/>
+              <a:t>produced</a:t>
+            </a:r>
+            <a:r>
+              <a:rPr lang="fr-FR" dirty="0" smtClean="0"/>
+              <a:t> plots to </a:t>
+            </a:r>
+            <a:r>
+              <a:rPr lang="fr-FR" dirty="0" err="1" smtClean="0"/>
+              <a:t>better</a:t>
+            </a:r>
+            <a:r>
+              <a:rPr lang="fr-FR" dirty="0" smtClean="0"/>
+              <a:t> </a:t>
+            </a:r>
+            <a:r>
+              <a:rPr lang="fr-FR" dirty="0" err="1" smtClean="0"/>
+              <a:t>understand</a:t>
+            </a:r>
+            <a:r>
+              <a:rPr lang="fr-FR" dirty="0" smtClean="0"/>
+              <a:t> the data</a:t>
+            </a:r>
+          </a:p>
+          <a:p>
+            <a:r>
+              <a:rPr lang="fr-FR" dirty="0" smtClean="0"/>
+              <a:t>Machine </a:t>
+            </a:r>
+            <a:r>
+              <a:rPr lang="fr-FR" dirty="0" err="1" smtClean="0"/>
+              <a:t>learning</a:t>
+            </a:r>
+            <a:r>
+              <a:rPr lang="fr-FR" dirty="0" smtClean="0"/>
+              <a:t> </a:t>
+            </a:r>
+            <a:r>
+              <a:rPr lang="fr-FR" dirty="0" err="1" smtClean="0"/>
+              <a:t>project</a:t>
+            </a:r>
+            <a:r>
+              <a:rPr lang="fr-FR" dirty="0" smtClean="0"/>
+              <a:t>: </a:t>
+            </a:r>
+            <a:r>
+              <a:rPr lang="fr-FR" dirty="0" err="1" smtClean="0"/>
+              <a:t>can</a:t>
+            </a:r>
+            <a:r>
+              <a:rPr lang="fr-FR" dirty="0" smtClean="0"/>
+              <a:t> </a:t>
+            </a:r>
+            <a:r>
+              <a:rPr lang="fr-FR" dirty="0" err="1" smtClean="0"/>
+              <a:t>we</a:t>
+            </a:r>
+            <a:r>
+              <a:rPr lang="fr-FR" dirty="0" smtClean="0"/>
+              <a:t> </a:t>
+            </a:r>
+            <a:r>
+              <a:rPr lang="fr-FR" dirty="0" err="1" smtClean="0"/>
+              <a:t>recover</a:t>
+            </a:r>
+            <a:r>
+              <a:rPr lang="fr-FR" dirty="0" smtClean="0"/>
+              <a:t> the country </a:t>
+            </a:r>
+            <a:r>
+              <a:rPr lang="fr-FR" dirty="0" err="1" smtClean="0"/>
+              <a:t>names</a:t>
+            </a:r>
+            <a:r>
+              <a:rPr lang="fr-FR" dirty="0" smtClean="0"/>
+              <a:t> </a:t>
+            </a:r>
+            <a:r>
+              <a:rPr lang="fr-FR" dirty="0" err="1" smtClean="0"/>
+              <a:t>from</a:t>
+            </a:r>
+            <a:r>
+              <a:rPr lang="fr-FR" dirty="0" smtClean="0"/>
+              <a:t> the </a:t>
+            </a:r>
+            <a:r>
+              <a:rPr lang="fr-FR" dirty="0" err="1" smtClean="0"/>
+              <a:t>reactions</a:t>
+            </a:r>
+            <a:r>
+              <a:rPr lang="fr-FR" dirty="0" smtClean="0"/>
+              <a:t>?</a:t>
+            </a:r>
+          </a:p>
+          <a:p>
+            <a:r>
+              <a:rPr lang="fr-FR" dirty="0" err="1" smtClean="0"/>
+              <a:t>Many</a:t>
+            </a:r>
+            <a:r>
+              <a:rPr lang="fr-FR" dirty="0" smtClean="0"/>
+              <a:t> </a:t>
+            </a:r>
+            <a:r>
+              <a:rPr lang="fr-FR" dirty="0" err="1" smtClean="0"/>
+              <a:t>improvements</a:t>
+            </a:r>
+            <a:r>
+              <a:rPr lang="fr-FR" dirty="0" smtClean="0"/>
+              <a:t> </a:t>
+            </a:r>
+            <a:r>
+              <a:rPr lang="fr-FR" dirty="0" err="1" smtClean="0"/>
+              <a:t>can</a:t>
+            </a:r>
+            <a:r>
+              <a:rPr lang="fr-FR" dirty="0" smtClean="0"/>
+              <a:t> </a:t>
+            </a:r>
+            <a:r>
+              <a:rPr lang="fr-FR" dirty="0" err="1" smtClean="0"/>
+              <a:t>be</a:t>
+            </a:r>
+            <a:r>
+              <a:rPr lang="fr-FR" dirty="0" smtClean="0"/>
+              <a:t> </a:t>
+            </a:r>
+            <a:r>
+              <a:rPr lang="fr-FR" dirty="0" err="1" smtClean="0"/>
+              <a:t>brought</a:t>
+            </a:r>
+            <a:r>
+              <a:rPr lang="fr-FR" dirty="0" smtClean="0"/>
+              <a:t>!</a:t>
+            </a:r>
+          </a:p>
+          <a:p>
+            <a:endParaRPr lang="fr-FR" dirty="0"/>
+          </a:p>
+        </p:txBody>
+      </p:sp>
+    </p:spTree>
+    <p:extLst>
+      <p:ext uri="{BB962C8B-B14F-4D97-AF65-F5344CB8AC3E}">
+        <p14:creationId xmlns:p14="http://schemas.microsoft.com/office/powerpoint/2010/main" val="3106069108"/>
+      </p:ext>
+    </p:extLst>
+  </p:cSld>
+  <p:clrMapOvr>
+    <a:masterClrMapping/>
+  </p:clrMapOvr>
+</p:sld>
+</file>
+
+<file path=ppt/slides/slide5.xml><?xml version="1.0" encoding="utf-8"?>
+<p:sld xmlns:a="http://schemas.openxmlformats.org/drawingml/2006/main" xmlns:r="http://schemas.openxmlformats.org/officeDocument/2006/relationships" xmlns:p="http://schemas.openxmlformats.org/presentationml/2006/main">
+  <p:cSld>
+    <p:spTree>
+      <p:nvGrpSpPr>
+        <p:cNvPr id="1" name=""/>
+        <p:cNvGrpSpPr/>
+        <p:nvPr/>
+      </p:nvGrpSpPr>
+      <p:grpSpPr>
+        <a:xfrm>
+          <a:off x="0" y="0"/>
+          <a:ext cx="0" cy="0"/>
+          <a:chOff x="0" y="0"/>
+          <a:chExt cx="0" cy="0"/>
+        </a:xfrm>
+      </p:grpSpPr>
+      <p:pic>
+        <p:nvPicPr>
+          <p:cNvPr id="6" name="Image 5" descr="Screen Shot 2018-09-08 at 9.44.52 PM.png"/>
+          <p:cNvPicPr>
+            <a:picLocks noChangeAspect="1"/>
+          </p:cNvPicPr>
+          <p:nvPr/>
+        </p:nvPicPr>
+        <p:blipFill>
+          <a:blip r:embed="rId3">
+            <a:extLst>
+              <a:ext uri="{28A0092B-C50C-407E-A947-70E740481C1C}">
+                <a14:useLocalDpi xmlns:a14="http://schemas.microsoft.com/office/drawing/2010/main" val="0"/>
+              </a:ext>
+            </a:extLst>
+          </a:blip>
+          <a:stretch>
+            <a:fillRect/>
+          </a:stretch>
+        </p:blipFill>
+        <p:spPr>
+          <a:xfrm>
+            <a:off x="1769322" y="1678254"/>
+            <a:ext cx="5225584" cy="5179746"/>
+          </a:xfrm>
+          <a:prstGeom prst="rect">
+            <a:avLst/>
+          </a:prstGeom>
+        </p:spPr>
+      </p:pic>
+      <p:sp>
+        <p:nvSpPr>
+          <p:cNvPr id="2" name="Titre 1"/>
+          <p:cNvSpPr>
+            <a:spLocks noGrp="1"/>
+          </p:cNvSpPr>
+          <p:nvPr>
+            <p:ph type="title"/>
+          </p:nvPr>
+        </p:nvSpPr>
+        <p:spPr/>
+        <p:txBody>
+          <a:bodyPr/>
+          <a:lstStyle/>
+          <a:p>
+            <a:r>
+              <a:rPr lang="fr-FR" dirty="0"/>
+              <a:t>Top 10 </a:t>
+            </a:r>
+            <a:r>
+              <a:rPr lang="fr-FR" dirty="0" err="1"/>
+              <a:t>reactions</a:t>
+            </a:r>
+            <a:r>
+              <a:rPr lang="fr-FR" dirty="0"/>
+              <a:t> in 5 countries</a:t>
+            </a:r>
+          </a:p>
+        </p:txBody>
+      </p:sp>
+    </p:spTree>
+    <p:extLst>
+      <p:ext uri="{BB962C8B-B14F-4D97-AF65-F5344CB8AC3E}">
+        <p14:creationId xmlns:p14="http://schemas.microsoft.com/office/powerpoint/2010/main" val="515964034"/>
+      </p:ext>
+    </p:extLst>
+  </p:cSld>
+  <p:clrMapOvr>
+    <a:masterClrMapping/>
+  </p:clrMapOvr>
+</p:sld>
+</file>
+
+<file path=ppt/slides/slide6.xml><?xml version="1.0" encoding="utf-8"?>
+<p:sld xmlns:a="http://schemas.openxmlformats.org/drawingml/2006/main" xmlns:r="http://schemas.openxmlformats.org/officeDocument/2006/relationships" xmlns:p="http://schemas.openxmlformats.org/presentationml/2006/main">
+  <p:cSld>
+    <p:spTree>
+      <p:nvGrpSpPr>
+        <p:cNvPr id="1" name=""/>
+        <p:cNvGrpSpPr/>
+        <p:nvPr/>
+      </p:nvGrpSpPr>
+      <p:grpSpPr>
+        <a:xfrm>
+          <a:off x="0" y="0"/>
+          <a:ext cx="0" cy="0"/>
+          <a:chOff x="0" y="0"/>
+          <a:chExt cx="0" cy="0"/>
+        </a:xfrm>
+      </p:grpSpPr>
+      <p:pic>
+        <p:nvPicPr>
           <p:cNvPr id="6" name="Image 5" descr="Screen Shot 2018-09-08 at 9.45.31 PM.png"/>
           <p:cNvPicPr>
             <a:picLocks noChangeAspect="1"/>
@@ -24771,14 +26934,44 @@
         </p:blipFill>
         <p:spPr>
           <a:xfrm>
-            <a:off x="1020498" y="0"/>
-            <a:ext cx="7153805" cy="6858000"/>
+            <a:off x="1874672" y="1686408"/>
+            <a:ext cx="5394657" cy="5171592"/>
           </a:xfrm>
           <a:prstGeom prst="rect">
             <a:avLst/>
           </a:prstGeom>
         </p:spPr>
       </p:pic>
+      <p:sp>
+        <p:nvSpPr>
+          <p:cNvPr id="4" name="Titre 3"/>
+          <p:cNvSpPr>
+            <a:spLocks noGrp="1"/>
+          </p:cNvSpPr>
+          <p:nvPr>
+            <p:ph type="title"/>
+          </p:nvPr>
+        </p:nvSpPr>
+        <p:spPr/>
+        <p:txBody>
+          <a:bodyPr/>
+          <a:lstStyle/>
+          <a:p>
+            <a:r>
+              <a:rPr lang="fr-FR" dirty="0"/>
+              <a:t>Top 10 </a:t>
+            </a:r>
+            <a:r>
+              <a:rPr lang="fr-FR" dirty="0" err="1"/>
+              <a:t>reactions</a:t>
+            </a:r>
+            <a:r>
+              <a:rPr lang="fr-FR" dirty="0"/>
+              <a:t> in 5 countries</a:t>
+            </a:r>
+          </a:p>
+        </p:txBody>
+      </p:sp>
     </p:spTree>
     <p:extLst>
       <p:ext uri="{BB962C8B-B14F-4D97-AF65-F5344CB8AC3E}">
@@ -24792,7 +26985,7 @@
 </p:sld>
 </file>
 
-<file path=ppt/slides/slide5.xml><?xml version="1.0" encoding="utf-8"?>
+<file path=ppt/slides/slide7.xml><?xml version="1.0" encoding="utf-8"?>
 <p:sld xmlns:a="http://schemas.openxmlformats.org/drawingml/2006/main" xmlns:r="http://schemas.openxmlformats.org/officeDocument/2006/relationships" xmlns:p="http://schemas.openxmlformats.org/presentationml/2006/main">
   <p:cSld>
     <p:spTree>
@@ -24831,14 +27024,44 @@
         </p:blipFill>
         <p:spPr>
           <a:xfrm>
-            <a:off x="1096010" y="0"/>
-            <a:ext cx="6926580" cy="6858000"/>
+            <a:off x="1845000" y="1458000"/>
+            <a:ext cx="5454000" cy="5400000"/>
           </a:xfrm>
           <a:prstGeom prst="rect">
             <a:avLst/>
           </a:prstGeom>
         </p:spPr>
       </p:pic>
+      <p:sp>
+        <p:nvSpPr>
+          <p:cNvPr id="2" name="Titre 1"/>
+          <p:cNvSpPr>
+            <a:spLocks noGrp="1"/>
+          </p:cNvSpPr>
+          <p:nvPr>
+            <p:ph type="title"/>
+          </p:nvPr>
+        </p:nvSpPr>
+        <p:spPr/>
+        <p:txBody>
+          <a:bodyPr/>
+          <a:lstStyle/>
+          <a:p>
+            <a:r>
+              <a:rPr lang="fr-FR" dirty="0"/>
+              <a:t>Top 10 </a:t>
+            </a:r>
+            <a:r>
+              <a:rPr lang="fr-FR" dirty="0" err="1"/>
+              <a:t>reactions</a:t>
+            </a:r>
+            <a:r>
+              <a:rPr lang="fr-FR" dirty="0"/>
+              <a:t> in 5 countries</a:t>
+            </a:r>
+          </a:p>
+        </p:txBody>
+      </p:sp>
     </p:spTree>
     <p:extLst>
       <p:ext uri="{BB962C8B-B14F-4D97-AF65-F5344CB8AC3E}">
@@ -24852,7 +27075,7 @@
 </p:sld>
 </file>
 
-<file path=ppt/slides/slide6.xml><?xml version="1.0" encoding="utf-8"?>
+<file path=ppt/slides/slide8.xml><?xml version="1.0" encoding="utf-8"?>
 <p:sld xmlns:a="http://schemas.openxmlformats.org/drawingml/2006/main" xmlns:r="http://schemas.openxmlformats.org/officeDocument/2006/relationships" xmlns:p="http://schemas.openxmlformats.org/presentationml/2006/main">
   <p:cSld>
     <p:spTree>
@@ -24891,138 +27114,48 @@
         </p:blipFill>
         <p:spPr>
           <a:xfrm>
-            <a:off x="1054100" y="0"/>
-            <a:ext cx="7014041" cy="6858000"/>
+            <a:off x="1810567" y="1458000"/>
+            <a:ext cx="5522867" cy="5400000"/>
           </a:xfrm>
           <a:prstGeom prst="rect">
             <a:avLst/>
           </a:prstGeom>
         </p:spPr>
       </p:pic>
+      <p:sp>
+        <p:nvSpPr>
+          <p:cNvPr id="2" name="Titre 1"/>
+          <p:cNvSpPr>
+            <a:spLocks noGrp="1"/>
+          </p:cNvSpPr>
+          <p:nvPr>
+            <p:ph type="title"/>
+          </p:nvPr>
+        </p:nvSpPr>
+        <p:spPr/>
+        <p:txBody>
+          <a:bodyPr/>
+          <a:lstStyle/>
+          <a:p>
+            <a:r>
+              <a:rPr lang="fr-FR" dirty="0"/>
+              <a:t>Top 10 </a:t>
+            </a:r>
+            <a:r>
+              <a:rPr lang="fr-FR" dirty="0" err="1"/>
+              <a:t>reactions</a:t>
+            </a:r>
+            <a:r>
+              <a:rPr lang="fr-FR" dirty="0"/>
+              <a:t> in 5 countries</a:t>
+            </a:r>
+          </a:p>
+        </p:txBody>
+      </p:sp>
     </p:spTree>
     <p:extLst>
       <p:ext uri="{BB962C8B-B14F-4D97-AF65-F5344CB8AC3E}">
         <p14:creationId xmlns:p14="http://schemas.microsoft.com/office/powerpoint/2010/main" val="2486327499"/>
-      </p:ext>
-    </p:extLst>
-  </p:cSld>
-  <p:clrMapOvr>
-    <a:masterClrMapping/>
-  </p:clrMapOvr>
-</p:sld>
-</file>
-
-<file path=ppt/slides/slide7.xml><?xml version="1.0" encoding="utf-8"?>
-<p:sld xmlns:a="http://schemas.openxmlformats.org/drawingml/2006/main" xmlns:r="http://schemas.openxmlformats.org/officeDocument/2006/relationships" xmlns:p="http://schemas.openxmlformats.org/presentationml/2006/main">
-  <p:cSld>
-    <p:spTree>
-      <p:nvGrpSpPr>
-        <p:cNvPr id="1" name=""/>
-        <p:cNvGrpSpPr/>
-        <p:nvPr/>
-      </p:nvGrpSpPr>
-      <p:grpSpPr>
-        <a:xfrm>
-          <a:off x="0" y="0"/>
-          <a:ext cx="0" cy="0"/>
-          <a:chOff x="0" y="0"/>
-          <a:chExt cx="0" cy="0"/>
-        </a:xfrm>
-      </p:grpSpPr>
-      <p:pic>
-        <p:nvPicPr>
-          <p:cNvPr id="4" name="Espace réservé du contenu 3" descr="Screen Shot 2018-09-08 at 8.41.51 PM.png"/>
-          <p:cNvPicPr>
-            <a:picLocks noGrp="1" noChangeAspect="1"/>
-          </p:cNvPicPr>
-          <p:nvPr>
-            <p:ph idx="4294967295"/>
-          </p:nvPr>
-        </p:nvPicPr>
-        <p:blipFill>
-          <a:blip r:embed="rId3">
-            <a:extLst>
-              <a:ext uri="{28A0092B-C50C-407E-A947-70E740481C1C}">
-                <a14:useLocalDpi xmlns:a14="http://schemas.microsoft.com/office/drawing/2010/main" val="0"/>
-              </a:ext>
-            </a:extLst>
-          </a:blip>
-          <a:srcRect t="2034" b="2034"/>
-          <a:stretch>
-            <a:fillRect/>
-          </a:stretch>
-        </p:blipFill>
-        <p:spPr>
-          <a:xfrm>
-            <a:off x="914400" y="1600200"/>
-            <a:ext cx="8229600" cy="4525963"/>
-          </a:xfrm>
-        </p:spPr>
-      </p:pic>
-    </p:spTree>
-    <p:extLst>
-      <p:ext uri="{BB962C8B-B14F-4D97-AF65-F5344CB8AC3E}">
-        <p14:creationId xmlns:p14="http://schemas.microsoft.com/office/powerpoint/2010/main" val="2229272533"/>
-      </p:ext>
-    </p:extLst>
-  </p:cSld>
-  <p:clrMapOvr>
-    <a:masterClrMapping/>
-  </p:clrMapOvr>
-</p:sld>
-</file>
-
-<file path=ppt/slides/slide8.xml><?xml version="1.0" encoding="utf-8"?>
-<p:sld xmlns:a="http://schemas.openxmlformats.org/drawingml/2006/main" xmlns:r="http://schemas.openxmlformats.org/officeDocument/2006/relationships" xmlns:p="http://schemas.openxmlformats.org/presentationml/2006/main">
-  <p:cSld>
-    <p:spTree>
-      <p:nvGrpSpPr>
-        <p:cNvPr id="1" name=""/>
-        <p:cNvGrpSpPr/>
-        <p:nvPr/>
-      </p:nvGrpSpPr>
-      <p:grpSpPr>
-        <a:xfrm>
-          <a:off x="0" y="0"/>
-          <a:ext cx="0" cy="0"/>
-          <a:chOff x="0" y="0"/>
-          <a:chExt cx="0" cy="0"/>
-        </a:xfrm>
-      </p:grpSpPr>
-      <p:pic>
-        <p:nvPicPr>
-          <p:cNvPr id="4" name="Espace réservé du contenu 3" descr="Screen Shot 2018-09-08 at 8.52.24 PM.png"/>
-          <p:cNvPicPr>
-            <a:picLocks noGrp="1" noChangeAspect="1"/>
-          </p:cNvPicPr>
-          <p:nvPr>
-            <p:ph idx="4294967295"/>
-          </p:nvPr>
-        </p:nvPicPr>
-        <p:blipFill>
-          <a:blip r:embed="rId3">
-            <a:extLst>
-              <a:ext uri="{28A0092B-C50C-407E-A947-70E740481C1C}">
-                <a14:useLocalDpi xmlns:a14="http://schemas.microsoft.com/office/drawing/2010/main" val="0"/>
-              </a:ext>
-            </a:extLst>
-          </a:blip>
-          <a:srcRect t="2197" b="2197"/>
-          <a:stretch>
-            <a:fillRect/>
-          </a:stretch>
-        </p:blipFill>
-        <p:spPr>
-          <a:xfrm>
-            <a:off x="914400" y="1600200"/>
-            <a:ext cx="8229600" cy="4525963"/>
-          </a:xfrm>
-        </p:spPr>
-      </p:pic>
-    </p:spTree>
-    <p:extLst>
-      <p:ext uri="{BB962C8B-B14F-4D97-AF65-F5344CB8AC3E}">
-        <p14:creationId xmlns:p14="http://schemas.microsoft.com/office/powerpoint/2010/main" val="1804386089"/>
       </p:ext>
     </p:extLst>
   </p:cSld>
@@ -25049,9 +27182,36 @@
           <a:chExt cx="0" cy="0"/>
         </a:xfrm>
       </p:grpSpPr>
+      <p:sp>
+        <p:nvSpPr>
+          <p:cNvPr id="2" name="Titre 1"/>
+          <p:cNvSpPr>
+            <a:spLocks noGrp="1"/>
+          </p:cNvSpPr>
+          <p:nvPr>
+            <p:ph type="title"/>
+          </p:nvPr>
+        </p:nvSpPr>
+        <p:spPr/>
+        <p:txBody>
+          <a:bodyPr/>
+          <a:lstStyle/>
+          <a:p>
+            <a:r>
+              <a:rPr lang="fr-FR" dirty="0" smtClean="0"/>
+              <a:t>World </a:t>
+            </a:r>
+            <a:r>
+              <a:rPr lang="fr-FR" dirty="0" err="1" smtClean="0"/>
+              <a:t>map</a:t>
+            </a:r>
+            <a:endParaRPr lang="fr-FR" dirty="0"/>
+          </a:p>
+        </p:txBody>
+      </p:sp>
       <p:pic>
         <p:nvPicPr>
-          <p:cNvPr id="4" name="Espace réservé du contenu 3" descr="Screen Shot 2018-09-08 at 9.37.05 PM.png"/>
+          <p:cNvPr id="4" name="Espace réservé du contenu 3" descr="Screen Shot 2018-09-08 at 8.41.51 PM.png"/>
           <p:cNvPicPr>
             <a:picLocks noGrp="1" noChangeAspect="1"/>
           </p:cNvPicPr>
@@ -25059,7 +27219,7 @@
             <p:ph idx="4294967295"/>
           </p:nvPr>
         </p:nvPicPr>
-        <p:blipFill rotWithShape="1">
+        <p:blipFill>
           <a:blip r:embed="rId3">
             <a:extLst>
               <a:ext uri="{28A0092B-C50C-407E-A947-70E740481C1C}">
@@ -25067,20 +27227,22 @@
               </a:ext>
             </a:extLst>
           </a:blip>
-          <a:srcRect t="107" b="13"/>
-          <a:stretch/>
+          <a:srcRect t="2034" b="2034"/>
+          <a:stretch>
+            <a:fillRect/>
+          </a:stretch>
         </p:blipFill>
         <p:spPr>
           <a:xfrm>
-            <a:off x="1317625" y="0"/>
-            <a:ext cx="6784975" cy="6858000"/>
+            <a:off x="457200" y="1600200"/>
+            <a:ext cx="8229600" cy="4525963"/>
           </a:xfrm>
         </p:spPr>
       </p:pic>
     </p:spTree>
     <p:extLst>
       <p:ext uri="{BB962C8B-B14F-4D97-AF65-F5344CB8AC3E}">
-        <p14:creationId xmlns:p14="http://schemas.microsoft.com/office/powerpoint/2010/main" val="2823260442"/>
+        <p14:creationId xmlns:p14="http://schemas.microsoft.com/office/powerpoint/2010/main" val="2229272533"/>
       </p:ext>
     </p:extLst>
   </p:cSld>

--- a/2018_09_10_Presentation.pptx
+++ b/2018_09_10_Presentation.pptx
@@ -5,7 +5,7 @@
     <p:sldMasterId id="2147483719" r:id="rId1"/>
   </p:sldMasterIdLst>
   <p:notesMasterIdLst>
-    <p:notesMasterId r:id="rId42"/>
+    <p:notesMasterId r:id="rId43"/>
   </p:notesMasterIdLst>
   <p:sldIdLst>
     <p:sldId id="256" r:id="rId2"/>
@@ -36,18 +36,19 @@
     <p:sldId id="356" r:id="rId27"/>
     <p:sldId id="357" r:id="rId28"/>
     <p:sldId id="358" r:id="rId29"/>
-    <p:sldId id="367" r:id="rId30"/>
-    <p:sldId id="363" r:id="rId31"/>
-    <p:sldId id="264" r:id="rId32"/>
-    <p:sldId id="266" r:id="rId33"/>
-    <p:sldId id="267" r:id="rId34"/>
-    <p:sldId id="268" r:id="rId35"/>
-    <p:sldId id="270" r:id="rId36"/>
-    <p:sldId id="271" r:id="rId37"/>
-    <p:sldId id="335" r:id="rId38"/>
-    <p:sldId id="336" r:id="rId39"/>
-    <p:sldId id="337" r:id="rId40"/>
-    <p:sldId id="368" r:id="rId41"/>
+    <p:sldId id="369" r:id="rId30"/>
+    <p:sldId id="367" r:id="rId31"/>
+    <p:sldId id="363" r:id="rId32"/>
+    <p:sldId id="264" r:id="rId33"/>
+    <p:sldId id="266" r:id="rId34"/>
+    <p:sldId id="267" r:id="rId35"/>
+    <p:sldId id="268" r:id="rId36"/>
+    <p:sldId id="270" r:id="rId37"/>
+    <p:sldId id="271" r:id="rId38"/>
+    <p:sldId id="335" r:id="rId39"/>
+    <p:sldId id="336" r:id="rId40"/>
+    <p:sldId id="337" r:id="rId41"/>
+    <p:sldId id="368" r:id="rId42"/>
   </p:sldIdLst>
   <p:sldSz cx="9144000" cy="6858000" type="screen4x3"/>
   <p:notesSz cx="6858000" cy="9144000"/>
@@ -18960,6 +18961,13 @@
   <p:clrMapOvr>
     <a:masterClrMapping/>
   </p:clrMapOvr>
+  <p:timing>
+    <p:tnLst>
+      <p:par>
+        <p:cTn xmlns:p14="http://schemas.microsoft.com/office/powerpoint/2010/main" id="1" dur="indefinite" restart="never" nodeType="tmRoot"/>
+      </p:par>
+    </p:tnLst>
+  </p:timing>
 </p:sld>
 </file>
 
@@ -19037,6 +19045,40 @@
           </a:xfrm>
         </p:spPr>
       </p:pic>
+      <p:sp>
+        <p:nvSpPr>
+          <p:cNvPr id="5" name="ZoneTexte 4"/>
+          <p:cNvSpPr txBox="1"/>
+          <p:nvPr/>
+        </p:nvSpPr>
+        <p:spPr>
+          <a:xfrm>
+            <a:off x="8179660" y="4147542"/>
+            <a:ext cx="561910" cy="369332"/>
+          </a:xfrm>
+          <a:prstGeom prst="rect">
+            <a:avLst/>
+          </a:prstGeom>
+          <a:noFill/>
+        </p:spPr>
+        <p:txBody>
+          <a:bodyPr wrap="none" rtlCol="0">
+            <a:spAutoFit/>
+          </a:bodyPr>
+          <a:lstStyle/>
+          <a:p>
+            <a:r>
+              <a:rPr lang="fr-FR" dirty="0"/>
+              <a:t>o</a:t>
+            </a:r>
+            <a:r>
+              <a:rPr lang="fr-FR" dirty="0" smtClean="0"/>
+              <a:t>r +</a:t>
+            </a:r>
+            <a:endParaRPr lang="fr-FR" dirty="0"/>
+          </a:p>
+        </p:txBody>
+      </p:sp>
     </p:spTree>
     <p:extLst>
       <p:ext uri="{BB962C8B-B14F-4D97-AF65-F5344CB8AC3E}">
@@ -19047,6 +19089,13 @@
   <p:clrMapOvr>
     <a:masterClrMapping/>
   </p:clrMapOvr>
+  <p:timing>
+    <p:tnLst>
+      <p:par>
+        <p:cTn xmlns:p14="http://schemas.microsoft.com/office/powerpoint/2010/main" id="1" dur="indefinite" restart="never" nodeType="tmRoot"/>
+      </p:par>
+    </p:tnLst>
+  </p:timing>
 </p:sld>
 </file>
 
@@ -19170,6 +19219,13 @@
   <p:clrMapOvr>
     <a:masterClrMapping/>
   </p:clrMapOvr>
+  <p:timing>
+    <p:tnLst>
+      <p:par>
+        <p:cTn xmlns:p14="http://schemas.microsoft.com/office/powerpoint/2010/main" id="1" dur="indefinite" restart="never" nodeType="tmRoot"/>
+      </p:par>
+    </p:tnLst>
+  </p:timing>
 </p:sld>
 </file>
 
@@ -19631,6 +19687,13 @@
   <p:clrMapOvr>
     <a:masterClrMapping/>
   </p:clrMapOvr>
+  <p:timing>
+    <p:tnLst>
+      <p:par>
+        <p:cTn xmlns:p14="http://schemas.microsoft.com/office/powerpoint/2010/main" id="1" dur="indefinite" restart="never" nodeType="tmRoot"/>
+      </p:par>
+    </p:tnLst>
+  </p:timing>
 </p:sld>
 </file>
 
@@ -20040,6 +20103,13 @@
   <p:clrMapOvr>
     <a:masterClrMapping/>
   </p:clrMapOvr>
+  <p:timing>
+    <p:tnLst>
+      <p:par>
+        <p:cTn xmlns:p14="http://schemas.microsoft.com/office/powerpoint/2010/main" id="1" dur="indefinite" restart="never" nodeType="tmRoot"/>
+      </p:par>
+    </p:tnLst>
+  </p:timing>
 </p:sld>
 </file>
 
@@ -20073,7 +20143,7 @@
         <p:spPr/>
         <p:txBody>
           <a:bodyPr>
-            <a:normAutofit fontScale="92500" lnSpcReduction="10000"/>
+            <a:normAutofit fontScale="92500" lnSpcReduction="20000"/>
           </a:bodyPr>
           <a:lstStyle/>
           <a:p>
@@ -20351,6 +20421,72 @@
             <a:r>
               <a:rPr lang="fr-FR" dirty="0" smtClean="0"/>
               <a:t>.</a:t>
+            </a:r>
+          </a:p>
+          <a:p>
+            <a:r>
+              <a:rPr lang="fr-FR" dirty="0" err="1" smtClean="0"/>
+              <a:t>We</a:t>
+            </a:r>
+            <a:r>
+              <a:rPr lang="fr-FR" dirty="0" smtClean="0"/>
+              <a:t> </a:t>
+            </a:r>
+            <a:r>
+              <a:rPr lang="fr-FR" dirty="0" err="1" smtClean="0"/>
+              <a:t>try</a:t>
+            </a:r>
+            <a:r>
+              <a:rPr lang="fr-FR" dirty="0" smtClean="0"/>
+              <a:t> to replace the neural network section </a:t>
+            </a:r>
+            <a:r>
+              <a:rPr lang="fr-FR" dirty="0" err="1" smtClean="0"/>
+              <a:t>following</a:t>
+            </a:r>
+            <a:r>
+              <a:rPr lang="fr-FR" dirty="0" smtClean="0"/>
+              <a:t> Adrian </a:t>
+            </a:r>
+            <a:r>
+              <a:rPr lang="fr-FR" dirty="0" err="1" smtClean="0"/>
+              <a:t>Rosebrock’s</a:t>
+            </a:r>
+            <a:r>
+              <a:rPr lang="fr-FR" dirty="0" smtClean="0"/>
+              <a:t> post: how to </a:t>
+            </a:r>
+            <a:r>
+              <a:rPr lang="fr-FR" dirty="0" err="1" smtClean="0"/>
+              <a:t>get</a:t>
+            </a:r>
+            <a:r>
+              <a:rPr lang="fr-FR" dirty="0" smtClean="0"/>
+              <a:t> </a:t>
+            </a:r>
+            <a:r>
+              <a:rPr lang="fr-FR" dirty="0" err="1" smtClean="0"/>
+              <a:t>started</a:t>
+            </a:r>
+            <a:r>
+              <a:rPr lang="fr-FR" dirty="0" smtClean="0"/>
+              <a:t> </a:t>
+            </a:r>
+            <a:r>
+              <a:rPr lang="fr-FR" dirty="0" err="1" smtClean="0"/>
+              <a:t>with</a:t>
+            </a:r>
+            <a:r>
+              <a:rPr lang="fr-FR" dirty="0" smtClean="0"/>
+              <a:t> </a:t>
+            </a:r>
+            <a:r>
+              <a:rPr lang="fr-FR" dirty="0" err="1" smtClean="0"/>
+              <a:t>Keras</a:t>
+            </a:r>
+            <a:r>
+              <a:rPr lang="fr-FR" dirty="0" smtClean="0"/>
+              <a:t>?</a:t>
             </a:r>
             <a:endParaRPr lang="fr-FR" dirty="0"/>
           </a:p>
@@ -20389,6 +20525,13 @@
   <p:clrMapOvr>
     <a:masterClrMapping/>
   </p:clrMapOvr>
+  <p:timing>
+    <p:tnLst>
+      <p:par>
+        <p:cTn xmlns:p14="http://schemas.microsoft.com/office/powerpoint/2010/main" id="1" dur="indefinite" restart="never" nodeType="tmRoot"/>
+      </p:par>
+    </p:tnLst>
+  </p:timing>
 </p:sld>
 </file>
 
@@ -20509,6 +20652,13 @@
   <p:clrMapOvr>
     <a:masterClrMapping/>
   </p:clrMapOvr>
+  <p:timing>
+    <p:tnLst>
+      <p:par>
+        <p:cTn xmlns:p14="http://schemas.microsoft.com/office/powerpoint/2010/main" id="1" dur="indefinite" restart="never" nodeType="tmRoot"/>
+      </p:par>
+    </p:tnLst>
+  </p:timing>
 </p:sld>
 </file>
 
@@ -20714,6 +20864,13 @@
   <p:clrMapOvr>
     <a:masterClrMapping/>
   </p:clrMapOvr>
+  <p:timing>
+    <p:tnLst>
+      <p:par>
+        <p:cTn xmlns:p14="http://schemas.microsoft.com/office/powerpoint/2010/main" id="1" dur="indefinite" restart="never" nodeType="tmRoot"/>
+      </p:par>
+    </p:tnLst>
+  </p:timing>
 </p:sld>
 </file>
 
@@ -20774,6 +20931,13 @@
   <p:clrMapOvr>
     <a:masterClrMapping/>
   </p:clrMapOvr>
+  <p:timing>
+    <p:tnLst>
+      <p:par>
+        <p:cTn xmlns:p14="http://schemas.microsoft.com/office/powerpoint/2010/main" id="1" dur="indefinite" restart="never" nodeType="tmRoot"/>
+      </p:par>
+    </p:tnLst>
+  </p:timing>
 </p:sld>
 </file>
 
@@ -21343,6 +21507,13 @@
   <p:clrMapOvr>
     <a:masterClrMapping/>
   </p:clrMapOvr>
+  <p:timing>
+    <p:tnLst>
+      <p:par>
+        <p:cTn xmlns:p14="http://schemas.microsoft.com/office/powerpoint/2010/main" id="1" dur="indefinite" restart="never" nodeType="tmRoot"/>
+      </p:par>
+    </p:tnLst>
+  </p:timing>
 </p:sld>
 </file>
 
@@ -22495,483 +22666,7 @@
       </p:grpSpPr>
       <p:sp>
         <p:nvSpPr>
-          <p:cNvPr id="2" name="Espace réservé du contenu 1"/>
-          <p:cNvSpPr>
-            <a:spLocks noGrp="1"/>
-          </p:cNvSpPr>
-          <p:nvPr>
-            <p:ph idx="1"/>
-          </p:nvPr>
-        </p:nvSpPr>
-        <p:spPr/>
-        <p:txBody>
-          <a:bodyPr>
-            <a:normAutofit fontScale="92500" lnSpcReduction="10000"/>
-          </a:bodyPr>
-          <a:lstStyle/>
-          <a:p>
-            <a:r>
-              <a:rPr lang="fr-FR" dirty="0" smtClean="0">
-                <a:solidFill>
-                  <a:srgbClr val="DAE6F6"/>
-                </a:solidFill>
-              </a:rPr>
-              <a:t>Part 1: data </a:t>
-            </a:r>
-            <a:r>
-              <a:rPr lang="fr-FR" dirty="0" err="1" smtClean="0">
-                <a:solidFill>
-                  <a:srgbClr val="DAE6F6"/>
-                </a:solidFill>
-              </a:rPr>
-              <a:t>analysis</a:t>
-            </a:r>
-            <a:endParaRPr lang="fr-FR" dirty="0" smtClean="0">
-              <a:solidFill>
-                <a:srgbClr val="DAE6F6"/>
-              </a:solidFill>
-            </a:endParaRPr>
-          </a:p>
-          <a:p>
-            <a:pPr lvl="1"/>
-            <a:r>
-              <a:rPr lang="fr-FR" dirty="0" smtClean="0">
-                <a:solidFill>
-                  <a:srgbClr val="DAE6F6"/>
-                </a:solidFill>
-              </a:rPr>
-              <a:t>Top </a:t>
-            </a:r>
-            <a:r>
-              <a:rPr lang="fr-FR" dirty="0" err="1" smtClean="0">
-                <a:solidFill>
-                  <a:srgbClr val="DAE6F6"/>
-                </a:solidFill>
-              </a:rPr>
-              <a:t>ten</a:t>
-            </a:r>
-            <a:r>
-              <a:rPr lang="fr-FR" dirty="0" smtClean="0">
-                <a:solidFill>
-                  <a:srgbClr val="DAE6F6"/>
-                </a:solidFill>
-              </a:rPr>
-              <a:t> </a:t>
-            </a:r>
-            <a:r>
-              <a:rPr lang="fr-FR" dirty="0" err="1" smtClean="0">
-                <a:solidFill>
-                  <a:srgbClr val="DAE6F6"/>
-                </a:solidFill>
-              </a:rPr>
-              <a:t>reactions</a:t>
-            </a:r>
-            <a:r>
-              <a:rPr lang="fr-FR" dirty="0" smtClean="0">
-                <a:solidFill>
-                  <a:srgbClr val="DAE6F6"/>
-                </a:solidFill>
-              </a:rPr>
-              <a:t> in five countries</a:t>
-            </a:r>
-          </a:p>
-          <a:p>
-            <a:pPr lvl="1"/>
-            <a:r>
-              <a:rPr lang="fr-FR" dirty="0" err="1" smtClean="0">
-                <a:solidFill>
-                  <a:srgbClr val="DAE6F6"/>
-                </a:solidFill>
-              </a:rPr>
-              <a:t>Map</a:t>
-            </a:r>
-            <a:r>
-              <a:rPr lang="fr-FR" dirty="0" smtClean="0">
-                <a:solidFill>
-                  <a:srgbClr val="DAE6F6"/>
-                </a:solidFill>
-              </a:rPr>
-              <a:t> </a:t>
-            </a:r>
-            <a:r>
-              <a:rPr lang="fr-FR" dirty="0" err="1" smtClean="0">
-                <a:solidFill>
-                  <a:srgbClr val="DAE6F6"/>
-                </a:solidFill>
-              </a:rPr>
-              <a:t>showing</a:t>
-            </a:r>
-            <a:r>
-              <a:rPr lang="fr-FR" dirty="0" smtClean="0">
-                <a:solidFill>
-                  <a:srgbClr val="DAE6F6"/>
-                </a:solidFill>
-              </a:rPr>
-              <a:t> for </a:t>
-            </a:r>
-            <a:r>
-              <a:rPr lang="fr-FR" dirty="0" err="1" smtClean="0">
-                <a:solidFill>
-                  <a:srgbClr val="DAE6F6"/>
-                </a:solidFill>
-              </a:rPr>
-              <a:t>each</a:t>
-            </a:r>
-            <a:r>
-              <a:rPr lang="fr-FR" dirty="0" smtClean="0">
-                <a:solidFill>
-                  <a:srgbClr val="DAE6F6"/>
-                </a:solidFill>
-              </a:rPr>
-              <a:t> country the </a:t>
-            </a:r>
-            <a:r>
-              <a:rPr lang="fr-FR" dirty="0" err="1" smtClean="0">
-                <a:solidFill>
-                  <a:srgbClr val="DAE6F6"/>
-                </a:solidFill>
-              </a:rPr>
-              <a:t>rank</a:t>
-            </a:r>
-            <a:r>
-              <a:rPr lang="fr-FR" dirty="0" smtClean="0">
-                <a:solidFill>
-                  <a:srgbClr val="DAE6F6"/>
-                </a:solidFill>
-              </a:rPr>
-              <a:t> of </a:t>
-            </a:r>
-            <a:r>
-              <a:rPr lang="fr-FR" dirty="0" err="1" smtClean="0">
-                <a:solidFill>
-                  <a:srgbClr val="DAE6F6"/>
-                </a:solidFill>
-              </a:rPr>
-              <a:t>selected</a:t>
-            </a:r>
-            <a:r>
-              <a:rPr lang="fr-FR" dirty="0" smtClean="0">
-                <a:solidFill>
-                  <a:srgbClr val="DAE6F6"/>
-                </a:solidFill>
-              </a:rPr>
-              <a:t> </a:t>
-            </a:r>
-            <a:r>
-              <a:rPr lang="fr-FR" dirty="0" err="1" smtClean="0">
-                <a:solidFill>
-                  <a:srgbClr val="DAE6F6"/>
-                </a:solidFill>
-              </a:rPr>
-              <a:t>reactions</a:t>
-            </a:r>
-            <a:endParaRPr lang="fr-FR" dirty="0" smtClean="0">
-              <a:solidFill>
-                <a:srgbClr val="DAE6F6"/>
-              </a:solidFill>
-            </a:endParaRPr>
-          </a:p>
-          <a:p>
-            <a:pPr lvl="1"/>
-            <a:r>
-              <a:rPr lang="fr-FR" dirty="0" smtClean="0">
-                <a:solidFill>
-                  <a:srgbClr val="DAE6F6"/>
-                </a:solidFill>
-              </a:rPr>
-              <a:t>Country count for top five </a:t>
-            </a:r>
-            <a:r>
-              <a:rPr lang="fr-FR" dirty="0" err="1" smtClean="0">
-                <a:solidFill>
-                  <a:srgbClr val="DAE6F6"/>
-                </a:solidFill>
-              </a:rPr>
-              <a:t>reactions</a:t>
-            </a:r>
-            <a:endParaRPr lang="fr-FR" dirty="0" smtClean="0">
-              <a:solidFill>
-                <a:srgbClr val="DAE6F6"/>
-              </a:solidFill>
-            </a:endParaRPr>
-          </a:p>
-          <a:p>
-            <a:r>
-              <a:rPr lang="fr-FR" dirty="0" smtClean="0">
-                <a:solidFill>
-                  <a:srgbClr val="DAE6F6"/>
-                </a:solidFill>
-              </a:rPr>
-              <a:t>Part 2: machine </a:t>
-            </a:r>
-            <a:r>
-              <a:rPr lang="fr-FR" dirty="0" err="1" smtClean="0">
-                <a:solidFill>
-                  <a:srgbClr val="DAE6F6"/>
-                </a:solidFill>
-              </a:rPr>
-              <a:t>learning</a:t>
-            </a:r>
-            <a:endParaRPr lang="fr-FR" dirty="0" smtClean="0">
-              <a:solidFill>
-                <a:srgbClr val="DAE6F6"/>
-              </a:solidFill>
-            </a:endParaRPr>
-          </a:p>
-          <a:p>
-            <a:pPr lvl="1"/>
-            <a:r>
-              <a:rPr lang="fr-FR" dirty="0" smtClean="0">
-                <a:solidFill>
-                  <a:srgbClr val="DAE6F6"/>
-                </a:solidFill>
-              </a:rPr>
-              <a:t>Question: if </a:t>
-            </a:r>
-            <a:r>
-              <a:rPr lang="fr-FR" dirty="0" err="1" smtClean="0">
-                <a:solidFill>
-                  <a:srgbClr val="DAE6F6"/>
-                </a:solidFill>
-              </a:rPr>
-              <a:t>some</a:t>
-            </a:r>
-            <a:r>
-              <a:rPr lang="fr-FR" dirty="0" smtClean="0">
-                <a:solidFill>
-                  <a:srgbClr val="DAE6F6"/>
-                </a:solidFill>
-              </a:rPr>
-              <a:t> country </a:t>
-            </a:r>
-            <a:r>
-              <a:rPr lang="fr-FR" dirty="0" err="1" smtClean="0">
-                <a:solidFill>
-                  <a:srgbClr val="DAE6F6"/>
-                </a:solidFill>
-              </a:rPr>
-              <a:t>names</a:t>
-            </a:r>
-            <a:r>
-              <a:rPr lang="fr-FR" dirty="0" smtClean="0">
-                <a:solidFill>
-                  <a:srgbClr val="DAE6F6"/>
-                </a:solidFill>
-              </a:rPr>
-              <a:t> are </a:t>
-            </a:r>
-            <a:r>
-              <a:rPr lang="fr-FR" dirty="0" err="1" smtClean="0">
-                <a:solidFill>
-                  <a:srgbClr val="DAE6F6"/>
-                </a:solidFill>
-              </a:rPr>
-              <a:t>missing</a:t>
-            </a:r>
-            <a:r>
-              <a:rPr lang="fr-FR" dirty="0" smtClean="0">
-                <a:solidFill>
-                  <a:srgbClr val="DAE6F6"/>
-                </a:solidFill>
-              </a:rPr>
-              <a:t> </a:t>
-            </a:r>
-            <a:r>
-              <a:rPr lang="fr-FR" dirty="0" err="1" smtClean="0">
-                <a:solidFill>
-                  <a:srgbClr val="DAE6F6"/>
-                </a:solidFill>
-              </a:rPr>
-              <a:t>from</a:t>
-            </a:r>
-            <a:r>
-              <a:rPr lang="fr-FR" dirty="0" smtClean="0">
-                <a:solidFill>
-                  <a:srgbClr val="DAE6F6"/>
-                </a:solidFill>
-              </a:rPr>
-              <a:t> the </a:t>
-            </a:r>
-            <a:r>
-              <a:rPr lang="fr-FR" dirty="0" err="1" smtClean="0">
-                <a:solidFill>
-                  <a:srgbClr val="DAE6F6"/>
-                </a:solidFill>
-              </a:rPr>
-              <a:t>database</a:t>
-            </a:r>
-            <a:r>
-              <a:rPr lang="fr-FR" dirty="0" smtClean="0">
-                <a:solidFill>
-                  <a:srgbClr val="DAE6F6"/>
-                </a:solidFill>
-              </a:rPr>
-              <a:t>, </a:t>
-            </a:r>
-            <a:r>
-              <a:rPr lang="fr-FR" dirty="0" err="1" smtClean="0">
-                <a:solidFill>
-                  <a:srgbClr val="DAE6F6"/>
-                </a:solidFill>
-              </a:rPr>
-              <a:t>can</a:t>
-            </a:r>
-            <a:r>
-              <a:rPr lang="fr-FR" dirty="0" smtClean="0">
-                <a:solidFill>
-                  <a:srgbClr val="DAE6F6"/>
-                </a:solidFill>
-              </a:rPr>
-              <a:t> </a:t>
-            </a:r>
-            <a:r>
-              <a:rPr lang="fr-FR" dirty="0" err="1" smtClean="0">
-                <a:solidFill>
-                  <a:srgbClr val="DAE6F6"/>
-                </a:solidFill>
-              </a:rPr>
-              <a:t>we</a:t>
-            </a:r>
-            <a:r>
-              <a:rPr lang="fr-FR" dirty="0" smtClean="0">
-                <a:solidFill>
-                  <a:srgbClr val="DAE6F6"/>
-                </a:solidFill>
-              </a:rPr>
-              <a:t> </a:t>
-            </a:r>
-            <a:r>
-              <a:rPr lang="fr-FR" dirty="0" err="1" smtClean="0">
-                <a:solidFill>
-                  <a:srgbClr val="DAE6F6"/>
-                </a:solidFill>
-              </a:rPr>
-              <a:t>recover</a:t>
-            </a:r>
-            <a:r>
-              <a:rPr lang="fr-FR" dirty="0" smtClean="0">
-                <a:solidFill>
-                  <a:srgbClr val="DAE6F6"/>
-                </a:solidFill>
-              </a:rPr>
-              <a:t> </a:t>
-            </a:r>
-            <a:r>
-              <a:rPr lang="fr-FR" dirty="0" err="1" smtClean="0">
-                <a:solidFill>
-                  <a:srgbClr val="DAE6F6"/>
-                </a:solidFill>
-              </a:rPr>
-              <a:t>them</a:t>
-            </a:r>
-            <a:r>
-              <a:rPr lang="fr-FR" dirty="0" smtClean="0">
-                <a:solidFill>
-                  <a:srgbClr val="DAE6F6"/>
-                </a:solidFill>
-              </a:rPr>
-              <a:t> </a:t>
-            </a:r>
-            <a:r>
-              <a:rPr lang="fr-FR" dirty="0" err="1" smtClean="0">
-                <a:solidFill>
-                  <a:srgbClr val="DAE6F6"/>
-                </a:solidFill>
-              </a:rPr>
-              <a:t>using</a:t>
-            </a:r>
-            <a:r>
-              <a:rPr lang="fr-FR" dirty="0" smtClean="0">
-                <a:solidFill>
-                  <a:srgbClr val="DAE6F6"/>
-                </a:solidFill>
-              </a:rPr>
-              <a:t> the </a:t>
-            </a:r>
-            <a:r>
-              <a:rPr lang="fr-FR" dirty="0" err="1" smtClean="0">
-                <a:solidFill>
-                  <a:srgbClr val="DAE6F6"/>
-                </a:solidFill>
-              </a:rPr>
-              <a:t>list</a:t>
-            </a:r>
-            <a:r>
-              <a:rPr lang="fr-FR" dirty="0" smtClean="0">
-                <a:solidFill>
-                  <a:srgbClr val="DAE6F6"/>
-                </a:solidFill>
-              </a:rPr>
-              <a:t> of </a:t>
-            </a:r>
-            <a:r>
-              <a:rPr lang="fr-FR" dirty="0" err="1" smtClean="0">
-                <a:solidFill>
-                  <a:srgbClr val="DAE6F6"/>
-                </a:solidFill>
-              </a:rPr>
-              <a:t>reactions</a:t>
-            </a:r>
-            <a:r>
-              <a:rPr lang="fr-FR" dirty="0" smtClean="0">
-                <a:solidFill>
-                  <a:srgbClr val="DAE6F6"/>
-                </a:solidFill>
-              </a:rPr>
-              <a:t>?</a:t>
-            </a:r>
-          </a:p>
-          <a:p>
-            <a:r>
-              <a:rPr lang="fr-FR" dirty="0" smtClean="0"/>
-              <a:t>Part 3: </a:t>
-            </a:r>
-            <a:r>
-              <a:rPr lang="fr-FR" dirty="0" err="1" smtClean="0"/>
-              <a:t>improvements</a:t>
-            </a:r>
-            <a:r>
-              <a:rPr lang="fr-FR" dirty="0" smtClean="0"/>
-              <a:t> and </a:t>
-            </a:r>
-            <a:r>
-              <a:rPr lang="fr-FR" dirty="0" err="1" smtClean="0"/>
-              <a:t>bibliography</a:t>
-            </a:r>
-            <a:endParaRPr lang="fr-FR" dirty="0" smtClean="0"/>
-          </a:p>
-          <a:p>
-            <a:pPr lvl="1"/>
-            <a:r>
-              <a:rPr lang="fr-FR" dirty="0" err="1" smtClean="0"/>
-              <a:t>Improvements</a:t>
-            </a:r>
-            <a:r>
-              <a:rPr lang="fr-FR" dirty="0" smtClean="0"/>
-              <a:t> </a:t>
-            </a:r>
-            <a:r>
-              <a:rPr lang="fr-FR" dirty="0" err="1" smtClean="0"/>
-              <a:t>needed</a:t>
-            </a:r>
-            <a:endParaRPr lang="fr-FR" dirty="0" smtClean="0"/>
-          </a:p>
-          <a:p>
-            <a:pPr lvl="1"/>
-            <a:r>
-              <a:rPr lang="fr-FR" dirty="0" err="1" smtClean="0"/>
-              <a:t>Bibliography</a:t>
-            </a:r>
-            <a:endParaRPr lang="fr-FR" dirty="0" smtClean="0"/>
-          </a:p>
-          <a:p>
-            <a:endParaRPr lang="fr-FR" dirty="0"/>
-          </a:p>
-        </p:txBody>
-      </p:sp>
-      <p:sp>
-        <p:nvSpPr>
-          <p:cNvPr id="3" name="Titre 2"/>
+          <p:cNvPr id="2" name="Titre 1"/>
           <p:cNvSpPr>
             <a:spLocks noGrp="1"/>
           </p:cNvSpPr>
@@ -22981,21 +22676,189 @@
         </p:nvSpPr>
         <p:spPr/>
         <p:txBody>
-          <a:bodyPr/>
+          <a:bodyPr>
+            <a:normAutofit fontScale="90000"/>
+          </a:bodyPr>
           <a:lstStyle/>
           <a:p>
             <a:r>
-              <a:rPr lang="fr-FR" dirty="0" err="1" smtClean="0"/>
-              <a:t>Outline</a:t>
+              <a:rPr lang="fr-FR" dirty="0" smtClean="0"/>
+              <a:t>Adrian </a:t>
+            </a:r>
+            <a:r>
+              <a:rPr lang="fr-FR" dirty="0" err="1" smtClean="0"/>
+              <a:t>Rosebrock’s</a:t>
+            </a:r>
+            <a:r>
+              <a:rPr lang="fr-FR" dirty="0" smtClean="0"/>
+              <a:t> post about </a:t>
+            </a:r>
+            <a:r>
+              <a:rPr lang="fr-FR" dirty="0" err="1" smtClean="0"/>
+              <a:t>Keras</a:t>
             </a:r>
             <a:endParaRPr lang="fr-FR" dirty="0"/>
+          </a:p>
+        </p:txBody>
+      </p:sp>
+      <p:pic>
+        <p:nvPicPr>
+          <p:cNvPr id="4" name="Image 3" descr="Screen Shot 2018-09-12 at 9.38.05 PM.png"/>
+          <p:cNvPicPr>
+            <a:picLocks noChangeAspect="1"/>
+          </p:cNvPicPr>
+          <p:nvPr/>
+        </p:nvPicPr>
+        <p:blipFill>
+          <a:blip r:embed="rId2">
+            <a:extLst>
+              <a:ext uri="{28A0092B-C50C-407E-A947-70E740481C1C}">
+                <a14:useLocalDpi xmlns:a14="http://schemas.microsoft.com/office/drawing/2010/main" val="0"/>
+              </a:ext>
+            </a:extLst>
+          </a:blip>
+          <a:stretch>
+            <a:fillRect/>
+          </a:stretch>
+        </p:blipFill>
+        <p:spPr>
+          <a:xfrm>
+            <a:off x="3571940" y="2691502"/>
+            <a:ext cx="5492683" cy="4044294"/>
+          </a:xfrm>
+          <a:prstGeom prst="rect">
+            <a:avLst/>
+          </a:prstGeom>
+        </p:spPr>
+      </p:pic>
+      <p:sp>
+        <p:nvSpPr>
+          <p:cNvPr id="5" name="Rectangle 4"/>
+          <p:cNvSpPr/>
+          <p:nvPr/>
+        </p:nvSpPr>
+        <p:spPr>
+          <a:xfrm>
+            <a:off x="457200" y="1996601"/>
+            <a:ext cx="2955987" cy="1277273"/>
+          </a:xfrm>
+          <a:prstGeom prst="rect">
+            <a:avLst/>
+          </a:prstGeom>
+        </p:spPr>
+        <p:txBody>
+          <a:bodyPr wrap="square">
+            <a:spAutoFit/>
+          </a:bodyPr>
+          <a:lstStyle/>
+          <a:p>
+            <a:r>
+              <a:rPr lang="fr-FR" sz="1100" dirty="0" smtClean="0"/>
+              <a:t>Neural network:</a:t>
+            </a:r>
+          </a:p>
+          <a:p>
+            <a:r>
+              <a:rPr lang="fr-FR" sz="1100" dirty="0" smtClean="0"/>
+              <a:t>model </a:t>
+            </a:r>
+            <a:r>
+              <a:rPr lang="fr-FR" sz="1100" dirty="0"/>
+              <a:t>= </a:t>
+            </a:r>
+            <a:r>
+              <a:rPr lang="fr-FR" sz="1100" dirty="0" err="1"/>
+              <a:t>Sequential</a:t>
+            </a:r>
+            <a:r>
+              <a:rPr lang="fr-FR" sz="1100" dirty="0"/>
+              <a:t>()</a:t>
+            </a:r>
+          </a:p>
+          <a:p>
+            <a:r>
+              <a:rPr lang="fr-FR" sz="1100" dirty="0" err="1"/>
+              <a:t>model.add</a:t>
+            </a:r>
+            <a:r>
+              <a:rPr lang="fr-FR" sz="1100" dirty="0"/>
+              <a:t>(Dense(1024, </a:t>
+            </a:r>
+            <a:r>
+              <a:rPr lang="fr-FR" sz="1100" dirty="0" err="1"/>
+              <a:t>input_shape</a:t>
+            </a:r>
+            <a:r>
+              <a:rPr lang="fr-FR" sz="1100" dirty="0"/>
+              <a:t>=(3072,), activation="</a:t>
+            </a:r>
+            <a:r>
+              <a:rPr lang="fr-FR" sz="1100" dirty="0" err="1"/>
+              <a:t>sigmoid</a:t>
+            </a:r>
+            <a:r>
+              <a:rPr lang="fr-FR" sz="1100" dirty="0"/>
+              <a:t>"))</a:t>
+            </a:r>
+          </a:p>
+          <a:p>
+            <a:r>
+              <a:rPr lang="fr-FR" sz="1100" dirty="0" err="1"/>
+              <a:t>model.add</a:t>
+            </a:r>
+            <a:r>
+              <a:rPr lang="fr-FR" sz="1100" dirty="0"/>
+              <a:t>(Dense(512, activation="</a:t>
+            </a:r>
+            <a:r>
+              <a:rPr lang="fr-FR" sz="1100" dirty="0" err="1"/>
+              <a:t>sigmoid</a:t>
+            </a:r>
+            <a:r>
+              <a:rPr lang="fr-FR" sz="1100" dirty="0"/>
+              <a:t>"))</a:t>
+            </a:r>
+          </a:p>
+          <a:p>
+            <a:r>
+              <a:rPr lang="fr-FR" sz="1100" dirty="0" err="1"/>
+              <a:t>model.add</a:t>
+            </a:r>
+            <a:r>
+              <a:rPr lang="fr-FR" sz="1100" dirty="0"/>
+              <a:t>(Dense(</a:t>
+            </a:r>
+            <a:r>
+              <a:rPr lang="fr-FR" sz="1100" dirty="0" err="1"/>
+              <a:t>len</a:t>
+            </a:r>
+            <a:r>
+              <a:rPr lang="fr-FR" sz="1100" dirty="0"/>
+              <a:t>(</a:t>
+            </a:r>
+            <a:r>
+              <a:rPr lang="fr-FR" sz="1100" dirty="0" err="1"/>
+              <a:t>lb.classes</a:t>
+            </a:r>
+            <a:r>
+              <a:rPr lang="fr-FR" sz="1100" dirty="0"/>
+              <a:t>_), activation="</a:t>
+            </a:r>
+            <a:r>
+              <a:rPr lang="fr-FR" sz="1100" dirty="0" err="1"/>
+              <a:t>softmax</a:t>
+            </a:r>
+            <a:r>
+              <a:rPr lang="fr-FR" sz="1100" dirty="0"/>
+              <a:t>"))</a:t>
+            </a:r>
           </a:p>
         </p:txBody>
       </p:sp>
     </p:spTree>
     <p:extLst>
       <p:ext uri="{BB962C8B-B14F-4D97-AF65-F5344CB8AC3E}">
-        <p14:creationId xmlns:p14="http://schemas.microsoft.com/office/powerpoint/2010/main" val="3148642931"/>
+        <p14:creationId xmlns:p14="http://schemas.microsoft.com/office/powerpoint/2010/main" val="1200616673"/>
       </p:ext>
     </p:extLst>
   </p:cSld>
@@ -23600,10 +23463,546 @@
   <p:clrMapOvr>
     <a:masterClrMapping/>
   </p:clrMapOvr>
+  <p:timing>
+    <p:tnLst>
+      <p:par>
+        <p:cTn xmlns:p14="http://schemas.microsoft.com/office/powerpoint/2010/main" id="1" dur="indefinite" restart="never" nodeType="tmRoot"/>
+      </p:par>
+    </p:tnLst>
+  </p:timing>
 </p:sld>
 </file>
 
 <file path=ppt/slides/slide30.xml><?xml version="1.0" encoding="utf-8"?>
+<p:sld xmlns:a="http://schemas.openxmlformats.org/drawingml/2006/main" xmlns:r="http://schemas.openxmlformats.org/officeDocument/2006/relationships" xmlns:p="http://schemas.openxmlformats.org/presentationml/2006/main">
+  <p:cSld>
+    <p:spTree>
+      <p:nvGrpSpPr>
+        <p:cNvPr id="1" name=""/>
+        <p:cNvGrpSpPr/>
+        <p:nvPr/>
+      </p:nvGrpSpPr>
+      <p:grpSpPr>
+        <a:xfrm>
+          <a:off x="0" y="0"/>
+          <a:ext cx="0" cy="0"/>
+          <a:chOff x="0" y="0"/>
+          <a:chExt cx="0" cy="0"/>
+        </a:xfrm>
+      </p:grpSpPr>
+      <p:sp>
+        <p:nvSpPr>
+          <p:cNvPr id="2" name="Espace réservé du contenu 1"/>
+          <p:cNvSpPr>
+            <a:spLocks noGrp="1"/>
+          </p:cNvSpPr>
+          <p:nvPr>
+            <p:ph idx="1"/>
+          </p:nvPr>
+        </p:nvSpPr>
+        <p:spPr/>
+        <p:txBody>
+          <a:bodyPr>
+            <a:normAutofit fontScale="92500" lnSpcReduction="10000"/>
+          </a:bodyPr>
+          <a:lstStyle/>
+          <a:p>
+            <a:r>
+              <a:rPr lang="fr-FR" dirty="0" smtClean="0">
+                <a:solidFill>
+                  <a:srgbClr val="DAE6F6"/>
+                </a:solidFill>
+              </a:rPr>
+              <a:t>Part 1: data </a:t>
+            </a:r>
+            <a:r>
+              <a:rPr lang="fr-FR" dirty="0" err="1" smtClean="0">
+                <a:solidFill>
+                  <a:srgbClr val="DAE6F6"/>
+                </a:solidFill>
+              </a:rPr>
+              <a:t>analysis</a:t>
+            </a:r>
+            <a:endParaRPr lang="fr-FR" dirty="0" smtClean="0">
+              <a:solidFill>
+                <a:srgbClr val="DAE6F6"/>
+              </a:solidFill>
+            </a:endParaRPr>
+          </a:p>
+          <a:p>
+            <a:pPr lvl="1"/>
+            <a:r>
+              <a:rPr lang="fr-FR" dirty="0" smtClean="0">
+                <a:solidFill>
+                  <a:srgbClr val="DAE6F6"/>
+                </a:solidFill>
+              </a:rPr>
+              <a:t>Top </a:t>
+            </a:r>
+            <a:r>
+              <a:rPr lang="fr-FR" dirty="0" err="1" smtClean="0">
+                <a:solidFill>
+                  <a:srgbClr val="DAE6F6"/>
+                </a:solidFill>
+              </a:rPr>
+              <a:t>ten</a:t>
+            </a:r>
+            <a:r>
+              <a:rPr lang="fr-FR" dirty="0" smtClean="0">
+                <a:solidFill>
+                  <a:srgbClr val="DAE6F6"/>
+                </a:solidFill>
+              </a:rPr>
+              <a:t> </a:t>
+            </a:r>
+            <a:r>
+              <a:rPr lang="fr-FR" dirty="0" err="1" smtClean="0">
+                <a:solidFill>
+                  <a:srgbClr val="DAE6F6"/>
+                </a:solidFill>
+              </a:rPr>
+              <a:t>reactions</a:t>
+            </a:r>
+            <a:r>
+              <a:rPr lang="fr-FR" dirty="0" smtClean="0">
+                <a:solidFill>
+                  <a:srgbClr val="DAE6F6"/>
+                </a:solidFill>
+              </a:rPr>
+              <a:t> in five countries</a:t>
+            </a:r>
+          </a:p>
+          <a:p>
+            <a:pPr lvl="1"/>
+            <a:r>
+              <a:rPr lang="fr-FR" dirty="0" err="1" smtClean="0">
+                <a:solidFill>
+                  <a:srgbClr val="DAE6F6"/>
+                </a:solidFill>
+              </a:rPr>
+              <a:t>Map</a:t>
+            </a:r>
+            <a:r>
+              <a:rPr lang="fr-FR" dirty="0" smtClean="0">
+                <a:solidFill>
+                  <a:srgbClr val="DAE6F6"/>
+                </a:solidFill>
+              </a:rPr>
+              <a:t> </a:t>
+            </a:r>
+            <a:r>
+              <a:rPr lang="fr-FR" dirty="0" err="1" smtClean="0">
+                <a:solidFill>
+                  <a:srgbClr val="DAE6F6"/>
+                </a:solidFill>
+              </a:rPr>
+              <a:t>showing</a:t>
+            </a:r>
+            <a:r>
+              <a:rPr lang="fr-FR" dirty="0" smtClean="0">
+                <a:solidFill>
+                  <a:srgbClr val="DAE6F6"/>
+                </a:solidFill>
+              </a:rPr>
+              <a:t> for </a:t>
+            </a:r>
+            <a:r>
+              <a:rPr lang="fr-FR" dirty="0" err="1" smtClean="0">
+                <a:solidFill>
+                  <a:srgbClr val="DAE6F6"/>
+                </a:solidFill>
+              </a:rPr>
+              <a:t>each</a:t>
+            </a:r>
+            <a:r>
+              <a:rPr lang="fr-FR" dirty="0" smtClean="0">
+                <a:solidFill>
+                  <a:srgbClr val="DAE6F6"/>
+                </a:solidFill>
+              </a:rPr>
+              <a:t> country the </a:t>
+            </a:r>
+            <a:r>
+              <a:rPr lang="fr-FR" dirty="0" err="1" smtClean="0">
+                <a:solidFill>
+                  <a:srgbClr val="DAE6F6"/>
+                </a:solidFill>
+              </a:rPr>
+              <a:t>rank</a:t>
+            </a:r>
+            <a:r>
+              <a:rPr lang="fr-FR" dirty="0" smtClean="0">
+                <a:solidFill>
+                  <a:srgbClr val="DAE6F6"/>
+                </a:solidFill>
+              </a:rPr>
+              <a:t> of </a:t>
+            </a:r>
+            <a:r>
+              <a:rPr lang="fr-FR" dirty="0" err="1" smtClean="0">
+                <a:solidFill>
+                  <a:srgbClr val="DAE6F6"/>
+                </a:solidFill>
+              </a:rPr>
+              <a:t>selected</a:t>
+            </a:r>
+            <a:r>
+              <a:rPr lang="fr-FR" dirty="0" smtClean="0">
+                <a:solidFill>
+                  <a:srgbClr val="DAE6F6"/>
+                </a:solidFill>
+              </a:rPr>
+              <a:t> </a:t>
+            </a:r>
+            <a:r>
+              <a:rPr lang="fr-FR" dirty="0" err="1" smtClean="0">
+                <a:solidFill>
+                  <a:srgbClr val="DAE6F6"/>
+                </a:solidFill>
+              </a:rPr>
+              <a:t>reactions</a:t>
+            </a:r>
+            <a:endParaRPr lang="fr-FR" dirty="0" smtClean="0">
+              <a:solidFill>
+                <a:srgbClr val="DAE6F6"/>
+              </a:solidFill>
+            </a:endParaRPr>
+          </a:p>
+          <a:p>
+            <a:pPr lvl="1"/>
+            <a:r>
+              <a:rPr lang="fr-FR" dirty="0" smtClean="0">
+                <a:solidFill>
+                  <a:srgbClr val="DAE6F6"/>
+                </a:solidFill>
+              </a:rPr>
+              <a:t>Country count for top five </a:t>
+            </a:r>
+            <a:r>
+              <a:rPr lang="fr-FR" dirty="0" err="1" smtClean="0">
+                <a:solidFill>
+                  <a:srgbClr val="DAE6F6"/>
+                </a:solidFill>
+              </a:rPr>
+              <a:t>reactions</a:t>
+            </a:r>
+            <a:endParaRPr lang="fr-FR" dirty="0" smtClean="0">
+              <a:solidFill>
+                <a:srgbClr val="DAE6F6"/>
+              </a:solidFill>
+            </a:endParaRPr>
+          </a:p>
+          <a:p>
+            <a:r>
+              <a:rPr lang="fr-FR" dirty="0" smtClean="0">
+                <a:solidFill>
+                  <a:srgbClr val="DAE6F6"/>
+                </a:solidFill>
+              </a:rPr>
+              <a:t>Part 2: machine </a:t>
+            </a:r>
+            <a:r>
+              <a:rPr lang="fr-FR" dirty="0" err="1" smtClean="0">
+                <a:solidFill>
+                  <a:srgbClr val="DAE6F6"/>
+                </a:solidFill>
+              </a:rPr>
+              <a:t>learning</a:t>
+            </a:r>
+            <a:endParaRPr lang="fr-FR" dirty="0" smtClean="0">
+              <a:solidFill>
+                <a:srgbClr val="DAE6F6"/>
+              </a:solidFill>
+            </a:endParaRPr>
+          </a:p>
+          <a:p>
+            <a:pPr lvl="1"/>
+            <a:r>
+              <a:rPr lang="fr-FR" dirty="0" smtClean="0">
+                <a:solidFill>
+                  <a:srgbClr val="DAE6F6"/>
+                </a:solidFill>
+              </a:rPr>
+              <a:t>Question: if </a:t>
+            </a:r>
+            <a:r>
+              <a:rPr lang="fr-FR" dirty="0" err="1" smtClean="0">
+                <a:solidFill>
+                  <a:srgbClr val="DAE6F6"/>
+                </a:solidFill>
+              </a:rPr>
+              <a:t>some</a:t>
+            </a:r>
+            <a:r>
+              <a:rPr lang="fr-FR" dirty="0" smtClean="0">
+                <a:solidFill>
+                  <a:srgbClr val="DAE6F6"/>
+                </a:solidFill>
+              </a:rPr>
+              <a:t> country </a:t>
+            </a:r>
+            <a:r>
+              <a:rPr lang="fr-FR" dirty="0" err="1" smtClean="0">
+                <a:solidFill>
+                  <a:srgbClr val="DAE6F6"/>
+                </a:solidFill>
+              </a:rPr>
+              <a:t>names</a:t>
+            </a:r>
+            <a:r>
+              <a:rPr lang="fr-FR" dirty="0" smtClean="0">
+                <a:solidFill>
+                  <a:srgbClr val="DAE6F6"/>
+                </a:solidFill>
+              </a:rPr>
+              <a:t> are </a:t>
+            </a:r>
+            <a:r>
+              <a:rPr lang="fr-FR" dirty="0" err="1" smtClean="0">
+                <a:solidFill>
+                  <a:srgbClr val="DAE6F6"/>
+                </a:solidFill>
+              </a:rPr>
+              <a:t>missing</a:t>
+            </a:r>
+            <a:r>
+              <a:rPr lang="fr-FR" dirty="0" smtClean="0">
+                <a:solidFill>
+                  <a:srgbClr val="DAE6F6"/>
+                </a:solidFill>
+              </a:rPr>
+              <a:t> </a:t>
+            </a:r>
+            <a:r>
+              <a:rPr lang="fr-FR" dirty="0" err="1" smtClean="0">
+                <a:solidFill>
+                  <a:srgbClr val="DAE6F6"/>
+                </a:solidFill>
+              </a:rPr>
+              <a:t>from</a:t>
+            </a:r>
+            <a:r>
+              <a:rPr lang="fr-FR" dirty="0" smtClean="0">
+                <a:solidFill>
+                  <a:srgbClr val="DAE6F6"/>
+                </a:solidFill>
+              </a:rPr>
+              <a:t> the </a:t>
+            </a:r>
+            <a:r>
+              <a:rPr lang="fr-FR" dirty="0" err="1" smtClean="0">
+                <a:solidFill>
+                  <a:srgbClr val="DAE6F6"/>
+                </a:solidFill>
+              </a:rPr>
+              <a:t>database</a:t>
+            </a:r>
+            <a:r>
+              <a:rPr lang="fr-FR" dirty="0" smtClean="0">
+                <a:solidFill>
+                  <a:srgbClr val="DAE6F6"/>
+                </a:solidFill>
+              </a:rPr>
+              <a:t>, </a:t>
+            </a:r>
+            <a:r>
+              <a:rPr lang="fr-FR" dirty="0" err="1" smtClean="0">
+                <a:solidFill>
+                  <a:srgbClr val="DAE6F6"/>
+                </a:solidFill>
+              </a:rPr>
+              <a:t>can</a:t>
+            </a:r>
+            <a:r>
+              <a:rPr lang="fr-FR" dirty="0" smtClean="0">
+                <a:solidFill>
+                  <a:srgbClr val="DAE6F6"/>
+                </a:solidFill>
+              </a:rPr>
+              <a:t> </a:t>
+            </a:r>
+            <a:r>
+              <a:rPr lang="fr-FR" dirty="0" err="1" smtClean="0">
+                <a:solidFill>
+                  <a:srgbClr val="DAE6F6"/>
+                </a:solidFill>
+              </a:rPr>
+              <a:t>we</a:t>
+            </a:r>
+            <a:r>
+              <a:rPr lang="fr-FR" dirty="0" smtClean="0">
+                <a:solidFill>
+                  <a:srgbClr val="DAE6F6"/>
+                </a:solidFill>
+              </a:rPr>
+              <a:t> </a:t>
+            </a:r>
+            <a:r>
+              <a:rPr lang="fr-FR" dirty="0" err="1" smtClean="0">
+                <a:solidFill>
+                  <a:srgbClr val="DAE6F6"/>
+                </a:solidFill>
+              </a:rPr>
+              <a:t>recover</a:t>
+            </a:r>
+            <a:r>
+              <a:rPr lang="fr-FR" dirty="0" smtClean="0">
+                <a:solidFill>
+                  <a:srgbClr val="DAE6F6"/>
+                </a:solidFill>
+              </a:rPr>
+              <a:t> </a:t>
+            </a:r>
+            <a:r>
+              <a:rPr lang="fr-FR" dirty="0" err="1" smtClean="0">
+                <a:solidFill>
+                  <a:srgbClr val="DAE6F6"/>
+                </a:solidFill>
+              </a:rPr>
+              <a:t>them</a:t>
+            </a:r>
+            <a:r>
+              <a:rPr lang="fr-FR" dirty="0" smtClean="0">
+                <a:solidFill>
+                  <a:srgbClr val="DAE6F6"/>
+                </a:solidFill>
+              </a:rPr>
+              <a:t> </a:t>
+            </a:r>
+            <a:r>
+              <a:rPr lang="fr-FR" dirty="0" err="1" smtClean="0">
+                <a:solidFill>
+                  <a:srgbClr val="DAE6F6"/>
+                </a:solidFill>
+              </a:rPr>
+              <a:t>using</a:t>
+            </a:r>
+            <a:r>
+              <a:rPr lang="fr-FR" dirty="0" smtClean="0">
+                <a:solidFill>
+                  <a:srgbClr val="DAE6F6"/>
+                </a:solidFill>
+              </a:rPr>
+              <a:t> the </a:t>
+            </a:r>
+            <a:r>
+              <a:rPr lang="fr-FR" dirty="0" err="1" smtClean="0">
+                <a:solidFill>
+                  <a:srgbClr val="DAE6F6"/>
+                </a:solidFill>
+              </a:rPr>
+              <a:t>list</a:t>
+            </a:r>
+            <a:r>
+              <a:rPr lang="fr-FR" dirty="0" smtClean="0">
+                <a:solidFill>
+                  <a:srgbClr val="DAE6F6"/>
+                </a:solidFill>
+              </a:rPr>
+              <a:t> of </a:t>
+            </a:r>
+            <a:r>
+              <a:rPr lang="fr-FR" dirty="0" err="1" smtClean="0">
+                <a:solidFill>
+                  <a:srgbClr val="DAE6F6"/>
+                </a:solidFill>
+              </a:rPr>
+              <a:t>reactions</a:t>
+            </a:r>
+            <a:r>
+              <a:rPr lang="fr-FR" dirty="0" smtClean="0">
+                <a:solidFill>
+                  <a:srgbClr val="DAE6F6"/>
+                </a:solidFill>
+              </a:rPr>
+              <a:t>?</a:t>
+            </a:r>
+          </a:p>
+          <a:p>
+            <a:r>
+              <a:rPr lang="fr-FR" dirty="0" smtClean="0"/>
+              <a:t>Part 3: </a:t>
+            </a:r>
+            <a:r>
+              <a:rPr lang="fr-FR" dirty="0" err="1" smtClean="0"/>
+              <a:t>improvements</a:t>
+            </a:r>
+            <a:r>
+              <a:rPr lang="fr-FR" dirty="0" smtClean="0"/>
+              <a:t> and </a:t>
+            </a:r>
+            <a:r>
+              <a:rPr lang="fr-FR" dirty="0" err="1" smtClean="0"/>
+              <a:t>bibliography</a:t>
+            </a:r>
+            <a:endParaRPr lang="fr-FR" dirty="0" smtClean="0"/>
+          </a:p>
+          <a:p>
+            <a:pPr lvl="1"/>
+            <a:r>
+              <a:rPr lang="fr-FR" dirty="0" err="1" smtClean="0"/>
+              <a:t>Improvements</a:t>
+            </a:r>
+            <a:r>
+              <a:rPr lang="fr-FR" dirty="0" smtClean="0"/>
+              <a:t> </a:t>
+            </a:r>
+            <a:r>
+              <a:rPr lang="fr-FR" dirty="0" err="1" smtClean="0"/>
+              <a:t>needed</a:t>
+            </a:r>
+            <a:endParaRPr lang="fr-FR" dirty="0" smtClean="0"/>
+          </a:p>
+          <a:p>
+            <a:pPr lvl="1"/>
+            <a:r>
+              <a:rPr lang="fr-FR" dirty="0" err="1" smtClean="0"/>
+              <a:t>Bibliography</a:t>
+            </a:r>
+            <a:endParaRPr lang="fr-FR" dirty="0" smtClean="0"/>
+          </a:p>
+          <a:p>
+            <a:endParaRPr lang="fr-FR" dirty="0"/>
+          </a:p>
+        </p:txBody>
+      </p:sp>
+      <p:sp>
+        <p:nvSpPr>
+          <p:cNvPr id="3" name="Titre 2"/>
+          <p:cNvSpPr>
+            <a:spLocks noGrp="1"/>
+          </p:cNvSpPr>
+          <p:nvPr>
+            <p:ph type="title"/>
+          </p:nvPr>
+        </p:nvSpPr>
+        <p:spPr/>
+        <p:txBody>
+          <a:bodyPr/>
+          <a:lstStyle/>
+          <a:p>
+            <a:r>
+              <a:rPr lang="fr-FR" dirty="0" err="1" smtClean="0"/>
+              <a:t>Outline</a:t>
+            </a:r>
+            <a:endParaRPr lang="fr-FR" dirty="0"/>
+          </a:p>
+        </p:txBody>
+      </p:sp>
+    </p:spTree>
+    <p:extLst>
+      <p:ext uri="{BB962C8B-B14F-4D97-AF65-F5344CB8AC3E}">
+        <p14:creationId xmlns:p14="http://schemas.microsoft.com/office/powerpoint/2010/main" val="3148642931"/>
+      </p:ext>
+    </p:extLst>
+  </p:cSld>
+  <p:clrMapOvr>
+    <a:masterClrMapping/>
+  </p:clrMapOvr>
+</p:sld>
+</file>
+
+<file path=ppt/slides/slide31.xml><?xml version="1.0" encoding="utf-8"?>
 <p:sld xmlns:a="http://schemas.openxmlformats.org/drawingml/2006/main" xmlns:r="http://schemas.openxmlformats.org/officeDocument/2006/relationships" xmlns:p="http://schemas.openxmlformats.org/presentationml/2006/main">
   <p:cSld>
     <p:spTree>
@@ -24421,7 +24820,7 @@
 </p:sld>
 </file>
 
-<file path=ppt/slides/slide31.xml><?xml version="1.0" encoding="utf-8"?>
+<file path=ppt/slides/slide32.xml><?xml version="1.0" encoding="utf-8"?>
 <p:sld xmlns:a="http://schemas.openxmlformats.org/drawingml/2006/main" xmlns:r="http://schemas.openxmlformats.org/officeDocument/2006/relationships" xmlns:p="http://schemas.openxmlformats.org/presentationml/2006/main">
   <p:cSld>
     <p:spTree>
@@ -24508,7 +24907,7 @@
 </p:sld>
 </file>
 
-<file path=ppt/slides/slide32.xml><?xml version="1.0" encoding="utf-8"?>
+<file path=ppt/slides/slide33.xml><?xml version="1.0" encoding="utf-8"?>
 <p:sld xmlns:a="http://schemas.openxmlformats.org/drawingml/2006/main" xmlns:r="http://schemas.openxmlformats.org/officeDocument/2006/relationships" xmlns:p="http://schemas.openxmlformats.org/presentationml/2006/main">
   <p:cSld>
     <p:spTree>
@@ -24593,7 +24992,7 @@
 </p:sld>
 </file>
 
-<file path=ppt/slides/slide33.xml><?xml version="1.0" encoding="utf-8"?>
+<file path=ppt/slides/slide34.xml><?xml version="1.0" encoding="utf-8"?>
 <p:sld xmlns:a="http://schemas.openxmlformats.org/drawingml/2006/main" xmlns:r="http://schemas.openxmlformats.org/officeDocument/2006/relationships" xmlns:p="http://schemas.openxmlformats.org/presentationml/2006/main">
   <p:cSld>
     <p:spTree>
@@ -24678,7 +25077,7 @@
 </p:sld>
 </file>
 
-<file path=ppt/slides/slide34.xml><?xml version="1.0" encoding="utf-8"?>
+<file path=ppt/slides/slide35.xml><?xml version="1.0" encoding="utf-8"?>
 <p:sld xmlns:a="http://schemas.openxmlformats.org/drawingml/2006/main" xmlns:r="http://schemas.openxmlformats.org/officeDocument/2006/relationships" xmlns:p="http://schemas.openxmlformats.org/presentationml/2006/main">
   <p:cSld>
     <p:spTree>
@@ -24713,6 +25112,33 @@
           <a:lstStyle/>
           <a:p>
             <a:r>
+              <a:rPr lang="fr-FR" dirty="0" err="1" smtClean="0"/>
+              <a:t>What</a:t>
+            </a:r>
+            <a:r>
+              <a:rPr lang="fr-FR" dirty="0" smtClean="0"/>
+              <a:t> do people do </a:t>
+            </a:r>
+            <a:r>
+              <a:rPr lang="fr-FR" dirty="0" err="1" smtClean="0"/>
+              <a:t>with</a:t>
+            </a:r>
+            <a:r>
+              <a:rPr lang="fr-FR" dirty="0" smtClean="0"/>
+              <a:t> </a:t>
+            </a:r>
+            <a:r>
+              <a:rPr lang="fr-FR" dirty="0" err="1" smtClean="0"/>
+              <a:t>openFDA</a:t>
+            </a:r>
+            <a:r>
+              <a:rPr lang="fr-FR" dirty="0" smtClean="0"/>
+              <a:t>?</a:t>
+            </a:r>
+          </a:p>
+          <a:p>
+            <a:pPr lvl="1"/>
+            <a:r>
               <a:rPr lang="fr-FR" dirty="0" smtClean="0"/>
               <a:t>A lot of </a:t>
             </a:r>
@@ -24753,6 +25179,7 @@
             <a:endParaRPr lang="fr-FR" dirty="0" smtClean="0"/>
           </a:p>
           <a:p>
+            <a:pPr lvl="1"/>
             <a:r>
               <a:rPr lang="fr-FR" dirty="0" smtClean="0"/>
               <a:t>Google </a:t>
@@ -24767,7 +25194,7 @@
             </a:r>
           </a:p>
           <a:p>
-            <a:pPr lvl="1"/>
+            <a:pPr lvl="2"/>
             <a:r>
               <a:rPr lang="fr-FR" dirty="0" smtClean="0">
                 <a:hlinkClick r:id="rId2"/>
@@ -24777,7 +25204,7 @@
             <a:endParaRPr lang="fr-FR" dirty="0" smtClean="0"/>
           </a:p>
           <a:p>
-            <a:pPr lvl="1"/>
+            <a:pPr lvl="2"/>
             <a:r>
               <a:rPr lang="fr-FR" dirty="0" err="1" smtClean="0"/>
               <a:t>Papers</a:t>
@@ -24884,13 +25311,14 @@
             <a:endParaRPr lang="fr-FR" dirty="0" smtClean="0"/>
           </a:p>
           <a:p>
+            <a:pPr lvl="1"/>
             <a:r>
               <a:rPr lang="fr-FR" dirty="0" smtClean="0"/>
               <a:t>Google:</a:t>
             </a:r>
           </a:p>
           <a:p>
-            <a:pPr lvl="1"/>
+            <a:pPr lvl="2"/>
             <a:r>
               <a:rPr lang="fr-FR" dirty="0" err="1" smtClean="0"/>
               <a:t>https</a:t>
@@ -24940,7 +25368,7 @@
         <p:spPr/>
         <p:txBody>
           <a:bodyPr>
-            <a:normAutofit fontScale="90000"/>
+            <a:normAutofit/>
           </a:bodyPr>
           <a:lstStyle/>
           <a:p>
@@ -24949,32 +25377,16 @@
               <a:t>Bibliography</a:t>
             </a:r>
             <a:r>
-              <a:rPr lang="fr-FR" dirty="0" smtClean="0"/>
-              <a:t>: </a:t>
-            </a:r>
-            <a:r>
-              <a:rPr lang="fr-FR" dirty="0" err="1" smtClean="0"/>
-              <a:t>what</a:t>
-            </a:r>
-            <a:r>
-              <a:rPr lang="fr-FR" dirty="0" smtClean="0"/>
-              <a:t> do people do </a:t>
-            </a:r>
-            <a:r>
-              <a:rPr lang="fr-FR" dirty="0" err="1" smtClean="0"/>
-              <a:t>with</a:t>
-            </a:r>
-            <a:r>
-              <a:rPr lang="fr-FR" dirty="0" smtClean="0"/>
-              <a:t> </a:t>
-            </a:r>
-            <a:r>
-              <a:rPr lang="fr-FR" dirty="0" err="1" smtClean="0"/>
-              <a:t>openFDA</a:t>
-            </a:r>
-            <a:r>
-              <a:rPr lang="fr-FR" dirty="0" smtClean="0"/>
-              <a:t>? (1)</a:t>
+              <a:rPr lang="fr-FR" dirty="0"/>
+              <a:t> </a:t>
+            </a:r>
+            <a:r>
+              <a:rPr lang="fr-FR" dirty="0" smtClean="0"/>
+              <a:t>(</a:t>
+            </a:r>
+            <a:r>
+              <a:rPr lang="fr-FR" dirty="0" smtClean="0"/>
+              <a:t>1)</a:t>
             </a:r>
             <a:endParaRPr lang="fr-FR" dirty="0"/>
           </a:p>
@@ -24984,224 +25396,6 @@
     <p:extLst>
       <p:ext uri="{BB962C8B-B14F-4D97-AF65-F5344CB8AC3E}">
         <p14:creationId xmlns:p14="http://schemas.microsoft.com/office/powerpoint/2010/main" val="814334790"/>
-      </p:ext>
-    </p:extLst>
-  </p:cSld>
-  <p:clrMapOvr>
-    <a:masterClrMapping/>
-  </p:clrMapOvr>
-</p:sld>
-</file>
-
-<file path=ppt/slides/slide35.xml><?xml version="1.0" encoding="utf-8"?>
-<p:sld xmlns:a="http://schemas.openxmlformats.org/drawingml/2006/main" xmlns:r="http://schemas.openxmlformats.org/officeDocument/2006/relationships" xmlns:p="http://schemas.openxmlformats.org/presentationml/2006/main">
-  <p:cSld>
-    <p:spTree>
-      <p:nvGrpSpPr>
-        <p:cNvPr id="1" name=""/>
-        <p:cNvGrpSpPr/>
-        <p:nvPr/>
-      </p:nvGrpSpPr>
-      <p:grpSpPr>
-        <a:xfrm>
-          <a:off x="0" y="0"/>
-          <a:ext cx="0" cy="0"/>
-          <a:chOff x="0" y="0"/>
-          <a:chExt cx="0" cy="0"/>
-        </a:xfrm>
-      </p:grpSpPr>
-      <p:sp>
-        <p:nvSpPr>
-          <p:cNvPr id="3" name="Espace réservé du contenu 2"/>
-          <p:cNvSpPr>
-            <a:spLocks noGrp="1"/>
-          </p:cNvSpPr>
-          <p:nvPr>
-            <p:ph idx="1"/>
-          </p:nvPr>
-        </p:nvSpPr>
-        <p:spPr/>
-        <p:txBody>
-          <a:bodyPr>
-            <a:normAutofit fontScale="92500" lnSpcReduction="10000"/>
-          </a:bodyPr>
-          <a:lstStyle/>
-          <a:p>
-            <a:r>
-              <a:rPr lang="fr-FR" dirty="0" smtClean="0"/>
-              <a:t>I </a:t>
-            </a:r>
-            <a:r>
-              <a:rPr lang="fr-FR" dirty="0" err="1" smtClean="0"/>
-              <a:t>like</a:t>
-            </a:r>
-            <a:r>
-              <a:rPr lang="fr-FR" dirty="0" smtClean="0"/>
-              <a:t>:</a:t>
-            </a:r>
-          </a:p>
-          <a:p>
-            <a:pPr lvl="1"/>
-            <a:r>
-              <a:rPr lang="fr-FR" dirty="0" smtClean="0"/>
-              <a:t>Paper from the Nature group </a:t>
-            </a:r>
-            <a:r>
-              <a:rPr lang="fr-FR" dirty="0" err="1" smtClean="0"/>
-              <a:t>using</a:t>
-            </a:r>
-            <a:r>
-              <a:rPr lang="fr-FR" dirty="0" smtClean="0"/>
-              <a:t> machine </a:t>
-            </a:r>
-            <a:r>
-              <a:rPr lang="fr-FR" dirty="0" err="1" smtClean="0"/>
-              <a:t>learning</a:t>
-            </a:r>
-            <a:r>
-              <a:rPr lang="fr-FR" dirty="0" smtClean="0"/>
-              <a:t>: </a:t>
-            </a:r>
-            <a:r>
-              <a:rPr lang="fr-FR" dirty="0" smtClean="0">
-                <a:hlinkClick r:id="rId2"/>
-              </a:rPr>
-              <a:t>https://www.ncbi.nlm.nih.gov/pmc/articles/PMC5703951/</a:t>
-            </a:r>
-            <a:endParaRPr lang="fr-FR" dirty="0" smtClean="0">
-              <a:hlinkClick r:id="rId3"/>
-            </a:endParaRPr>
-          </a:p>
-          <a:p>
-            <a:pPr lvl="1"/>
-            <a:r>
-              <a:rPr lang="fr-FR" dirty="0" smtClean="0">
-                <a:hlinkClick r:id="rId4"/>
-              </a:rPr>
-              <a:t>https://fda.fa17.rcdilorenzo.io/</a:t>
-            </a:r>
-            <a:endParaRPr lang="fr-FR" dirty="0" smtClean="0"/>
-          </a:p>
-          <a:p>
-            <a:pPr lvl="1"/>
-            <a:endParaRPr lang="fr-FR" dirty="0" smtClean="0">
-              <a:hlinkClick r:id="rId3"/>
-            </a:endParaRPr>
-          </a:p>
-          <a:p>
-            <a:r>
-              <a:rPr lang="fr-FR" dirty="0" smtClean="0"/>
-              <a:t>I have not looked at:</a:t>
-            </a:r>
-            <a:endParaRPr lang="fr-FR" dirty="0">
-              <a:hlinkClick r:id="rId3"/>
-            </a:endParaRPr>
-          </a:p>
-          <a:p>
-            <a:pPr lvl="1"/>
-            <a:r>
-              <a:rPr lang="fr-FR" dirty="0" smtClean="0">
-                <a:hlinkClick r:id="rId3"/>
-              </a:rPr>
-              <a:t>https://github.com/akamlani/openfda</a:t>
-            </a:r>
-            <a:endParaRPr lang="fr-FR" dirty="0" smtClean="0"/>
-          </a:p>
-          <a:p>
-            <a:pPr lvl="1"/>
-            <a:r>
-              <a:rPr lang="fr-FR" dirty="0" smtClean="0">
-                <a:hlinkClick r:id="rId5"/>
-              </a:rPr>
-              <a:t>https://github.com/FDA/openfda</a:t>
-            </a:r>
-            <a:r>
-              <a:rPr lang="fr-FR" dirty="0" smtClean="0"/>
-              <a:t>	</a:t>
-            </a:r>
-          </a:p>
-          <a:p>
-            <a:pPr lvl="1"/>
-            <a:r>
-              <a:rPr lang="fr-FR" dirty="0" smtClean="0">
-                <a:hlinkClick r:id="rId6"/>
-              </a:rPr>
-              <a:t>https://github.com/FDA/open.fda.gov</a:t>
-            </a:r>
-            <a:endParaRPr lang="fr-FR" dirty="0" smtClean="0"/>
-          </a:p>
-          <a:p>
-            <a:pPr lvl="1"/>
-            <a:r>
-              <a:rPr lang="fr-FR" dirty="0" smtClean="0">
-                <a:hlinkClick r:id="rId7"/>
-              </a:rPr>
-              <a:t>https://github.com/STSILABS/open-fda</a:t>
-            </a:r>
-            <a:endParaRPr lang="fr-FR" dirty="0" smtClean="0"/>
-          </a:p>
-          <a:p>
-            <a:endParaRPr lang="fr-FR" dirty="0"/>
-          </a:p>
-        </p:txBody>
-      </p:sp>
-      <p:sp>
-        <p:nvSpPr>
-          <p:cNvPr id="2" name="Titre 1"/>
-          <p:cNvSpPr>
-            <a:spLocks noGrp="1"/>
-          </p:cNvSpPr>
-          <p:nvPr>
-            <p:ph type="title"/>
-          </p:nvPr>
-        </p:nvSpPr>
-        <p:spPr/>
-        <p:txBody>
-          <a:bodyPr>
-            <a:normAutofit fontScale="90000"/>
-          </a:bodyPr>
-          <a:lstStyle/>
-          <a:p>
-            <a:r>
-              <a:rPr lang="fr-FR" dirty="0" err="1" smtClean="0"/>
-              <a:t>Bibliography</a:t>
-            </a:r>
-            <a:r>
-              <a:rPr lang="fr-FR" dirty="0" smtClean="0"/>
-              <a:t>: </a:t>
-            </a:r>
-            <a:r>
-              <a:rPr lang="fr-FR" dirty="0" err="1" smtClean="0"/>
-              <a:t>what</a:t>
-            </a:r>
-            <a:r>
-              <a:rPr lang="fr-FR" dirty="0" smtClean="0"/>
-              <a:t> do people do </a:t>
-            </a:r>
-            <a:r>
-              <a:rPr lang="fr-FR" dirty="0" err="1" smtClean="0"/>
-              <a:t>with</a:t>
-            </a:r>
-            <a:r>
-              <a:rPr lang="fr-FR" dirty="0" smtClean="0"/>
-              <a:t> </a:t>
-            </a:r>
-            <a:r>
-              <a:rPr lang="fr-FR" dirty="0" err="1" smtClean="0"/>
-              <a:t>openFDA</a:t>
-            </a:r>
-            <a:r>
-              <a:rPr lang="fr-FR" dirty="0" smtClean="0"/>
-              <a:t>? (2)</a:t>
-            </a:r>
-            <a:endParaRPr lang="fr-FR" dirty="0"/>
-          </a:p>
-        </p:txBody>
-      </p:sp>
-    </p:spTree>
-    <p:extLst>
-      <p:ext uri="{BB962C8B-B14F-4D97-AF65-F5344CB8AC3E}">
-        <p14:creationId xmlns:p14="http://schemas.microsoft.com/office/powerpoint/2010/main" val="3454890469"/>
       </p:ext>
     </p:extLst>
   </p:cSld>
@@ -25241,17 +25435,59 @@
         <p:spPr/>
         <p:txBody>
           <a:bodyPr>
-            <a:normAutofit fontScale="85000" lnSpcReduction="20000"/>
+            <a:normAutofit fontScale="92500" lnSpcReduction="20000"/>
           </a:bodyPr>
           <a:lstStyle/>
           <a:p>
             <a:r>
-              <a:rPr lang="fr-FR" dirty="0" smtClean="0"/>
-              <a:t>Not </a:t>
-            </a:r>
-            <a:r>
-              <a:rPr lang="fr-FR" dirty="0" err="1" smtClean="0"/>
-              <a:t>much</a:t>
+              <a:rPr lang="fr-FR" dirty="0" err="1"/>
+              <a:t>What</a:t>
+            </a:r>
+            <a:r>
+              <a:rPr lang="fr-FR" dirty="0"/>
+              <a:t> do people do </a:t>
+            </a:r>
+            <a:r>
+              <a:rPr lang="fr-FR" dirty="0" err="1"/>
+              <a:t>with</a:t>
+            </a:r>
+            <a:r>
+              <a:rPr lang="fr-FR" dirty="0"/>
+              <a:t> </a:t>
+            </a:r>
+            <a:r>
+              <a:rPr lang="fr-FR" dirty="0" err="1"/>
+              <a:t>openFDA</a:t>
+            </a:r>
+            <a:r>
+              <a:rPr lang="fr-FR" dirty="0"/>
+              <a:t>?</a:t>
+            </a:r>
+          </a:p>
+          <a:p>
+            <a:pPr lvl="1"/>
+            <a:r>
+              <a:rPr lang="fr-FR" dirty="0" smtClean="0"/>
+              <a:t>I </a:t>
+            </a:r>
+            <a:r>
+              <a:rPr lang="fr-FR" dirty="0" err="1" smtClean="0"/>
+              <a:t>like</a:t>
+            </a:r>
+            <a:r>
+              <a:rPr lang="fr-FR" dirty="0" smtClean="0"/>
+              <a:t>:</a:t>
+            </a:r>
+          </a:p>
+          <a:p>
+            <a:pPr lvl="2"/>
+            <a:r>
+              <a:rPr lang="fr-FR" dirty="0" smtClean="0"/>
+              <a:t>Paper from the Nature group </a:t>
+            </a:r>
+            <a:r>
+              <a:rPr lang="fr-FR" dirty="0" err="1" smtClean="0"/>
+              <a:t>using</a:t>
             </a:r>
             <a:r>
               <a:rPr lang="fr-FR" dirty="0" smtClean="0"/>
@@ -25263,38 +25499,171 @@
             </a:r>
             <a:r>
               <a:rPr lang="fr-FR" dirty="0" smtClean="0"/>
-              <a:t> </a:t>
-            </a:r>
-            <a:r>
-              <a:rPr lang="fr-FR" dirty="0" err="1" smtClean="0"/>
-              <a:t>applied</a:t>
-            </a:r>
-            <a:r>
-              <a:rPr lang="fr-FR" dirty="0" smtClean="0"/>
-              <a:t> to the </a:t>
-            </a:r>
-            <a:r>
-              <a:rPr lang="fr-FR" dirty="0" err="1" smtClean="0"/>
-              <a:t>openFDA</a:t>
-            </a:r>
-            <a:r>
-              <a:rPr lang="fr-FR" dirty="0" smtClean="0"/>
-              <a:t> </a:t>
-            </a:r>
-            <a:r>
-              <a:rPr lang="fr-FR" dirty="0" err="1" smtClean="0"/>
-              <a:t>database</a:t>
-            </a:r>
-            <a:r>
-              <a:rPr lang="fr-FR" dirty="0" smtClean="0"/>
-              <a:t> </a:t>
-            </a:r>
-            <a:r>
-              <a:rPr lang="fr-FR" dirty="0" err="1" smtClean="0"/>
-              <a:t>yet</a:t>
+              <a:t>: </a:t>
+            </a:r>
+            <a:r>
+              <a:rPr lang="fr-FR" dirty="0" smtClean="0">
+                <a:hlinkClick r:id="rId2"/>
+              </a:rPr>
+              <a:t>https://www.ncbi.nlm.nih.gov/pmc/articles/PMC5703951/</a:t>
+            </a:r>
+            <a:endParaRPr lang="fr-FR" dirty="0" smtClean="0">
+              <a:hlinkClick r:id="rId3"/>
+            </a:endParaRPr>
+          </a:p>
+          <a:p>
+            <a:pPr lvl="2"/>
+            <a:r>
+              <a:rPr lang="fr-FR" dirty="0" smtClean="0">
+                <a:hlinkClick r:id="rId4"/>
+              </a:rPr>
+              <a:t>https://fda.fa17.rcdilorenzo.io/</a:t>
             </a:r>
             <a:endParaRPr lang="fr-FR" dirty="0" smtClean="0"/>
           </a:p>
+          <a:p>
+            <a:pPr lvl="1"/>
+            <a:endParaRPr lang="fr-FR" dirty="0" smtClean="0">
+              <a:hlinkClick r:id="rId3"/>
+            </a:endParaRPr>
+          </a:p>
+          <a:p>
+            <a:pPr lvl="1"/>
+            <a:r>
+              <a:rPr lang="fr-FR" dirty="0" smtClean="0"/>
+              <a:t>I have not looked at:</a:t>
+            </a:r>
+            <a:endParaRPr lang="fr-FR" dirty="0">
+              <a:hlinkClick r:id="rId3"/>
+            </a:endParaRPr>
+          </a:p>
+          <a:p>
+            <a:pPr lvl="2"/>
+            <a:r>
+              <a:rPr lang="fr-FR" dirty="0" smtClean="0">
+                <a:hlinkClick r:id="rId3"/>
+              </a:rPr>
+              <a:t>https://github.com/akamlani/openfda</a:t>
+            </a:r>
+            <a:endParaRPr lang="fr-FR" dirty="0" smtClean="0"/>
+          </a:p>
+          <a:p>
+            <a:pPr lvl="2"/>
+            <a:r>
+              <a:rPr lang="fr-FR" dirty="0" smtClean="0">
+                <a:hlinkClick r:id="rId5"/>
+              </a:rPr>
+              <a:t>https://github.com/FDA/openfda</a:t>
+            </a:r>
+            <a:r>
+              <a:rPr lang="fr-FR" dirty="0" smtClean="0"/>
+              <a:t>	</a:t>
+            </a:r>
+          </a:p>
+          <a:p>
+            <a:pPr lvl="2"/>
+            <a:r>
+              <a:rPr lang="fr-FR" dirty="0" smtClean="0">
+                <a:hlinkClick r:id="rId6"/>
+              </a:rPr>
+              <a:t>https://github.com/FDA/open.fda.gov</a:t>
+            </a:r>
+            <a:endParaRPr lang="fr-FR" dirty="0" smtClean="0"/>
+          </a:p>
+          <a:p>
+            <a:pPr lvl="2"/>
+            <a:r>
+              <a:rPr lang="fr-FR" dirty="0" smtClean="0">
+                <a:hlinkClick r:id="rId7"/>
+              </a:rPr>
+              <a:t>https://github.com/STSILABS/open-fda</a:t>
+            </a:r>
+            <a:endParaRPr lang="fr-FR" dirty="0" smtClean="0"/>
+          </a:p>
+          <a:p>
+            <a:endParaRPr lang="fr-FR" dirty="0"/>
+          </a:p>
+        </p:txBody>
+      </p:sp>
+      <p:sp>
+        <p:nvSpPr>
+          <p:cNvPr id="2" name="Titre 1"/>
+          <p:cNvSpPr>
+            <a:spLocks noGrp="1"/>
+          </p:cNvSpPr>
+          <p:nvPr>
+            <p:ph type="title"/>
+          </p:nvPr>
+        </p:nvSpPr>
+        <p:spPr/>
+        <p:txBody>
+          <a:bodyPr>
+            <a:normAutofit/>
+          </a:bodyPr>
+          <a:lstStyle/>
+          <a:p>
+            <a:r>
+              <a:rPr lang="fr-FR" dirty="0" err="1" smtClean="0"/>
+              <a:t>Bibliography</a:t>
+            </a:r>
+            <a:r>
+              <a:rPr lang="fr-FR" dirty="0" smtClean="0"/>
+              <a:t> (</a:t>
+            </a:r>
+            <a:r>
+              <a:rPr lang="fr-FR" dirty="0" smtClean="0"/>
+              <a:t>2)</a:t>
+            </a:r>
+            <a:endParaRPr lang="fr-FR" dirty="0"/>
+          </a:p>
+        </p:txBody>
+      </p:sp>
+    </p:spTree>
+    <p:extLst>
+      <p:ext uri="{BB962C8B-B14F-4D97-AF65-F5344CB8AC3E}">
+        <p14:creationId xmlns:p14="http://schemas.microsoft.com/office/powerpoint/2010/main" val="3454890469"/>
+      </p:ext>
+    </p:extLst>
+  </p:cSld>
+  <p:clrMapOvr>
+    <a:masterClrMapping/>
+  </p:clrMapOvr>
+</p:sld>
+</file>
+
+<file path=ppt/slides/slide37.xml><?xml version="1.0" encoding="utf-8"?>
+<p:sld xmlns:a="http://schemas.openxmlformats.org/drawingml/2006/main" xmlns:r="http://schemas.openxmlformats.org/officeDocument/2006/relationships" xmlns:p="http://schemas.openxmlformats.org/presentationml/2006/main">
+  <p:cSld>
+    <p:spTree>
+      <p:nvGrpSpPr>
+        <p:cNvPr id="1" name=""/>
+        <p:cNvGrpSpPr/>
+        <p:nvPr/>
+      </p:nvGrpSpPr>
+      <p:grpSpPr>
+        <a:xfrm>
+          <a:off x="0" y="0"/>
+          <a:ext cx="0" cy="0"/>
+          <a:chOff x="0" y="0"/>
+          <a:chExt cx="0" cy="0"/>
+        </a:xfrm>
+      </p:grpSpPr>
+      <p:sp>
+        <p:nvSpPr>
+          <p:cNvPr id="3" name="Espace réservé du contenu 2"/>
+          <p:cNvSpPr>
+            <a:spLocks noGrp="1"/>
+          </p:cNvSpPr>
+          <p:nvPr>
+            <p:ph idx="1"/>
+          </p:nvPr>
+        </p:nvSpPr>
+        <p:spPr/>
+        <p:txBody>
+          <a:bodyPr>
+            <a:normAutofit fontScale="92500" lnSpcReduction="10000"/>
+          </a:bodyPr>
+          <a:lstStyle/>
           <a:p>
             <a:r>
               <a:rPr lang="fr-FR" dirty="0" err="1" smtClean="0"/>
@@ -25646,8 +26015,12 @@
               <a:t>Bibliography</a:t>
             </a:r>
             <a:r>
-              <a:rPr lang="fr-FR" dirty="0" smtClean="0"/>
-              <a:t>: Conclusion</a:t>
+              <a:rPr lang="fr-FR" dirty="0"/>
+              <a:t> </a:t>
+            </a:r>
+            <a:r>
+              <a:rPr lang="fr-FR" dirty="0" smtClean="0"/>
+              <a:t>(3)</a:t>
             </a:r>
             <a:endParaRPr lang="fr-FR" dirty="0"/>
           </a:p>
@@ -25666,7 +26039,7 @@
 </p:sld>
 </file>
 
-<file path=ppt/slides/slide37.xml><?xml version="1.0" encoding="utf-8"?>
+<file path=ppt/slides/slide38.xml><?xml version="1.0" encoding="utf-8"?>
 <p:sld xmlns:a="http://schemas.openxmlformats.org/drawingml/2006/main" xmlns:r="http://schemas.openxmlformats.org/officeDocument/2006/relationships" xmlns:p="http://schemas.openxmlformats.org/presentationml/2006/main">
   <p:cSld>
     <p:spTree>
@@ -25929,7 +26302,7 @@
 </p:sld>
 </file>
 
-<file path=ppt/slides/slide38.xml><?xml version="1.0" encoding="utf-8"?>
+<file path=ppt/slides/slide39.xml><?xml version="1.0" encoding="utf-8"?>
 <p:sld xmlns:a="http://schemas.openxmlformats.org/drawingml/2006/main" xmlns:r="http://schemas.openxmlformats.org/officeDocument/2006/relationships" xmlns:p="http://schemas.openxmlformats.org/presentationml/2006/main">
   <p:cSld>
     <p:spTree>
@@ -26167,8 +26540,9 @@
             </a:r>
             <a:r>
               <a:rPr lang="fr-FR" dirty="0" smtClean="0"/>
-              <a:t>), </a:t>
-            </a:r>
+              <a:t>) </a:t>
+            </a:r>
+            <a:endParaRPr lang="fr-FR" dirty="0" smtClean="0"/>
           </a:p>
           <a:p>
             <a:pPr lvl="1"/>
@@ -26310,66 +26684,6 @@
     <p:extLst>
       <p:ext uri="{BB962C8B-B14F-4D97-AF65-F5344CB8AC3E}">
         <p14:creationId xmlns:p14="http://schemas.microsoft.com/office/powerpoint/2010/main" val="2192985615"/>
-      </p:ext>
-    </p:extLst>
-  </p:cSld>
-  <p:clrMapOvr>
-    <a:masterClrMapping/>
-  </p:clrMapOvr>
-</p:sld>
-</file>
-
-<file path=ppt/slides/slide39.xml><?xml version="1.0" encoding="utf-8"?>
-<p:sld xmlns:a="http://schemas.openxmlformats.org/drawingml/2006/main" xmlns:r="http://schemas.openxmlformats.org/officeDocument/2006/relationships" xmlns:p="http://schemas.openxmlformats.org/presentationml/2006/main">
-  <p:cSld>
-    <p:spTree>
-      <p:nvGrpSpPr>
-        <p:cNvPr id="1" name=""/>
-        <p:cNvGrpSpPr/>
-        <p:nvPr/>
-      </p:nvGrpSpPr>
-      <p:grpSpPr>
-        <a:xfrm>
-          <a:off x="0" y="0"/>
-          <a:ext cx="0" cy="0"/>
-          <a:chOff x="0" y="0"/>
-          <a:chExt cx="0" cy="0"/>
-        </a:xfrm>
-      </p:grpSpPr>
-      <p:pic>
-        <p:nvPicPr>
-          <p:cNvPr id="5" name="Image 4" descr="Screen Shot 2018-09-10 at 10.44.53 AM.png"/>
-          <p:cNvPicPr>
-            <a:picLocks noChangeAspect="1"/>
-          </p:cNvPicPr>
-          <p:nvPr/>
-        </p:nvPicPr>
-        <p:blipFill>
-          <a:blip r:embed="rId2">
-            <a:extLst>
-              <a:ext uri="{28A0092B-C50C-407E-A947-70E740481C1C}">
-                <a14:useLocalDpi xmlns:a14="http://schemas.microsoft.com/office/drawing/2010/main" val="0"/>
-              </a:ext>
-            </a:extLst>
-          </a:blip>
-          <a:stretch>
-            <a:fillRect/>
-          </a:stretch>
-        </p:blipFill>
-        <p:spPr>
-          <a:xfrm>
-            <a:off x="0" y="747070"/>
-            <a:ext cx="9144000" cy="5414660"/>
-          </a:xfrm>
-          <a:prstGeom prst="rect">
-            <a:avLst/>
-          </a:prstGeom>
-        </p:spPr>
-      </p:pic>
-    </p:spTree>
-    <p:extLst>
-      <p:ext uri="{BB962C8B-B14F-4D97-AF65-F5344CB8AC3E}">
-        <p14:creationId xmlns:p14="http://schemas.microsoft.com/office/powerpoint/2010/main" val="3738861609"/>
       </p:ext>
     </p:extLst>
   </p:cSld>
@@ -26467,10 +26781,77 @@
   <p:clrMapOvr>
     <a:masterClrMapping/>
   </p:clrMapOvr>
+  <p:timing>
+    <p:tnLst>
+      <p:par>
+        <p:cTn xmlns:p14="http://schemas.microsoft.com/office/powerpoint/2010/main" id="1" dur="indefinite" restart="never" nodeType="tmRoot"/>
+      </p:par>
+    </p:tnLst>
+  </p:timing>
 </p:sld>
 </file>
 
 <file path=ppt/slides/slide40.xml><?xml version="1.0" encoding="utf-8"?>
+<p:sld xmlns:a="http://schemas.openxmlformats.org/drawingml/2006/main" xmlns:r="http://schemas.openxmlformats.org/officeDocument/2006/relationships" xmlns:p="http://schemas.openxmlformats.org/presentationml/2006/main">
+  <p:cSld>
+    <p:spTree>
+      <p:nvGrpSpPr>
+        <p:cNvPr id="1" name=""/>
+        <p:cNvGrpSpPr/>
+        <p:nvPr/>
+      </p:nvGrpSpPr>
+      <p:grpSpPr>
+        <a:xfrm>
+          <a:off x="0" y="0"/>
+          <a:ext cx="0" cy="0"/>
+          <a:chOff x="0" y="0"/>
+          <a:chExt cx="0" cy="0"/>
+        </a:xfrm>
+      </p:grpSpPr>
+      <p:pic>
+        <p:nvPicPr>
+          <p:cNvPr id="5" name="Image 4" descr="Screen Shot 2018-09-10 at 10.44.53 AM.png"/>
+          <p:cNvPicPr>
+            <a:picLocks noChangeAspect="1"/>
+          </p:cNvPicPr>
+          <p:nvPr/>
+        </p:nvPicPr>
+        <p:blipFill>
+          <a:blip r:embed="rId2">
+            <a:extLst>
+              <a:ext uri="{28A0092B-C50C-407E-A947-70E740481C1C}">
+                <a14:useLocalDpi xmlns:a14="http://schemas.microsoft.com/office/drawing/2010/main" val="0"/>
+              </a:ext>
+            </a:extLst>
+          </a:blip>
+          <a:stretch>
+            <a:fillRect/>
+          </a:stretch>
+        </p:blipFill>
+        <p:spPr>
+          <a:xfrm>
+            <a:off x="0" y="747070"/>
+            <a:ext cx="9144000" cy="5414660"/>
+          </a:xfrm>
+          <a:prstGeom prst="rect">
+            <a:avLst/>
+          </a:prstGeom>
+        </p:spPr>
+      </p:pic>
+    </p:spTree>
+    <p:extLst>
+      <p:ext uri="{BB962C8B-B14F-4D97-AF65-F5344CB8AC3E}">
+        <p14:creationId xmlns:p14="http://schemas.microsoft.com/office/powerpoint/2010/main" val="3738861609"/>
+      </p:ext>
+    </p:extLst>
+  </p:cSld>
+  <p:clrMapOvr>
+    <a:masterClrMapping/>
+  </p:clrMapOvr>
+</p:sld>
+</file>
+
+<file path=ppt/slides/slide41.xml><?xml version="1.0" encoding="utf-8"?>
 <p:sld xmlns:a="http://schemas.openxmlformats.org/drawingml/2006/main" xmlns:r="http://schemas.openxmlformats.org/officeDocument/2006/relationships" xmlns:p="http://schemas.openxmlformats.org/presentationml/2006/main">
   <p:cSld>
     <p:spTree>
@@ -26892,6 +27273,13 @@
   <p:clrMapOvr>
     <a:masterClrMapping/>
   </p:clrMapOvr>
+  <p:timing>
+    <p:tnLst>
+      <p:par>
+        <p:cTn xmlns:p14="http://schemas.microsoft.com/office/powerpoint/2010/main" id="1" dur="indefinite" restart="never" nodeType="tmRoot"/>
+      </p:par>
+    </p:tnLst>
+  </p:timing>
 </p:sld>
 </file>
 
@@ -26982,6 +27370,13 @@
   <p:clrMapOvr>
     <a:masterClrMapping/>
   </p:clrMapOvr>
+  <p:timing>
+    <p:tnLst>
+      <p:par>
+        <p:cTn xmlns:p14="http://schemas.microsoft.com/office/powerpoint/2010/main" id="1" dur="indefinite" restart="never" nodeType="tmRoot"/>
+      </p:par>
+    </p:tnLst>
+  </p:timing>
 </p:sld>
 </file>
 
@@ -27072,6 +27467,13 @@
   <p:clrMapOvr>
     <a:masterClrMapping/>
   </p:clrMapOvr>
+  <p:timing>
+    <p:tnLst>
+      <p:par>
+        <p:cTn xmlns:p14="http://schemas.microsoft.com/office/powerpoint/2010/main" id="1" dur="indefinite" restart="never" nodeType="tmRoot"/>
+      </p:par>
+    </p:tnLst>
+  </p:timing>
 </p:sld>
 </file>
 
@@ -27162,6 +27564,13 @@
   <p:clrMapOvr>
     <a:masterClrMapping/>
   </p:clrMapOvr>
+  <p:timing>
+    <p:tnLst>
+      <p:par>
+        <p:cTn xmlns:p14="http://schemas.microsoft.com/office/powerpoint/2010/main" id="1" dur="indefinite" restart="never" nodeType="tmRoot"/>
+      </p:par>
+    </p:tnLst>
+  </p:timing>
 </p:sld>
 </file>
 
@@ -27239,6 +27648,40 @@
           </a:xfrm>
         </p:spPr>
       </p:pic>
+      <p:sp>
+        <p:nvSpPr>
+          <p:cNvPr id="3" name="ZoneTexte 2"/>
+          <p:cNvSpPr txBox="1"/>
+          <p:nvPr/>
+        </p:nvSpPr>
+        <p:spPr>
+          <a:xfrm>
+            <a:off x="8093669" y="4081393"/>
+            <a:ext cx="561910" cy="369332"/>
+          </a:xfrm>
+          <a:prstGeom prst="rect">
+            <a:avLst/>
+          </a:prstGeom>
+          <a:noFill/>
+        </p:spPr>
+        <p:txBody>
+          <a:bodyPr wrap="none" rtlCol="0">
+            <a:spAutoFit/>
+          </a:bodyPr>
+          <a:lstStyle/>
+          <a:p>
+            <a:r>
+              <a:rPr lang="fr-FR" dirty="0"/>
+              <a:t>o</a:t>
+            </a:r>
+            <a:r>
+              <a:rPr lang="fr-FR" dirty="0" smtClean="0"/>
+              <a:t>r +</a:t>
+            </a:r>
+            <a:endParaRPr lang="fr-FR" dirty="0"/>
+          </a:p>
+        </p:txBody>
+      </p:sp>
     </p:spTree>
     <p:extLst>
       <p:ext uri="{BB962C8B-B14F-4D97-AF65-F5344CB8AC3E}">
@@ -27249,6 +27692,13 @@
   <p:clrMapOvr>
     <a:masterClrMapping/>
   </p:clrMapOvr>
+  <p:timing>
+    <p:tnLst>
+      <p:par>
+        <p:cTn xmlns:p14="http://schemas.microsoft.com/office/powerpoint/2010/main" id="1" dur="indefinite" restart="never" nodeType="tmRoot"/>
+      </p:par>
+    </p:tnLst>
+  </p:timing>
 </p:sld>
 </file>
 
